--- a/statistical analysis/notes/diagrams.pptx
+++ b/statistical analysis/notes/diagrams.pptx
@@ -6,6 +6,11 @@
   </p:sldMasterIdLst>
   <p:sldIdLst>
     <p:sldId id="256" r:id="rId2"/>
+    <p:sldId id="257" r:id="rId3"/>
+    <p:sldId id="258" r:id="rId4"/>
+    <p:sldId id="259" r:id="rId5"/>
+    <p:sldId id="260" r:id="rId6"/>
+    <p:sldId id="261" r:id="rId7"/>
   </p:sldIdLst>
   <p:sldSz cx="12192000" cy="6858000"/>
   <p:notesSz cx="6858000" cy="9144000"/>
@@ -104,13 +109,18 @@
       </a:defRPr>
     </a:lvl9pPr>
   </p:defaultTextStyle>
+  <p:extLst>
+    <p:ext uri="{EFAFB233-063F-42B5-8137-9DF3F51BA10A}">
+      <p15:sldGuideLst xmlns:p15="http://schemas.microsoft.com/office/powerpoint/2012/main"/>
+    </p:ext>
+  </p:extLst>
 </p:presentation>
 </file>
 
 <file path=ppt/revisionInfo.xml><?xml version="1.0" encoding="utf-8"?>
 <p1510:revInfo xmlns:a="http://schemas.openxmlformats.org/drawingml/2006/main" xmlns:r="http://schemas.openxmlformats.org/officeDocument/2006/relationships" xmlns:p1510="http://schemas.microsoft.com/office/powerpoint/2015/10/main">
   <p1510:revLst>
-    <p1510:client id="{676EDF4D-A1C5-4744-876F-0FC3172F5F5E}" v="2" dt="2020-09-09T04:16:19.777"/>
+    <p1510:client id="{FFF10B4D-74EF-4270-8C2E-124173576A53}" v="54" dt="2020-10-09T10:20:59.628"/>
   </p1510:revLst>
 </p1510:revInfo>
 </file>
@@ -119,8 +129,8 @@
 <pc:chgInfo xmlns:a="http://schemas.openxmlformats.org/drawingml/2006/main" xmlns:r="http://schemas.openxmlformats.org/officeDocument/2006/relationships" xmlns:ac="http://schemas.microsoft.com/office/drawing/2013/main/command" xmlns:pc="http://schemas.microsoft.com/office/powerpoint/2013/main/command">
   <pc:docChgLst>
     <pc:chgData name="Sanyal, Sandipto" userId="ce8b666d-e07a-48aa-9977-3164567db1db" providerId="ADAL" clId="{676EDF4D-A1C5-4744-876F-0FC3172F5F5E}"/>
-    <pc:docChg chg="custSel addSld modSld">
-      <pc:chgData name="Sanyal, Sandipto" userId="ce8b666d-e07a-48aa-9977-3164567db1db" providerId="ADAL" clId="{676EDF4D-A1C5-4744-876F-0FC3172F5F5E}" dt="2020-09-09T04:16:29.806" v="12" actId="20577"/>
+    <pc:docChg chg="undo custSel addSld modSld">
+      <pc:chgData name="Sanyal, Sandipto" userId="ce8b666d-e07a-48aa-9977-3164567db1db" providerId="ADAL" clId="{676EDF4D-A1C5-4744-876F-0FC3172F5F5E}" dt="2020-09-10T09:38:50.261" v="123" actId="164"/>
       <pc:docMkLst>
         <pc:docMk/>
       </pc:docMkLst>
@@ -168,6 +178,921 @@
             <pc:docMk/>
             <pc:sldMk cId="2847892843" sldId="256"/>
             <ac:grpSpMk id="4" creationId="{44B1244E-D39F-4180-9977-DC9DE8BC0D1E}"/>
+          </ac:grpSpMkLst>
+        </pc:grpChg>
+      </pc:sldChg>
+      <pc:sldChg chg="addSp delSp modSp add modAnim">
+        <pc:chgData name="Sanyal, Sandipto" userId="ce8b666d-e07a-48aa-9977-3164567db1db" providerId="ADAL" clId="{676EDF4D-A1C5-4744-876F-0FC3172F5F5E}" dt="2020-09-10T09:38:50.261" v="123" actId="164"/>
+        <pc:sldMkLst>
+          <pc:docMk/>
+          <pc:sldMk cId="1460089611" sldId="257"/>
+        </pc:sldMkLst>
+        <pc:spChg chg="del">
+          <ac:chgData name="Sanyal, Sandipto" userId="ce8b666d-e07a-48aa-9977-3164567db1db" providerId="ADAL" clId="{676EDF4D-A1C5-4744-876F-0FC3172F5F5E}" dt="2020-09-09T13:10:35.522" v="14" actId="478"/>
+          <ac:spMkLst>
+            <pc:docMk/>
+            <pc:sldMk cId="1460089611" sldId="257"/>
+            <ac:spMk id="2" creationId="{B8B10779-BEB0-46A1-BD2A-875249D735DC}"/>
+          </ac:spMkLst>
+        </pc:spChg>
+        <pc:spChg chg="add mod">
+          <ac:chgData name="Sanyal, Sandipto" userId="ce8b666d-e07a-48aa-9977-3164567db1db" providerId="ADAL" clId="{676EDF4D-A1C5-4744-876F-0FC3172F5F5E}" dt="2020-09-10T07:16:09.544" v="61" actId="164"/>
+          <ac:spMkLst>
+            <pc:docMk/>
+            <pc:sldMk cId="1460089611" sldId="257"/>
+            <ac:spMk id="2" creationId="{F9268046-3B87-4261-8874-1E68E6B8E105}"/>
+          </ac:spMkLst>
+        </pc:spChg>
+        <pc:spChg chg="del">
+          <ac:chgData name="Sanyal, Sandipto" userId="ce8b666d-e07a-48aa-9977-3164567db1db" providerId="ADAL" clId="{676EDF4D-A1C5-4744-876F-0FC3172F5F5E}" dt="2020-09-09T13:10:35.522" v="14" actId="478"/>
+          <ac:spMkLst>
+            <pc:docMk/>
+            <pc:sldMk cId="1460089611" sldId="257"/>
+            <ac:spMk id="3" creationId="{89912EE6-0A44-4084-9C9A-A184994026E9}"/>
+          </ac:spMkLst>
+        </pc:spChg>
+        <pc:spChg chg="add mod">
+          <ac:chgData name="Sanyal, Sandipto" userId="ce8b666d-e07a-48aa-9977-3164567db1db" providerId="ADAL" clId="{676EDF4D-A1C5-4744-876F-0FC3172F5F5E}" dt="2020-09-10T09:38:50.261" v="123" actId="164"/>
+          <ac:spMkLst>
+            <pc:docMk/>
+            <pc:sldMk cId="1460089611" sldId="257"/>
+            <ac:spMk id="5" creationId="{4A2AA4BC-E6DF-4351-9EB6-2EB1C42B6AA2}"/>
+          </ac:spMkLst>
+        </pc:spChg>
+        <pc:spChg chg="add del mod">
+          <ac:chgData name="Sanyal, Sandipto" userId="ce8b666d-e07a-48aa-9977-3164567db1db" providerId="ADAL" clId="{676EDF4D-A1C5-4744-876F-0FC3172F5F5E}" dt="2020-09-09T13:11:02.470" v="19" actId="478"/>
+          <ac:spMkLst>
+            <pc:docMk/>
+            <pc:sldMk cId="1460089611" sldId="257"/>
+            <ac:spMk id="5" creationId="{4D5BE34C-3E51-442D-90B6-C795D9CCB52C}"/>
+          </ac:spMkLst>
+        </pc:spChg>
+        <pc:spChg chg="add mod">
+          <ac:chgData name="Sanyal, Sandipto" userId="ce8b666d-e07a-48aa-9977-3164567db1db" providerId="ADAL" clId="{676EDF4D-A1C5-4744-876F-0FC3172F5F5E}" dt="2020-09-09T13:12:09.838" v="41" actId="164"/>
+          <ac:spMkLst>
+            <pc:docMk/>
+            <pc:sldMk cId="1460089611" sldId="257"/>
+            <ac:spMk id="6" creationId="{480273F5-3DF3-4A55-A80A-4368D5E82841}"/>
+          </ac:spMkLst>
+        </pc:spChg>
+        <pc:spChg chg="add mod">
+          <ac:chgData name="Sanyal, Sandipto" userId="ce8b666d-e07a-48aa-9977-3164567db1db" providerId="ADAL" clId="{676EDF4D-A1C5-4744-876F-0FC3172F5F5E}" dt="2020-09-09T13:12:09.838" v="41" actId="164"/>
+          <ac:spMkLst>
+            <pc:docMk/>
+            <pc:sldMk cId="1460089611" sldId="257"/>
+            <ac:spMk id="7" creationId="{37C8C37C-D575-464E-9FBC-32E6B80CBAE4}"/>
+          </ac:spMkLst>
+        </pc:spChg>
+        <pc:spChg chg="add mod">
+          <ac:chgData name="Sanyal, Sandipto" userId="ce8b666d-e07a-48aa-9977-3164567db1db" providerId="ADAL" clId="{676EDF4D-A1C5-4744-876F-0FC3172F5F5E}" dt="2020-09-09T13:12:09.838" v="41" actId="164"/>
+          <ac:spMkLst>
+            <pc:docMk/>
+            <pc:sldMk cId="1460089611" sldId="257"/>
+            <ac:spMk id="8" creationId="{1142EC33-76E9-4672-B7D7-B658B5D9E230}"/>
+          </ac:spMkLst>
+        </pc:spChg>
+        <pc:spChg chg="add mod">
+          <ac:chgData name="Sanyal, Sandipto" userId="ce8b666d-e07a-48aa-9977-3164567db1db" providerId="ADAL" clId="{676EDF4D-A1C5-4744-876F-0FC3172F5F5E}" dt="2020-09-09T13:12:09.838" v="41" actId="164"/>
+          <ac:spMkLst>
+            <pc:docMk/>
+            <pc:sldMk cId="1460089611" sldId="257"/>
+            <ac:spMk id="9" creationId="{1394FFCF-174E-4D49-8A66-4B7092555A1A}"/>
+          </ac:spMkLst>
+        </pc:spChg>
+        <pc:spChg chg="add del mod">
+          <ac:chgData name="Sanyal, Sandipto" userId="ce8b666d-e07a-48aa-9977-3164567db1db" providerId="ADAL" clId="{676EDF4D-A1C5-4744-876F-0FC3172F5F5E}" dt="2020-09-10T07:14:05.589" v="43" actId="478"/>
+          <ac:spMkLst>
+            <pc:docMk/>
+            <pc:sldMk cId="1460089611" sldId="257"/>
+            <ac:spMk id="11" creationId="{06B8A173-23B3-4A18-BC60-8716C55E54F2}"/>
+          </ac:spMkLst>
+        </pc:spChg>
+        <pc:spChg chg="add mod">
+          <ac:chgData name="Sanyal, Sandipto" userId="ce8b666d-e07a-48aa-9977-3164567db1db" providerId="ADAL" clId="{676EDF4D-A1C5-4744-876F-0FC3172F5F5E}" dt="2020-09-10T07:16:09.544" v="61" actId="164"/>
+          <ac:spMkLst>
+            <pc:docMk/>
+            <pc:sldMk cId="1460089611" sldId="257"/>
+            <ac:spMk id="12" creationId="{23B2862B-4D70-4681-902F-250537873C32}"/>
+          </ac:spMkLst>
+        </pc:spChg>
+        <pc:spChg chg="add mod">
+          <ac:chgData name="Sanyal, Sandipto" userId="ce8b666d-e07a-48aa-9977-3164567db1db" providerId="ADAL" clId="{676EDF4D-A1C5-4744-876F-0FC3172F5F5E}" dt="2020-09-10T09:38:50.261" v="123" actId="164"/>
+          <ac:spMkLst>
+            <pc:docMk/>
+            <pc:sldMk cId="1460089611" sldId="257"/>
+            <ac:spMk id="26" creationId="{32BFBBDB-A14C-4C69-AB93-D14B017F15C9}"/>
+          </ac:spMkLst>
+        </pc:spChg>
+        <pc:spChg chg="add mod">
+          <ac:chgData name="Sanyal, Sandipto" userId="ce8b666d-e07a-48aa-9977-3164567db1db" providerId="ADAL" clId="{676EDF4D-A1C5-4744-876F-0FC3172F5F5E}" dt="2020-09-10T09:38:50.261" v="123" actId="164"/>
+          <ac:spMkLst>
+            <pc:docMk/>
+            <pc:sldMk cId="1460089611" sldId="257"/>
+            <ac:spMk id="27" creationId="{C32F76C4-C974-42B1-87B9-F9C625851184}"/>
+          </ac:spMkLst>
+        </pc:spChg>
+        <pc:spChg chg="add mod">
+          <ac:chgData name="Sanyal, Sandipto" userId="ce8b666d-e07a-48aa-9977-3164567db1db" providerId="ADAL" clId="{676EDF4D-A1C5-4744-876F-0FC3172F5F5E}" dt="2020-09-10T09:38:50.261" v="123" actId="164"/>
+          <ac:spMkLst>
+            <pc:docMk/>
+            <pc:sldMk cId="1460089611" sldId="257"/>
+            <ac:spMk id="28" creationId="{B4D624AF-C934-45CB-8460-2909BB240998}"/>
+          </ac:spMkLst>
+        </pc:spChg>
+        <pc:grpChg chg="add mod">
+          <ac:chgData name="Sanyal, Sandipto" userId="ce8b666d-e07a-48aa-9977-3164567db1db" providerId="ADAL" clId="{676EDF4D-A1C5-4744-876F-0FC3172F5F5E}" dt="2020-09-10T09:38:50.261" v="123" actId="164"/>
+          <ac:grpSpMkLst>
+            <pc:docMk/>
+            <pc:sldMk cId="1460089611" sldId="257"/>
+            <ac:grpSpMk id="3" creationId="{7CF92624-7337-46E2-B8EE-5D1C39832220}"/>
+          </ac:grpSpMkLst>
+        </pc:grpChg>
+        <pc:grpChg chg="add mod">
+          <ac:chgData name="Sanyal, Sandipto" userId="ce8b666d-e07a-48aa-9977-3164567db1db" providerId="ADAL" clId="{676EDF4D-A1C5-4744-876F-0FC3172F5F5E}" dt="2020-09-10T07:16:09.544" v="61" actId="164"/>
+          <ac:grpSpMkLst>
+            <pc:docMk/>
+            <pc:sldMk cId="1460089611" sldId="257"/>
+            <ac:grpSpMk id="10" creationId="{9AC48CC5-4F88-48BC-B32F-23A8BE5B738D}"/>
+          </ac:grpSpMkLst>
+        </pc:grpChg>
+        <pc:grpChg chg="add mod">
+          <ac:chgData name="Sanyal, Sandipto" userId="ce8b666d-e07a-48aa-9977-3164567db1db" providerId="ADAL" clId="{676EDF4D-A1C5-4744-876F-0FC3172F5F5E}" dt="2020-09-10T09:38:50.261" v="123" actId="164"/>
+          <ac:grpSpMkLst>
+            <pc:docMk/>
+            <pc:sldMk cId="1460089611" sldId="257"/>
+            <ac:grpSpMk id="29" creationId="{611CFF08-673D-4363-9D38-A301BE235BBF}"/>
+          </ac:grpSpMkLst>
+        </pc:grpChg>
+        <pc:graphicFrameChg chg="add del">
+          <ac:chgData name="Sanyal, Sandipto" userId="ce8b666d-e07a-48aa-9977-3164567db1db" providerId="ADAL" clId="{676EDF4D-A1C5-4744-876F-0FC3172F5F5E}" dt="2020-09-10T08:47:13.935" v="65"/>
+          <ac:graphicFrameMkLst>
+            <pc:docMk/>
+            <pc:sldMk cId="1460089611" sldId="257"/>
+            <ac:graphicFrameMk id="13" creationId="{265A1A04-5EC3-40A9-9974-BEECCD372510}"/>
+          </ac:graphicFrameMkLst>
+        </pc:graphicFrameChg>
+        <pc:graphicFrameChg chg="add del">
+          <ac:chgData name="Sanyal, Sandipto" userId="ce8b666d-e07a-48aa-9977-3164567db1db" providerId="ADAL" clId="{676EDF4D-A1C5-4744-876F-0FC3172F5F5E}" dt="2020-09-10T08:47:13.935" v="65"/>
+          <ac:graphicFrameMkLst>
+            <pc:docMk/>
+            <pc:sldMk cId="1460089611" sldId="257"/>
+            <ac:graphicFrameMk id="14" creationId="{25D8582A-9FE0-4C98-8DBE-D6184461FD39}"/>
+          </ac:graphicFrameMkLst>
+        </pc:graphicFrameChg>
+        <pc:graphicFrameChg chg="add del">
+          <ac:chgData name="Sanyal, Sandipto" userId="ce8b666d-e07a-48aa-9977-3164567db1db" providerId="ADAL" clId="{676EDF4D-A1C5-4744-876F-0FC3172F5F5E}" dt="2020-09-10T08:47:13.935" v="65"/>
+          <ac:graphicFrameMkLst>
+            <pc:docMk/>
+            <pc:sldMk cId="1460089611" sldId="257"/>
+            <ac:graphicFrameMk id="15" creationId="{609CEFAB-7C04-4CF1-9CEA-AAB9AF7B4C71}"/>
+          </ac:graphicFrameMkLst>
+        </pc:graphicFrameChg>
+        <pc:graphicFrameChg chg="add del">
+          <ac:chgData name="Sanyal, Sandipto" userId="ce8b666d-e07a-48aa-9977-3164567db1db" providerId="ADAL" clId="{676EDF4D-A1C5-4744-876F-0FC3172F5F5E}" dt="2020-09-10T08:47:13.935" v="65"/>
+          <ac:graphicFrameMkLst>
+            <pc:docMk/>
+            <pc:sldMk cId="1460089611" sldId="257"/>
+            <ac:graphicFrameMk id="16" creationId="{3D020430-249C-4FA6-AE77-3F6D9B42C0A5}"/>
+          </ac:graphicFrameMkLst>
+        </pc:graphicFrameChg>
+        <pc:graphicFrameChg chg="add del">
+          <ac:chgData name="Sanyal, Sandipto" userId="ce8b666d-e07a-48aa-9977-3164567db1db" providerId="ADAL" clId="{676EDF4D-A1C5-4744-876F-0FC3172F5F5E}" dt="2020-09-10T08:47:13.935" v="65"/>
+          <ac:graphicFrameMkLst>
+            <pc:docMk/>
+            <pc:sldMk cId="1460089611" sldId="257"/>
+            <ac:graphicFrameMk id="17" creationId="{BD97DFD9-7AFE-454B-A7E6-F556B3ED3BD1}"/>
+          </ac:graphicFrameMkLst>
+        </pc:graphicFrameChg>
+        <pc:graphicFrameChg chg="add del">
+          <ac:chgData name="Sanyal, Sandipto" userId="ce8b666d-e07a-48aa-9977-3164567db1db" providerId="ADAL" clId="{676EDF4D-A1C5-4744-876F-0FC3172F5F5E}" dt="2020-09-10T08:47:13.935" v="65"/>
+          <ac:graphicFrameMkLst>
+            <pc:docMk/>
+            <pc:sldMk cId="1460089611" sldId="257"/>
+            <ac:graphicFrameMk id="18" creationId="{CF6BD763-075F-4D3D-9D5C-FAF3021AE1C0}"/>
+          </ac:graphicFrameMkLst>
+        </pc:graphicFrameChg>
+        <pc:graphicFrameChg chg="add del">
+          <ac:chgData name="Sanyal, Sandipto" userId="ce8b666d-e07a-48aa-9977-3164567db1db" providerId="ADAL" clId="{676EDF4D-A1C5-4744-876F-0FC3172F5F5E}" dt="2020-09-10T08:47:13.935" v="65"/>
+          <ac:graphicFrameMkLst>
+            <pc:docMk/>
+            <pc:sldMk cId="1460089611" sldId="257"/>
+            <ac:graphicFrameMk id="19" creationId="{96BC0E5A-5133-4CCA-955B-003917246E45}"/>
+          </ac:graphicFrameMkLst>
+        </pc:graphicFrameChg>
+        <pc:graphicFrameChg chg="add del">
+          <ac:chgData name="Sanyal, Sandipto" userId="ce8b666d-e07a-48aa-9977-3164567db1db" providerId="ADAL" clId="{676EDF4D-A1C5-4744-876F-0FC3172F5F5E}" dt="2020-09-10T08:47:13.935" v="65"/>
+          <ac:graphicFrameMkLst>
+            <pc:docMk/>
+            <pc:sldMk cId="1460089611" sldId="257"/>
+            <ac:graphicFrameMk id="20" creationId="{F2E2ACD1-B046-4690-A8C4-161E0CAA0A77}"/>
+          </ac:graphicFrameMkLst>
+        </pc:graphicFrameChg>
+        <pc:graphicFrameChg chg="add del">
+          <ac:chgData name="Sanyal, Sandipto" userId="ce8b666d-e07a-48aa-9977-3164567db1db" providerId="ADAL" clId="{676EDF4D-A1C5-4744-876F-0FC3172F5F5E}" dt="2020-09-10T08:47:13.935" v="65"/>
+          <ac:graphicFrameMkLst>
+            <pc:docMk/>
+            <pc:sldMk cId="1460089611" sldId="257"/>
+            <ac:graphicFrameMk id="21" creationId="{EF7ED2D4-4DF8-4662-A40B-928736C1016C}"/>
+          </ac:graphicFrameMkLst>
+        </pc:graphicFrameChg>
+        <pc:graphicFrameChg chg="add del">
+          <ac:chgData name="Sanyal, Sandipto" userId="ce8b666d-e07a-48aa-9977-3164567db1db" providerId="ADAL" clId="{676EDF4D-A1C5-4744-876F-0FC3172F5F5E}" dt="2020-09-10T08:47:13.935" v="65"/>
+          <ac:graphicFrameMkLst>
+            <pc:docMk/>
+            <pc:sldMk cId="1460089611" sldId="257"/>
+            <ac:graphicFrameMk id="22" creationId="{4BFFBB83-CDEE-4AF0-A175-60F3B5BDB998}"/>
+          </ac:graphicFrameMkLst>
+        </pc:graphicFrameChg>
+        <pc:graphicFrameChg chg="add del">
+          <ac:chgData name="Sanyal, Sandipto" userId="ce8b666d-e07a-48aa-9977-3164567db1db" providerId="ADAL" clId="{676EDF4D-A1C5-4744-876F-0FC3172F5F5E}" dt="2020-09-10T08:47:13.935" v="65"/>
+          <ac:graphicFrameMkLst>
+            <pc:docMk/>
+            <pc:sldMk cId="1460089611" sldId="257"/>
+            <ac:graphicFrameMk id="23" creationId="{81FFC197-D666-4DCC-931E-02A6B104665C}"/>
+          </ac:graphicFrameMkLst>
+        </pc:graphicFrameChg>
+        <pc:graphicFrameChg chg="add del">
+          <ac:chgData name="Sanyal, Sandipto" userId="ce8b666d-e07a-48aa-9977-3164567db1db" providerId="ADAL" clId="{676EDF4D-A1C5-4744-876F-0FC3172F5F5E}" dt="2020-09-10T08:47:13.935" v="65"/>
+          <ac:graphicFrameMkLst>
+            <pc:docMk/>
+            <pc:sldMk cId="1460089611" sldId="257"/>
+            <ac:graphicFrameMk id="24" creationId="{A0137718-E85A-4188-92FA-68DB4E1CCA59}"/>
+          </ac:graphicFrameMkLst>
+        </pc:graphicFrameChg>
+        <pc:graphicFrameChg chg="add del">
+          <ac:chgData name="Sanyal, Sandipto" userId="ce8b666d-e07a-48aa-9977-3164567db1db" providerId="ADAL" clId="{676EDF4D-A1C5-4744-876F-0FC3172F5F5E}" dt="2020-09-10T08:47:13.935" v="65"/>
+          <ac:graphicFrameMkLst>
+            <pc:docMk/>
+            <pc:sldMk cId="1460089611" sldId="257"/>
+            <ac:graphicFrameMk id="25" creationId="{16DAF3BA-377D-4648-AFC0-352C8CF36761}"/>
+          </ac:graphicFrameMkLst>
+        </pc:graphicFrameChg>
+        <pc:picChg chg="add mod">
+          <ac:chgData name="Sanyal, Sandipto" userId="ce8b666d-e07a-48aa-9977-3164567db1db" providerId="ADAL" clId="{676EDF4D-A1C5-4744-876F-0FC3172F5F5E}" dt="2020-09-10T08:47:00.814" v="63" actId="1076"/>
+          <ac:picMkLst>
+            <pc:docMk/>
+            <pc:sldMk cId="1460089611" sldId="257"/>
+            <ac:picMk id="4" creationId="{CD323321-1B63-493B-9157-058F86F2F905}"/>
+          </ac:picMkLst>
+        </pc:picChg>
+      </pc:sldChg>
+      <pc:sldChg chg="addSp delSp modSp add addAnim delAnim modAnim">
+        <pc:chgData name="Sanyal, Sandipto" userId="ce8b666d-e07a-48aa-9977-3164567db1db" providerId="ADAL" clId="{676EDF4D-A1C5-4744-876F-0FC3172F5F5E}" dt="2020-09-10T08:49:32.709" v="90" actId="1076"/>
+        <pc:sldMkLst>
+          <pc:docMk/>
+          <pc:sldMk cId="3868626637" sldId="258"/>
+        </pc:sldMkLst>
+        <pc:spChg chg="del">
+          <ac:chgData name="Sanyal, Sandipto" userId="ce8b666d-e07a-48aa-9977-3164567db1db" providerId="ADAL" clId="{676EDF4D-A1C5-4744-876F-0FC3172F5F5E}" dt="2020-09-10T08:47:18.459" v="67" actId="478"/>
+          <ac:spMkLst>
+            <pc:docMk/>
+            <pc:sldMk cId="3868626637" sldId="258"/>
+            <ac:spMk id="2" creationId="{66498565-269C-4721-B396-35A4E1F99C80}"/>
+          </ac:spMkLst>
+        </pc:spChg>
+        <pc:spChg chg="del">
+          <ac:chgData name="Sanyal, Sandipto" userId="ce8b666d-e07a-48aa-9977-3164567db1db" providerId="ADAL" clId="{676EDF4D-A1C5-4744-876F-0FC3172F5F5E}" dt="2020-09-10T08:47:18.459" v="67" actId="478"/>
+          <ac:spMkLst>
+            <pc:docMk/>
+            <pc:sldMk cId="3868626637" sldId="258"/>
+            <ac:spMk id="3" creationId="{40844982-02BE-48D4-93E4-146F6EBC88FE}"/>
+          </ac:spMkLst>
+        </pc:spChg>
+        <pc:graphicFrameChg chg="add del">
+          <ac:chgData name="Sanyal, Sandipto" userId="ce8b666d-e07a-48aa-9977-3164567db1db" providerId="ADAL" clId="{676EDF4D-A1C5-4744-876F-0FC3172F5F5E}" dt="2020-09-10T08:47:23.702" v="71"/>
+          <ac:graphicFrameMkLst>
+            <pc:docMk/>
+            <pc:sldMk cId="3868626637" sldId="258"/>
+            <ac:graphicFrameMk id="4" creationId="{E8177B31-0DAD-42B3-9837-CB64430E0D87}"/>
+          </ac:graphicFrameMkLst>
+        </pc:graphicFrameChg>
+        <pc:graphicFrameChg chg="add del">
+          <ac:chgData name="Sanyal, Sandipto" userId="ce8b666d-e07a-48aa-9977-3164567db1db" providerId="ADAL" clId="{676EDF4D-A1C5-4744-876F-0FC3172F5F5E}" dt="2020-09-10T08:47:23.702" v="71"/>
+          <ac:graphicFrameMkLst>
+            <pc:docMk/>
+            <pc:sldMk cId="3868626637" sldId="258"/>
+            <ac:graphicFrameMk id="5" creationId="{07F08BBC-EA66-4FDB-9A8B-D25989EE22C7}"/>
+          </ac:graphicFrameMkLst>
+        </pc:graphicFrameChg>
+        <pc:graphicFrameChg chg="add del">
+          <ac:chgData name="Sanyal, Sandipto" userId="ce8b666d-e07a-48aa-9977-3164567db1db" providerId="ADAL" clId="{676EDF4D-A1C5-4744-876F-0FC3172F5F5E}" dt="2020-09-10T08:47:23.702" v="71"/>
+          <ac:graphicFrameMkLst>
+            <pc:docMk/>
+            <pc:sldMk cId="3868626637" sldId="258"/>
+            <ac:graphicFrameMk id="6" creationId="{C40E8593-496D-4FC5-A858-31986F779C8D}"/>
+          </ac:graphicFrameMkLst>
+        </pc:graphicFrameChg>
+        <pc:graphicFrameChg chg="add del">
+          <ac:chgData name="Sanyal, Sandipto" userId="ce8b666d-e07a-48aa-9977-3164567db1db" providerId="ADAL" clId="{676EDF4D-A1C5-4744-876F-0FC3172F5F5E}" dt="2020-09-10T08:47:23.702" v="71"/>
+          <ac:graphicFrameMkLst>
+            <pc:docMk/>
+            <pc:sldMk cId="3868626637" sldId="258"/>
+            <ac:graphicFrameMk id="7" creationId="{4D763F3D-0A8B-462F-862C-8BDEDE9C0CDA}"/>
+          </ac:graphicFrameMkLst>
+        </pc:graphicFrameChg>
+        <pc:graphicFrameChg chg="add del">
+          <ac:chgData name="Sanyal, Sandipto" userId="ce8b666d-e07a-48aa-9977-3164567db1db" providerId="ADAL" clId="{676EDF4D-A1C5-4744-876F-0FC3172F5F5E}" dt="2020-09-10T08:47:23.702" v="71"/>
+          <ac:graphicFrameMkLst>
+            <pc:docMk/>
+            <pc:sldMk cId="3868626637" sldId="258"/>
+            <ac:graphicFrameMk id="8" creationId="{EDDAE339-1C5A-4441-9C51-2E39A48AE3E1}"/>
+          </ac:graphicFrameMkLst>
+        </pc:graphicFrameChg>
+        <pc:graphicFrameChg chg="add del">
+          <ac:chgData name="Sanyal, Sandipto" userId="ce8b666d-e07a-48aa-9977-3164567db1db" providerId="ADAL" clId="{676EDF4D-A1C5-4744-876F-0FC3172F5F5E}" dt="2020-09-10T08:47:23.702" v="71"/>
+          <ac:graphicFrameMkLst>
+            <pc:docMk/>
+            <pc:sldMk cId="3868626637" sldId="258"/>
+            <ac:graphicFrameMk id="9" creationId="{187CDAA8-A712-48CF-8C93-AB857218DC55}"/>
+          </ac:graphicFrameMkLst>
+        </pc:graphicFrameChg>
+        <pc:graphicFrameChg chg="add del">
+          <ac:chgData name="Sanyal, Sandipto" userId="ce8b666d-e07a-48aa-9977-3164567db1db" providerId="ADAL" clId="{676EDF4D-A1C5-4744-876F-0FC3172F5F5E}" dt="2020-09-10T08:47:23.702" v="71"/>
+          <ac:graphicFrameMkLst>
+            <pc:docMk/>
+            <pc:sldMk cId="3868626637" sldId="258"/>
+            <ac:graphicFrameMk id="10" creationId="{161EFE70-79F4-4B3A-9103-E17E6F3D1816}"/>
+          </ac:graphicFrameMkLst>
+        </pc:graphicFrameChg>
+        <pc:graphicFrameChg chg="add del">
+          <ac:chgData name="Sanyal, Sandipto" userId="ce8b666d-e07a-48aa-9977-3164567db1db" providerId="ADAL" clId="{676EDF4D-A1C5-4744-876F-0FC3172F5F5E}" dt="2020-09-10T08:47:23.702" v="71"/>
+          <ac:graphicFrameMkLst>
+            <pc:docMk/>
+            <pc:sldMk cId="3868626637" sldId="258"/>
+            <ac:graphicFrameMk id="11" creationId="{D8B209CD-A87D-445D-871E-7F3158D7B9BF}"/>
+          </ac:graphicFrameMkLst>
+        </pc:graphicFrameChg>
+        <pc:graphicFrameChg chg="add del">
+          <ac:chgData name="Sanyal, Sandipto" userId="ce8b666d-e07a-48aa-9977-3164567db1db" providerId="ADAL" clId="{676EDF4D-A1C5-4744-876F-0FC3172F5F5E}" dt="2020-09-10T08:47:23.702" v="71"/>
+          <ac:graphicFrameMkLst>
+            <pc:docMk/>
+            <pc:sldMk cId="3868626637" sldId="258"/>
+            <ac:graphicFrameMk id="12" creationId="{75DD00E8-BE0B-4EF2-9405-CBC0A32893F5}"/>
+          </ac:graphicFrameMkLst>
+        </pc:graphicFrameChg>
+        <pc:graphicFrameChg chg="add del">
+          <ac:chgData name="Sanyal, Sandipto" userId="ce8b666d-e07a-48aa-9977-3164567db1db" providerId="ADAL" clId="{676EDF4D-A1C5-4744-876F-0FC3172F5F5E}" dt="2020-09-10T08:47:23.702" v="71"/>
+          <ac:graphicFrameMkLst>
+            <pc:docMk/>
+            <pc:sldMk cId="3868626637" sldId="258"/>
+            <ac:graphicFrameMk id="13" creationId="{28ECC83C-9FA4-4172-AE11-7C0A3A1B4C38}"/>
+          </ac:graphicFrameMkLst>
+        </pc:graphicFrameChg>
+        <pc:graphicFrameChg chg="add del">
+          <ac:chgData name="Sanyal, Sandipto" userId="ce8b666d-e07a-48aa-9977-3164567db1db" providerId="ADAL" clId="{676EDF4D-A1C5-4744-876F-0FC3172F5F5E}" dt="2020-09-10T08:47:23.702" v="71"/>
+          <ac:graphicFrameMkLst>
+            <pc:docMk/>
+            <pc:sldMk cId="3868626637" sldId="258"/>
+            <ac:graphicFrameMk id="14" creationId="{D437B6BA-28DC-4745-A026-BB97AFEF5468}"/>
+          </ac:graphicFrameMkLst>
+        </pc:graphicFrameChg>
+        <pc:graphicFrameChg chg="add del">
+          <ac:chgData name="Sanyal, Sandipto" userId="ce8b666d-e07a-48aa-9977-3164567db1db" providerId="ADAL" clId="{676EDF4D-A1C5-4744-876F-0FC3172F5F5E}" dt="2020-09-10T08:47:23.702" v="71"/>
+          <ac:graphicFrameMkLst>
+            <pc:docMk/>
+            <pc:sldMk cId="3868626637" sldId="258"/>
+            <ac:graphicFrameMk id="15" creationId="{20B3901D-9764-48D0-B398-53A2968D4FE0}"/>
+          </ac:graphicFrameMkLst>
+        </pc:graphicFrameChg>
+        <pc:graphicFrameChg chg="add del">
+          <ac:chgData name="Sanyal, Sandipto" userId="ce8b666d-e07a-48aa-9977-3164567db1db" providerId="ADAL" clId="{676EDF4D-A1C5-4744-876F-0FC3172F5F5E}" dt="2020-09-10T08:47:23.702" v="71"/>
+          <ac:graphicFrameMkLst>
+            <pc:docMk/>
+            <pc:sldMk cId="3868626637" sldId="258"/>
+            <ac:graphicFrameMk id="16" creationId="{5D446FD2-05E5-46AA-A653-435A60539166}"/>
+          </ac:graphicFrameMkLst>
+        </pc:graphicFrameChg>
+        <pc:graphicFrameChg chg="add del mod modGraphic">
+          <ac:chgData name="Sanyal, Sandipto" userId="ce8b666d-e07a-48aa-9977-3164567db1db" providerId="ADAL" clId="{676EDF4D-A1C5-4744-876F-0FC3172F5F5E}" dt="2020-09-10T08:49:05.282" v="83" actId="2166"/>
+          <ac:graphicFrameMkLst>
+            <pc:docMk/>
+            <pc:sldMk cId="3868626637" sldId="258"/>
+            <ac:graphicFrameMk id="17" creationId="{4345D856-7A7E-4B3C-A8B7-E0C60214DB47}"/>
+          </ac:graphicFrameMkLst>
+        </pc:graphicFrameChg>
+        <pc:graphicFrameChg chg="add del mod modGraphic">
+          <ac:chgData name="Sanyal, Sandipto" userId="ce8b666d-e07a-48aa-9977-3164567db1db" providerId="ADAL" clId="{676EDF4D-A1C5-4744-876F-0FC3172F5F5E}" dt="2020-09-10T08:48:35.157" v="81" actId="2166"/>
+          <ac:graphicFrameMkLst>
+            <pc:docMk/>
+            <pc:sldMk cId="3868626637" sldId="258"/>
+            <ac:graphicFrameMk id="18" creationId="{30B93869-DE83-41C2-8FEF-84767B1D0E0B}"/>
+          </ac:graphicFrameMkLst>
+        </pc:graphicFrameChg>
+        <pc:graphicFrameChg chg="add del mod">
+          <ac:chgData name="Sanyal, Sandipto" userId="ce8b666d-e07a-48aa-9977-3164567db1db" providerId="ADAL" clId="{676EDF4D-A1C5-4744-876F-0FC3172F5F5E}" dt="2020-09-10T08:47:47.463" v="78"/>
+          <ac:graphicFrameMkLst>
+            <pc:docMk/>
+            <pc:sldMk cId="3868626637" sldId="258"/>
+            <ac:graphicFrameMk id="19" creationId="{FBDE2C84-7430-458E-9B7B-47CE84FDBBD9}"/>
+          </ac:graphicFrameMkLst>
+        </pc:graphicFrameChg>
+        <pc:graphicFrameChg chg="add del mod">
+          <ac:chgData name="Sanyal, Sandipto" userId="ce8b666d-e07a-48aa-9977-3164567db1db" providerId="ADAL" clId="{676EDF4D-A1C5-4744-876F-0FC3172F5F5E}" dt="2020-09-10T08:47:47.463" v="78"/>
+          <ac:graphicFrameMkLst>
+            <pc:docMk/>
+            <pc:sldMk cId="3868626637" sldId="258"/>
+            <ac:graphicFrameMk id="20" creationId="{8B946D5A-64E9-4818-8702-412E27253E81}"/>
+          </ac:graphicFrameMkLst>
+        </pc:graphicFrameChg>
+        <pc:graphicFrameChg chg="add del mod">
+          <ac:chgData name="Sanyal, Sandipto" userId="ce8b666d-e07a-48aa-9977-3164567db1db" providerId="ADAL" clId="{676EDF4D-A1C5-4744-876F-0FC3172F5F5E}" dt="2020-09-10T08:47:47.463" v="78"/>
+          <ac:graphicFrameMkLst>
+            <pc:docMk/>
+            <pc:sldMk cId="3868626637" sldId="258"/>
+            <ac:graphicFrameMk id="21" creationId="{FC17F354-3601-4A46-AEC3-ABCB3AC3663B}"/>
+          </ac:graphicFrameMkLst>
+        </pc:graphicFrameChg>
+        <pc:graphicFrameChg chg="add del mod">
+          <ac:chgData name="Sanyal, Sandipto" userId="ce8b666d-e07a-48aa-9977-3164567db1db" providerId="ADAL" clId="{676EDF4D-A1C5-4744-876F-0FC3172F5F5E}" dt="2020-09-10T08:48:52.863" v="82" actId="478"/>
+          <ac:graphicFrameMkLst>
+            <pc:docMk/>
+            <pc:sldMk cId="3868626637" sldId="258"/>
+            <ac:graphicFrameMk id="22" creationId="{B36BF26A-FEA1-4E83-BFF6-BADCF2B0933C}"/>
+          </ac:graphicFrameMkLst>
+        </pc:graphicFrameChg>
+        <pc:graphicFrameChg chg="add del mod">
+          <ac:chgData name="Sanyal, Sandipto" userId="ce8b666d-e07a-48aa-9977-3164567db1db" providerId="ADAL" clId="{676EDF4D-A1C5-4744-876F-0FC3172F5F5E}" dt="2020-09-10T08:49:32.709" v="90" actId="1076"/>
+          <ac:graphicFrameMkLst>
+            <pc:docMk/>
+            <pc:sldMk cId="3868626637" sldId="258"/>
+            <ac:graphicFrameMk id="23" creationId="{035F21A0-DB9E-4283-A520-B38E3577C2C9}"/>
+          </ac:graphicFrameMkLst>
+        </pc:graphicFrameChg>
+        <pc:graphicFrameChg chg="add del mod">
+          <ac:chgData name="Sanyal, Sandipto" userId="ce8b666d-e07a-48aa-9977-3164567db1db" providerId="ADAL" clId="{676EDF4D-A1C5-4744-876F-0FC3172F5F5E}" dt="2020-09-10T08:49:26.951" v="89" actId="478"/>
+          <ac:graphicFrameMkLst>
+            <pc:docMk/>
+            <pc:sldMk cId="3868626637" sldId="258"/>
+            <ac:graphicFrameMk id="24" creationId="{A81D9701-B0A6-4138-8DAC-72A747FB8CE1}"/>
+          </ac:graphicFrameMkLst>
+        </pc:graphicFrameChg>
+        <pc:graphicFrameChg chg="add del mod">
+          <ac:chgData name="Sanyal, Sandipto" userId="ce8b666d-e07a-48aa-9977-3164567db1db" providerId="ADAL" clId="{676EDF4D-A1C5-4744-876F-0FC3172F5F5E}" dt="2020-09-10T08:49:17.672" v="86" actId="478"/>
+          <ac:graphicFrameMkLst>
+            <pc:docMk/>
+            <pc:sldMk cId="3868626637" sldId="258"/>
+            <ac:graphicFrameMk id="25" creationId="{64491EEE-24A3-4554-A7D1-9786A3471139}"/>
+          </ac:graphicFrameMkLst>
+        </pc:graphicFrameChg>
+        <pc:graphicFrameChg chg="add del mod">
+          <ac:chgData name="Sanyal, Sandipto" userId="ce8b666d-e07a-48aa-9977-3164567db1db" providerId="ADAL" clId="{676EDF4D-A1C5-4744-876F-0FC3172F5F5E}" dt="2020-09-10T08:49:25.903" v="88" actId="478"/>
+          <ac:graphicFrameMkLst>
+            <pc:docMk/>
+            <pc:sldMk cId="3868626637" sldId="258"/>
+            <ac:graphicFrameMk id="26" creationId="{9C943207-DE8F-4F45-A854-6C46A517581E}"/>
+          </ac:graphicFrameMkLst>
+        </pc:graphicFrameChg>
+        <pc:graphicFrameChg chg="add del mod">
+          <ac:chgData name="Sanyal, Sandipto" userId="ce8b666d-e07a-48aa-9977-3164567db1db" providerId="ADAL" clId="{676EDF4D-A1C5-4744-876F-0FC3172F5F5E}" dt="2020-09-10T08:49:23.792" v="87" actId="478"/>
+          <ac:graphicFrameMkLst>
+            <pc:docMk/>
+            <pc:sldMk cId="3868626637" sldId="258"/>
+            <ac:graphicFrameMk id="27" creationId="{A075BD44-37D8-4D06-AA09-FC6D6DABCD16}"/>
+          </ac:graphicFrameMkLst>
+        </pc:graphicFrameChg>
+        <pc:graphicFrameChg chg="add del mod">
+          <ac:chgData name="Sanyal, Sandipto" userId="ce8b666d-e07a-48aa-9977-3164567db1db" providerId="ADAL" clId="{676EDF4D-A1C5-4744-876F-0FC3172F5F5E}" dt="2020-09-10T08:49:15.230" v="85" actId="478"/>
+          <ac:graphicFrameMkLst>
+            <pc:docMk/>
+            <pc:sldMk cId="3868626637" sldId="258"/>
+            <ac:graphicFrameMk id="28" creationId="{83323DCD-FF3A-420D-B7A2-C60DBC4A91E4}"/>
+          </ac:graphicFrameMkLst>
+        </pc:graphicFrameChg>
+        <pc:graphicFrameChg chg="add del mod">
+          <ac:chgData name="Sanyal, Sandipto" userId="ce8b666d-e07a-48aa-9977-3164567db1db" providerId="ADAL" clId="{676EDF4D-A1C5-4744-876F-0FC3172F5F5E}" dt="2020-09-10T08:49:12.660" v="84" actId="1076"/>
+          <ac:graphicFrameMkLst>
+            <pc:docMk/>
+            <pc:sldMk cId="3868626637" sldId="258"/>
+            <ac:graphicFrameMk id="29" creationId="{C09659FA-703D-4364-8F0A-56A0E466E696}"/>
+          </ac:graphicFrameMkLst>
+        </pc:graphicFrameChg>
+      </pc:sldChg>
+    </pc:docChg>
+  </pc:docChgLst>
+  <pc:docChgLst>
+    <pc:chgData name="Sanyal, Sandipto" userId="ce8b666d-e07a-48aa-9977-3164567db1db" providerId="ADAL" clId="{FFF10B4D-74EF-4270-8C2E-124173576A53}"/>
+    <pc:docChg chg="undo custSel addSld modSld">
+      <pc:chgData name="Sanyal, Sandipto" userId="ce8b666d-e07a-48aa-9977-3164567db1db" providerId="ADAL" clId="{FFF10B4D-74EF-4270-8C2E-124173576A53}" dt="2020-10-09T10:21:05.103" v="213" actId="14100"/>
+      <pc:docMkLst>
+        <pc:docMk/>
+      </pc:docMkLst>
+      <pc:sldChg chg="addSp delSp modSp">
+        <pc:chgData name="Sanyal, Sandipto" userId="ce8b666d-e07a-48aa-9977-3164567db1db" providerId="ADAL" clId="{FFF10B4D-74EF-4270-8C2E-124173576A53}" dt="2020-10-09T08:06:40.223" v="88" actId="6549"/>
+        <pc:sldMkLst>
+          <pc:docMk/>
+          <pc:sldMk cId="2847892843" sldId="256"/>
+        </pc:sldMkLst>
+        <pc:spChg chg="mod">
+          <ac:chgData name="Sanyal, Sandipto" userId="ce8b666d-e07a-48aa-9977-3164567db1db" providerId="ADAL" clId="{FFF10B4D-74EF-4270-8C2E-124173576A53}" dt="2020-10-09T08:06:40.223" v="88" actId="6549"/>
+          <ac:spMkLst>
+            <pc:docMk/>
+            <pc:sldMk cId="2847892843" sldId="256"/>
+            <ac:spMk id="12" creationId="{7F4716EB-B799-438C-95FD-CEF6DF17C19A}"/>
+          </ac:spMkLst>
+        </pc:spChg>
+        <pc:spChg chg="mod">
+          <ac:chgData name="Sanyal, Sandipto" userId="ce8b666d-e07a-48aa-9977-3164567db1db" providerId="ADAL" clId="{FFF10B4D-74EF-4270-8C2E-124173576A53}" dt="2020-10-09T08:01:20.538" v="82" actId="1076"/>
+          <ac:spMkLst>
+            <pc:docMk/>
+            <pc:sldMk cId="2847892843" sldId="256"/>
+            <ac:spMk id="13" creationId="{A3D2D73F-490A-4D37-90E0-F0D0F808B916}"/>
+          </ac:spMkLst>
+        </pc:spChg>
+        <pc:spChg chg="del">
+          <ac:chgData name="Sanyal, Sandipto" userId="ce8b666d-e07a-48aa-9977-3164567db1db" providerId="ADAL" clId="{FFF10B4D-74EF-4270-8C2E-124173576A53}" dt="2020-10-09T08:00:21.115" v="73" actId="478"/>
+          <ac:spMkLst>
+            <pc:docMk/>
+            <pc:sldMk cId="2847892843" sldId="256"/>
+            <ac:spMk id="15" creationId="{1DF6097C-436A-4878-BE02-18BEF2A1B835}"/>
+          </ac:spMkLst>
+        </pc:spChg>
+        <pc:spChg chg="mod">
+          <ac:chgData name="Sanyal, Sandipto" userId="ce8b666d-e07a-48aa-9977-3164567db1db" providerId="ADAL" clId="{FFF10B4D-74EF-4270-8C2E-124173576A53}" dt="2020-10-09T08:00:16.257" v="72"/>
+          <ac:spMkLst>
+            <pc:docMk/>
+            <pc:sldMk cId="2847892843" sldId="256"/>
+            <ac:spMk id="16" creationId="{5FD8A5F4-2625-442A-A83A-08E6DCCB8C16}"/>
+          </ac:spMkLst>
+        </pc:spChg>
+        <pc:spChg chg="del">
+          <ac:chgData name="Sanyal, Sandipto" userId="ce8b666d-e07a-48aa-9977-3164567db1db" providerId="ADAL" clId="{FFF10B4D-74EF-4270-8C2E-124173576A53}" dt="2020-10-09T08:01:17.660" v="81" actId="478"/>
+          <ac:spMkLst>
+            <pc:docMk/>
+            <pc:sldMk cId="2847892843" sldId="256"/>
+            <ac:spMk id="17" creationId="{62C2C2E5-CE1C-4D75-BC89-C6A1C6E51499}"/>
+          </ac:spMkLst>
+        </pc:spChg>
+        <pc:spChg chg="add mod">
+          <ac:chgData name="Sanyal, Sandipto" userId="ce8b666d-e07a-48aa-9977-3164567db1db" providerId="ADAL" clId="{FFF10B4D-74EF-4270-8C2E-124173576A53}" dt="2020-10-09T08:00:25.285" v="74" actId="571"/>
+          <ac:spMkLst>
+            <pc:docMk/>
+            <pc:sldMk cId="2847892843" sldId="256"/>
+            <ac:spMk id="20" creationId="{710121F5-8CEE-4B6C-AF09-B3C461AFA2DC}"/>
+          </ac:spMkLst>
+        </pc:spChg>
+        <pc:spChg chg="add del">
+          <ac:chgData name="Sanyal, Sandipto" userId="ce8b666d-e07a-48aa-9977-3164567db1db" providerId="ADAL" clId="{FFF10B4D-74EF-4270-8C2E-124173576A53}" dt="2020-10-09T08:00:45.137" v="79"/>
+          <ac:spMkLst>
+            <pc:docMk/>
+            <pc:sldMk cId="2847892843" sldId="256"/>
+            <ac:spMk id="21" creationId="{32008D3A-59E3-4BD6-AAD7-BB6459CF97A0}"/>
+          </ac:spMkLst>
+        </pc:spChg>
+        <pc:spChg chg="add mod">
+          <ac:chgData name="Sanyal, Sandipto" userId="ce8b666d-e07a-48aa-9977-3164567db1db" providerId="ADAL" clId="{FFF10B4D-74EF-4270-8C2E-124173576A53}" dt="2020-10-09T08:01:25.759" v="84" actId="20577"/>
+          <ac:spMkLst>
+            <pc:docMk/>
+            <pc:sldMk cId="2847892843" sldId="256"/>
+            <ac:spMk id="22" creationId="{E1779DD4-EC0A-4A47-97FE-7898F3D7E961}"/>
+          </ac:spMkLst>
+        </pc:spChg>
+        <pc:grpChg chg="mod">
+          <ac:chgData name="Sanyal, Sandipto" userId="ce8b666d-e07a-48aa-9977-3164567db1db" providerId="ADAL" clId="{FFF10B4D-74EF-4270-8C2E-124173576A53}" dt="2020-10-09T08:01:23.103" v="83" actId="571"/>
+          <ac:grpSpMkLst>
+            <pc:docMk/>
+            <pc:sldMk cId="2847892843" sldId="256"/>
+            <ac:grpSpMk id="4" creationId="{44B1244E-D39F-4180-9977-DC9DE8BC0D1E}"/>
+          </ac:grpSpMkLst>
+        </pc:grpChg>
+        <pc:grpChg chg="mod">
+          <ac:chgData name="Sanyal, Sandipto" userId="ce8b666d-e07a-48aa-9977-3164567db1db" providerId="ADAL" clId="{FFF10B4D-74EF-4270-8C2E-124173576A53}" dt="2020-10-09T08:01:23.103" v="83" actId="571"/>
+          <ac:grpSpMkLst>
+            <pc:docMk/>
+            <pc:sldMk cId="2847892843" sldId="256"/>
+            <ac:grpSpMk id="5" creationId="{4BE6C7F0-F407-4DF3-BD5E-5C9AF045D964}"/>
+          </ac:grpSpMkLst>
+        </pc:grpChg>
+      </pc:sldChg>
+      <pc:sldChg chg="addSp delSp modSp add">
+        <pc:chgData name="Sanyal, Sandipto" userId="ce8b666d-e07a-48aa-9977-3164567db1db" providerId="ADAL" clId="{FFF10B4D-74EF-4270-8C2E-124173576A53}" dt="2020-10-08T17:44:52.141" v="7" actId="732"/>
+        <pc:sldMkLst>
+          <pc:docMk/>
+          <pc:sldMk cId="106745084" sldId="259"/>
+        </pc:sldMkLst>
+        <pc:spChg chg="del">
+          <ac:chgData name="Sanyal, Sandipto" userId="ce8b666d-e07a-48aa-9977-3164567db1db" providerId="ADAL" clId="{FFF10B4D-74EF-4270-8C2E-124173576A53}" dt="2020-10-08T17:44:20.189" v="1" actId="478"/>
+          <ac:spMkLst>
+            <pc:docMk/>
+            <pc:sldMk cId="106745084" sldId="259"/>
+            <ac:spMk id="2" creationId="{8CD4253A-ABB4-4028-B90A-78ABEECAC5D2}"/>
+          </ac:spMkLst>
+        </pc:spChg>
+        <pc:spChg chg="del">
+          <ac:chgData name="Sanyal, Sandipto" userId="ce8b666d-e07a-48aa-9977-3164567db1db" providerId="ADAL" clId="{FFF10B4D-74EF-4270-8C2E-124173576A53}" dt="2020-10-08T17:44:20.189" v="1" actId="478"/>
+          <ac:spMkLst>
+            <pc:docMk/>
+            <pc:sldMk cId="106745084" sldId="259"/>
+            <ac:spMk id="3" creationId="{837A4CDD-7A2D-4F01-A5EE-8E93920298E7}"/>
+          </ac:spMkLst>
+        </pc:spChg>
+        <pc:grpChg chg="add">
+          <ac:chgData name="Sanyal, Sandipto" userId="ce8b666d-e07a-48aa-9977-3164567db1db" providerId="ADAL" clId="{FFF10B4D-74EF-4270-8C2E-124173576A53}" dt="2020-10-08T17:44:25.137" v="2"/>
+          <ac:grpSpMkLst>
+            <pc:docMk/>
+            <pc:sldMk cId="106745084" sldId="259"/>
+            <ac:grpSpMk id="4" creationId="{DBA61C2B-DEC5-499D-A565-ED16424FA6E9}"/>
+          </ac:grpSpMkLst>
+        </pc:grpChg>
+        <pc:picChg chg="mod modCrop">
+          <ac:chgData name="Sanyal, Sandipto" userId="ce8b666d-e07a-48aa-9977-3164567db1db" providerId="ADAL" clId="{FFF10B4D-74EF-4270-8C2E-124173576A53}" dt="2020-10-08T17:44:52.141" v="7" actId="732"/>
+          <ac:picMkLst>
+            <pc:docMk/>
+            <pc:sldMk cId="106745084" sldId="259"/>
+            <ac:picMk id="5" creationId="{7262193E-A702-4F07-981C-D1863ECC68D0}"/>
+          </ac:picMkLst>
+        </pc:picChg>
+        <pc:picChg chg="mod modCrop">
+          <ac:chgData name="Sanyal, Sandipto" userId="ce8b666d-e07a-48aa-9977-3164567db1db" providerId="ADAL" clId="{FFF10B4D-74EF-4270-8C2E-124173576A53}" dt="2020-10-08T17:44:47.253" v="6" actId="732"/>
+          <ac:picMkLst>
+            <pc:docMk/>
+            <pc:sldMk cId="106745084" sldId="259"/>
+            <ac:picMk id="8" creationId="{4C5DD82D-BB0E-42FA-8C92-7620A631636C}"/>
+          </ac:picMkLst>
+        </pc:picChg>
+        <pc:picChg chg="mod modCrop">
+          <ac:chgData name="Sanyal, Sandipto" userId="ce8b666d-e07a-48aa-9977-3164567db1db" providerId="ADAL" clId="{FFF10B4D-74EF-4270-8C2E-124173576A53}" dt="2020-10-08T17:44:42.676" v="5" actId="732"/>
+          <ac:picMkLst>
+            <pc:docMk/>
+            <pc:sldMk cId="106745084" sldId="259"/>
+            <ac:picMk id="9" creationId="{1C90F548-2687-4CAC-878E-2D7874365842}"/>
+          </ac:picMkLst>
+        </pc:picChg>
+      </pc:sldChg>
+      <pc:sldChg chg="addSp delSp modSp add">
+        <pc:chgData name="Sanyal, Sandipto" userId="ce8b666d-e07a-48aa-9977-3164567db1db" providerId="ADAL" clId="{FFF10B4D-74EF-4270-8C2E-124173576A53}" dt="2020-10-08T18:10:02.318" v="65" actId="20577"/>
+        <pc:sldMkLst>
+          <pc:docMk/>
+          <pc:sldMk cId="2508307018" sldId="260"/>
+        </pc:sldMkLst>
+        <pc:spChg chg="mod topLvl">
+          <ac:chgData name="Sanyal, Sandipto" userId="ce8b666d-e07a-48aa-9977-3164567db1db" providerId="ADAL" clId="{FFF10B4D-74EF-4270-8C2E-124173576A53}" dt="2020-10-08T18:10:02.318" v="65" actId="20577"/>
+          <ac:spMkLst>
+            <pc:docMk/>
+            <pc:sldMk cId="2508307018" sldId="260"/>
+            <ac:spMk id="6" creationId="{B175E984-3D6A-4C77-A0BA-3CAD04C00F23}"/>
+          </ac:spMkLst>
+        </pc:spChg>
+        <pc:spChg chg="mod topLvl">
+          <ac:chgData name="Sanyal, Sandipto" userId="ce8b666d-e07a-48aa-9977-3164567db1db" providerId="ADAL" clId="{FFF10B4D-74EF-4270-8C2E-124173576A53}" dt="2020-10-08T18:09:50.029" v="63" actId="1076"/>
+          <ac:spMkLst>
+            <pc:docMk/>
+            <pc:sldMk cId="2508307018" sldId="260"/>
+            <ac:spMk id="7" creationId="{EC5F0170-B6AE-45CD-9C2B-93D72BD3432B}"/>
+          </ac:spMkLst>
+        </pc:spChg>
+        <pc:spChg chg="mod topLvl">
+          <ac:chgData name="Sanyal, Sandipto" userId="ce8b666d-e07a-48aa-9977-3164567db1db" providerId="ADAL" clId="{FFF10B4D-74EF-4270-8C2E-124173576A53}" dt="2020-10-08T18:03:56.387" v="15" actId="164"/>
+          <ac:spMkLst>
+            <pc:docMk/>
+            <pc:sldMk cId="2508307018" sldId="260"/>
+            <ac:spMk id="11" creationId="{A6921D6B-EDDC-4608-AC14-D10B75E1CE60}"/>
+          </ac:spMkLst>
+        </pc:spChg>
+        <pc:spChg chg="mod topLvl">
+          <ac:chgData name="Sanyal, Sandipto" userId="ce8b666d-e07a-48aa-9977-3164567db1db" providerId="ADAL" clId="{FFF10B4D-74EF-4270-8C2E-124173576A53}" dt="2020-10-08T18:03:02.377" v="10" actId="164"/>
+          <ac:spMkLst>
+            <pc:docMk/>
+            <pc:sldMk cId="2508307018" sldId="260"/>
+            <ac:spMk id="12" creationId="{E716583E-118F-4B29-8642-4DB8568A47B5}"/>
+          </ac:spMkLst>
+        </pc:spChg>
+        <pc:spChg chg="mod topLvl">
+          <ac:chgData name="Sanyal, Sandipto" userId="ce8b666d-e07a-48aa-9977-3164567db1db" providerId="ADAL" clId="{FFF10B4D-74EF-4270-8C2E-124173576A53}" dt="2020-10-08T18:09:58.687" v="64" actId="20577"/>
+          <ac:spMkLst>
+            <pc:docMk/>
+            <pc:sldMk cId="2508307018" sldId="260"/>
+            <ac:spMk id="13" creationId="{46280739-A9BB-437F-BF70-E4E32943F292}"/>
+          </ac:spMkLst>
+        </pc:spChg>
+        <pc:spChg chg="mod topLvl">
+          <ac:chgData name="Sanyal, Sandipto" userId="ce8b666d-e07a-48aa-9977-3164567db1db" providerId="ADAL" clId="{FFF10B4D-74EF-4270-8C2E-124173576A53}" dt="2020-10-08T18:03:10.994" v="11" actId="164"/>
+          <ac:spMkLst>
+            <pc:docMk/>
+            <pc:sldMk cId="2508307018" sldId="260"/>
+            <ac:spMk id="14" creationId="{9CB5F393-81DB-4417-AB40-82FDA6A1F6B5}"/>
+          </ac:spMkLst>
+        </pc:spChg>
+        <pc:grpChg chg="add mod ord">
+          <ac:chgData name="Sanyal, Sandipto" userId="ce8b666d-e07a-48aa-9977-3164567db1db" providerId="ADAL" clId="{FFF10B4D-74EF-4270-8C2E-124173576A53}" dt="2020-10-08T18:09:14.781" v="59" actId="1076"/>
+          <ac:grpSpMkLst>
+            <pc:docMk/>
+            <pc:sldMk cId="2508307018" sldId="260"/>
+            <ac:grpSpMk id="2" creationId="{BD7805AB-764D-46A9-AEA3-86DCE00A0931}"/>
+          </ac:grpSpMkLst>
+        </pc:grpChg>
+        <pc:grpChg chg="add mod ord">
+          <ac:chgData name="Sanyal, Sandipto" userId="ce8b666d-e07a-48aa-9977-3164567db1db" providerId="ADAL" clId="{FFF10B4D-74EF-4270-8C2E-124173576A53}" dt="2020-10-08T18:09:14.781" v="59" actId="1076"/>
+          <ac:grpSpMkLst>
+            <pc:docMk/>
+            <pc:sldMk cId="2508307018" sldId="260"/>
+            <ac:grpSpMk id="3" creationId="{CB4F8717-C102-492C-88BB-2BF5F9DE9932}"/>
+          </ac:grpSpMkLst>
+        </pc:grpChg>
+        <pc:grpChg chg="del">
+          <ac:chgData name="Sanyal, Sandipto" userId="ce8b666d-e07a-48aa-9977-3164567db1db" providerId="ADAL" clId="{FFF10B4D-74EF-4270-8C2E-124173576A53}" dt="2020-10-08T18:02:51.720" v="9" actId="165"/>
+          <ac:grpSpMkLst>
+            <pc:docMk/>
+            <pc:sldMk cId="2508307018" sldId="260"/>
+            <ac:grpSpMk id="4" creationId="{DBA61C2B-DEC5-499D-A565-ED16424FA6E9}"/>
+          </ac:grpSpMkLst>
+        </pc:grpChg>
+        <pc:grpChg chg="add mod">
+          <ac:chgData name="Sanyal, Sandipto" userId="ce8b666d-e07a-48aa-9977-3164567db1db" providerId="ADAL" clId="{FFF10B4D-74EF-4270-8C2E-124173576A53}" dt="2020-10-08T18:09:20.156" v="60" actId="1076"/>
+          <ac:grpSpMkLst>
+            <pc:docMk/>
+            <pc:sldMk cId="2508307018" sldId="260"/>
+            <ac:grpSpMk id="15" creationId="{82E00356-935F-4D55-A7E2-79F48E6CCC69}"/>
+          </ac:grpSpMkLst>
+        </pc:grpChg>
+        <pc:grpChg chg="add mod">
+          <ac:chgData name="Sanyal, Sandipto" userId="ce8b666d-e07a-48aa-9977-3164567db1db" providerId="ADAL" clId="{FFF10B4D-74EF-4270-8C2E-124173576A53}" dt="2020-10-08T18:09:36.758" v="62" actId="14100"/>
+          <ac:grpSpMkLst>
+            <pc:docMk/>
+            <pc:sldMk cId="2508307018" sldId="260"/>
+            <ac:grpSpMk id="16" creationId="{77233D0F-789C-4E75-9146-F7F78CD5CBAE}"/>
+          </ac:grpSpMkLst>
+        </pc:grpChg>
+        <pc:picChg chg="mod topLvl">
+          <ac:chgData name="Sanyal, Sandipto" userId="ce8b666d-e07a-48aa-9977-3164567db1db" providerId="ADAL" clId="{FFF10B4D-74EF-4270-8C2E-124173576A53}" dt="2020-10-08T18:03:37.524" v="12" actId="164"/>
+          <ac:picMkLst>
+            <pc:docMk/>
+            <pc:sldMk cId="2508307018" sldId="260"/>
+            <ac:picMk id="5" creationId="{7262193E-A702-4F07-981C-D1863ECC68D0}"/>
+          </ac:picMkLst>
+        </pc:picChg>
+        <pc:picChg chg="mod topLvl">
+          <ac:chgData name="Sanyal, Sandipto" userId="ce8b666d-e07a-48aa-9977-3164567db1db" providerId="ADAL" clId="{FFF10B4D-74EF-4270-8C2E-124173576A53}" dt="2020-10-08T18:03:10.994" v="11" actId="164"/>
+          <ac:picMkLst>
+            <pc:docMk/>
+            <pc:sldMk cId="2508307018" sldId="260"/>
+            <ac:picMk id="8" creationId="{4C5DD82D-BB0E-42FA-8C92-7620A631636C}"/>
+          </ac:picMkLst>
+        </pc:picChg>
+        <pc:picChg chg="mod topLvl">
+          <ac:chgData name="Sanyal, Sandipto" userId="ce8b666d-e07a-48aa-9977-3164567db1db" providerId="ADAL" clId="{FFF10B4D-74EF-4270-8C2E-124173576A53}" dt="2020-10-08T18:03:02.377" v="10" actId="164"/>
+          <ac:picMkLst>
+            <pc:docMk/>
+            <pc:sldMk cId="2508307018" sldId="260"/>
+            <ac:picMk id="9" creationId="{1C90F548-2687-4CAC-878E-2D7874365842}"/>
+          </ac:picMkLst>
+        </pc:picChg>
+        <pc:cxnChg chg="mod topLvl">
+          <ac:chgData name="Sanyal, Sandipto" userId="ce8b666d-e07a-48aa-9977-3164567db1db" providerId="ADAL" clId="{FFF10B4D-74EF-4270-8C2E-124173576A53}" dt="2020-10-08T18:03:56.387" v="15" actId="164"/>
+          <ac:cxnSpMkLst>
+            <pc:docMk/>
+            <pc:sldMk cId="2508307018" sldId="260"/>
+            <ac:cxnSpMk id="10" creationId="{97671617-5CBF-4621-BEC9-A40F9EA1C63E}"/>
+          </ac:cxnSpMkLst>
+        </pc:cxnChg>
+      </pc:sldChg>
+      <pc:sldChg chg="addSp delSp modSp add">
+        <pc:chgData name="Sanyal, Sandipto" userId="ce8b666d-e07a-48aa-9977-3164567db1db" providerId="ADAL" clId="{FFF10B4D-74EF-4270-8C2E-124173576A53}" dt="2020-10-09T10:21:05.103" v="213" actId="14100"/>
+        <pc:sldMkLst>
+          <pc:docMk/>
+          <pc:sldMk cId="1767247742" sldId="261"/>
+        </pc:sldMkLst>
+        <pc:spChg chg="mod">
+          <ac:chgData name="Sanyal, Sandipto" userId="ce8b666d-e07a-48aa-9977-3164567db1db" providerId="ADAL" clId="{FFF10B4D-74EF-4270-8C2E-124173576A53}" dt="2020-10-09T09:37:33.468" v="162" actId="20577"/>
+          <ac:spMkLst>
+            <pc:docMk/>
+            <pc:sldMk cId="1767247742" sldId="261"/>
+            <ac:spMk id="6" creationId="{B175E984-3D6A-4C77-A0BA-3CAD04C00F23}"/>
+          </ac:spMkLst>
+        </pc:spChg>
+        <pc:spChg chg="mod">
+          <ac:chgData name="Sanyal, Sandipto" userId="ce8b666d-e07a-48aa-9977-3164567db1db" providerId="ADAL" clId="{FFF10B4D-74EF-4270-8C2E-124173576A53}" dt="2020-10-09T10:21:05.103" v="213" actId="14100"/>
+          <ac:spMkLst>
+            <pc:docMk/>
+            <pc:sldMk cId="1767247742" sldId="261"/>
+            <ac:spMk id="7" creationId="{EC5F0170-B6AE-45CD-9C2B-93D72BD3432B}"/>
+          </ac:spMkLst>
+        </pc:spChg>
+        <pc:spChg chg="mod">
+          <ac:chgData name="Sanyal, Sandipto" userId="ce8b666d-e07a-48aa-9977-3164567db1db" providerId="ADAL" clId="{FFF10B4D-74EF-4270-8C2E-124173576A53}" dt="2020-10-09T09:33:59.943" v="142" actId="20577"/>
+          <ac:spMkLst>
+            <pc:docMk/>
+            <pc:sldMk cId="1767247742" sldId="261"/>
+            <ac:spMk id="11" creationId="{A6921D6B-EDDC-4608-AC14-D10B75E1CE60}"/>
+          </ac:spMkLst>
+        </pc:spChg>
+        <pc:spChg chg="mod ord">
+          <ac:chgData name="Sanyal, Sandipto" userId="ce8b666d-e07a-48aa-9977-3164567db1db" providerId="ADAL" clId="{FFF10B4D-74EF-4270-8C2E-124173576A53}" dt="2020-10-09T10:20:20.621" v="192" actId="255"/>
+          <ac:spMkLst>
+            <pc:docMk/>
+            <pc:sldMk cId="1767247742" sldId="261"/>
+            <ac:spMk id="13" creationId="{46280739-A9BB-437F-BF70-E4E32943F292}"/>
+          </ac:spMkLst>
+        </pc:spChg>
+        <pc:spChg chg="mod">
+          <ac:chgData name="Sanyal, Sandipto" userId="ce8b666d-e07a-48aa-9977-3164567db1db" providerId="ADAL" clId="{FFF10B4D-74EF-4270-8C2E-124173576A53}" dt="2020-10-09T10:19:35.519" v="183" actId="20577"/>
+          <ac:spMkLst>
+            <pc:docMk/>
+            <pc:sldMk cId="1767247742" sldId="261"/>
+            <ac:spMk id="14" creationId="{9CB5F393-81DB-4417-AB40-82FDA6A1F6B5}"/>
+          </ac:spMkLst>
+        </pc:spChg>
+        <pc:spChg chg="mod">
+          <ac:chgData name="Sanyal, Sandipto" userId="ce8b666d-e07a-48aa-9977-3164567db1db" providerId="ADAL" clId="{FFF10B4D-74EF-4270-8C2E-124173576A53}" dt="2020-10-09T09:34:08.002" v="147" actId="20577"/>
+          <ac:spMkLst>
+            <pc:docMk/>
+            <pc:sldMk cId="1767247742" sldId="261"/>
+            <ac:spMk id="19" creationId="{60E17A5A-F74D-4B1E-8277-A2596740F2C4}"/>
+          </ac:spMkLst>
+        </pc:spChg>
+        <pc:spChg chg="add mod">
+          <ac:chgData name="Sanyal, Sandipto" userId="ce8b666d-e07a-48aa-9977-3164567db1db" providerId="ADAL" clId="{FFF10B4D-74EF-4270-8C2E-124173576A53}" dt="2020-10-09T10:19:46.841" v="185" actId="14100"/>
+          <ac:spMkLst>
+            <pc:docMk/>
+            <pc:sldMk cId="1767247742" sldId="261"/>
+            <ac:spMk id="20" creationId="{6C9383FD-9AD1-4FFB-BE36-6E69670F4DEF}"/>
+          </ac:spMkLst>
+        </pc:spChg>
+        <pc:spChg chg="add del mod">
+          <ac:chgData name="Sanyal, Sandipto" userId="ce8b666d-e07a-48aa-9977-3164567db1db" providerId="ADAL" clId="{FFF10B4D-74EF-4270-8C2E-124173576A53}" dt="2020-10-09T09:41:03.588" v="163"/>
+          <ac:spMkLst>
+            <pc:docMk/>
+            <pc:sldMk cId="1767247742" sldId="261"/>
+            <ac:spMk id="21" creationId="{ABD294AB-E09F-475C-8CBF-6F0E9EA1951D}"/>
+          </ac:spMkLst>
+        </pc:spChg>
+        <pc:spChg chg="add del mod">
+          <ac:chgData name="Sanyal, Sandipto" userId="ce8b666d-e07a-48aa-9977-3164567db1db" providerId="ADAL" clId="{FFF10B4D-74EF-4270-8C2E-124173576A53}" dt="2020-10-09T09:41:13.704" v="166"/>
+          <ac:spMkLst>
+            <pc:docMk/>
+            <pc:sldMk cId="1767247742" sldId="261"/>
+            <ac:spMk id="22" creationId="{A6DDC9E1-2DA1-4AB7-8C69-1626367AA608}"/>
+          </ac:spMkLst>
+        </pc:spChg>
+        <pc:spChg chg="add mod">
+          <ac:chgData name="Sanyal, Sandipto" userId="ce8b666d-e07a-48aa-9977-3164567db1db" providerId="ADAL" clId="{FFF10B4D-74EF-4270-8C2E-124173576A53}" dt="2020-10-09T10:20:36.303" v="197" actId="20577"/>
+          <ac:spMkLst>
+            <pc:docMk/>
+            <pc:sldMk cId="1767247742" sldId="261"/>
+            <ac:spMk id="23" creationId="{CB9889A4-A0FF-4092-8E55-4D2609E6E119}"/>
+          </ac:spMkLst>
+        </pc:spChg>
+        <pc:spChg chg="add mod">
+          <ac:chgData name="Sanyal, Sandipto" userId="ce8b666d-e07a-48aa-9977-3164567db1db" providerId="ADAL" clId="{FFF10B4D-74EF-4270-8C2E-124173576A53}" dt="2020-10-09T09:41:34.362" v="171" actId="164"/>
+          <ac:spMkLst>
+            <pc:docMk/>
+            <pc:sldMk cId="1767247742" sldId="261"/>
+            <ac:spMk id="24" creationId="{351F127E-8B2D-4E9C-A903-7D4DB16B332A}"/>
+          </ac:spMkLst>
+        </pc:spChg>
+        <pc:spChg chg="add mod">
+          <ac:chgData name="Sanyal, Sandipto" userId="ce8b666d-e07a-48aa-9977-3164567db1db" providerId="ADAL" clId="{FFF10B4D-74EF-4270-8C2E-124173576A53}" dt="2020-10-09T09:41:34.362" v="171" actId="164"/>
+          <ac:spMkLst>
+            <pc:docMk/>
+            <pc:sldMk cId="1767247742" sldId="261"/>
+            <ac:spMk id="25" creationId="{FC5CAD5C-0AD1-44D3-A97E-4D775268E148}"/>
+          </ac:spMkLst>
+        </pc:spChg>
+        <pc:grpChg chg="mod">
+          <ac:chgData name="Sanyal, Sandipto" userId="ce8b666d-e07a-48aa-9977-3164567db1db" providerId="ADAL" clId="{FFF10B4D-74EF-4270-8C2E-124173576A53}" dt="2020-10-09T09:41:34.362" v="171" actId="164"/>
+          <ac:grpSpMkLst>
+            <pc:docMk/>
+            <pc:sldMk cId="1767247742" sldId="261"/>
+            <ac:grpSpMk id="2" creationId="{BD7805AB-764D-46A9-AEA3-86DCE00A0931}"/>
+          </ac:grpSpMkLst>
+        </pc:grpChg>
+        <pc:grpChg chg="mod">
+          <ac:chgData name="Sanyal, Sandipto" userId="ce8b666d-e07a-48aa-9977-3164567db1db" providerId="ADAL" clId="{FFF10B4D-74EF-4270-8C2E-124173576A53}" dt="2020-10-09T10:20:10.266" v="190" actId="14100"/>
+          <ac:grpSpMkLst>
+            <pc:docMk/>
+            <pc:sldMk cId="1767247742" sldId="261"/>
+            <ac:grpSpMk id="3" creationId="{CB4F8717-C102-492C-88BB-2BF5F9DE9932}"/>
+          </ac:grpSpMkLst>
+        </pc:grpChg>
+        <pc:grpChg chg="add mod ord">
+          <ac:chgData name="Sanyal, Sandipto" userId="ce8b666d-e07a-48aa-9977-3164567db1db" providerId="ADAL" clId="{FFF10B4D-74EF-4270-8C2E-124173576A53}" dt="2020-10-09T09:41:43.995" v="172" actId="167"/>
+          <ac:grpSpMkLst>
+            <pc:docMk/>
+            <pc:sldMk cId="1767247742" sldId="261"/>
+            <ac:grpSpMk id="4" creationId="{A04AC2E7-77A2-46E1-9AE3-4391887B6B9D}"/>
+          </ac:grpSpMkLst>
+        </pc:grpChg>
+        <pc:grpChg chg="mod">
+          <ac:chgData name="Sanyal, Sandipto" userId="ce8b666d-e07a-48aa-9977-3164567db1db" providerId="ADAL" clId="{FFF10B4D-74EF-4270-8C2E-124173576A53}" dt="2020-10-09T09:37:04.761" v="161" actId="571"/>
+          <ac:grpSpMkLst>
+            <pc:docMk/>
+            <pc:sldMk cId="1767247742" sldId="261"/>
+            <ac:grpSpMk id="15" creationId="{82E00356-935F-4D55-A7E2-79F48E6CCC69}"/>
+          </ac:grpSpMkLst>
+        </pc:grpChg>
+        <pc:grpChg chg="mod">
+          <ac:chgData name="Sanyal, Sandipto" userId="ce8b666d-e07a-48aa-9977-3164567db1db" providerId="ADAL" clId="{FFF10B4D-74EF-4270-8C2E-124173576A53}" dt="2020-10-09T09:33:59.943" v="142" actId="20577"/>
+          <ac:grpSpMkLst>
+            <pc:docMk/>
+            <pc:sldMk cId="1767247742" sldId="261"/>
+            <ac:grpSpMk id="16" creationId="{77233D0F-789C-4E75-9146-F7F78CD5CBAE}"/>
+          </ac:grpSpMkLst>
+        </pc:grpChg>
+        <pc:grpChg chg="add mod">
+          <ac:chgData name="Sanyal, Sandipto" userId="ce8b666d-e07a-48aa-9977-3164567db1db" providerId="ADAL" clId="{FFF10B4D-74EF-4270-8C2E-124173576A53}" dt="2020-10-09T09:34:07.244" v="145" actId="20577"/>
+          <ac:grpSpMkLst>
+            <pc:docMk/>
+            <pc:sldMk cId="1767247742" sldId="261"/>
+            <ac:grpSpMk id="17" creationId="{EC981D58-72B2-4310-A539-A76D2CD6E8CC}"/>
           </ac:grpSpMkLst>
         </pc:grpChg>
       </pc:sldChg>
@@ -323,7 +1248,7 @@
           <a:p>
             <a:fld id="{5313F558-8CC3-4C27-9634-34E56418DA45}" type="datetimeFigureOut">
               <a:rPr lang="en-US" smtClean="0"/>
-              <a:t>9/9/2020</a:t>
+              <a:t>10/9/2020</a:t>
             </a:fld>
             <a:endParaRPr lang="en-US"/>
           </a:p>
@@ -521,7 +1446,7 @@
           <a:p>
             <a:fld id="{5313F558-8CC3-4C27-9634-34E56418DA45}" type="datetimeFigureOut">
               <a:rPr lang="en-US" smtClean="0"/>
-              <a:t>9/9/2020</a:t>
+              <a:t>10/9/2020</a:t>
             </a:fld>
             <a:endParaRPr lang="en-US"/>
           </a:p>
@@ -729,7 +1654,7 @@
           <a:p>
             <a:fld id="{5313F558-8CC3-4C27-9634-34E56418DA45}" type="datetimeFigureOut">
               <a:rPr lang="en-US" smtClean="0"/>
-              <a:t>9/9/2020</a:t>
+              <a:t>10/9/2020</a:t>
             </a:fld>
             <a:endParaRPr lang="en-US"/>
           </a:p>
@@ -927,7 +1852,7 @@
           <a:p>
             <a:fld id="{5313F558-8CC3-4C27-9634-34E56418DA45}" type="datetimeFigureOut">
               <a:rPr lang="en-US" smtClean="0"/>
-              <a:t>9/9/2020</a:t>
+              <a:t>10/9/2020</a:t>
             </a:fld>
             <a:endParaRPr lang="en-US"/>
           </a:p>
@@ -1202,7 +2127,7 @@
           <a:p>
             <a:fld id="{5313F558-8CC3-4C27-9634-34E56418DA45}" type="datetimeFigureOut">
               <a:rPr lang="en-US" smtClean="0"/>
-              <a:t>9/9/2020</a:t>
+              <a:t>10/9/2020</a:t>
             </a:fld>
             <a:endParaRPr lang="en-US"/>
           </a:p>
@@ -1467,7 +2392,7 @@
           <a:p>
             <a:fld id="{5313F558-8CC3-4C27-9634-34E56418DA45}" type="datetimeFigureOut">
               <a:rPr lang="en-US" smtClean="0"/>
-              <a:t>9/9/2020</a:t>
+              <a:t>10/9/2020</a:t>
             </a:fld>
             <a:endParaRPr lang="en-US"/>
           </a:p>
@@ -1879,7 +2804,7 @@
           <a:p>
             <a:fld id="{5313F558-8CC3-4C27-9634-34E56418DA45}" type="datetimeFigureOut">
               <a:rPr lang="en-US" smtClean="0"/>
-              <a:t>9/9/2020</a:t>
+              <a:t>10/9/2020</a:t>
             </a:fld>
             <a:endParaRPr lang="en-US"/>
           </a:p>
@@ -2020,7 +2945,7 @@
           <a:p>
             <a:fld id="{5313F558-8CC3-4C27-9634-34E56418DA45}" type="datetimeFigureOut">
               <a:rPr lang="en-US" smtClean="0"/>
-              <a:t>9/9/2020</a:t>
+              <a:t>10/9/2020</a:t>
             </a:fld>
             <a:endParaRPr lang="en-US"/>
           </a:p>
@@ -2133,7 +3058,7 @@
           <a:p>
             <a:fld id="{5313F558-8CC3-4C27-9634-34E56418DA45}" type="datetimeFigureOut">
               <a:rPr lang="en-US" smtClean="0"/>
-              <a:t>9/9/2020</a:t>
+              <a:t>10/9/2020</a:t>
             </a:fld>
             <a:endParaRPr lang="en-US"/>
           </a:p>
@@ -2444,7 +3369,7 @@
           <a:p>
             <a:fld id="{5313F558-8CC3-4C27-9634-34E56418DA45}" type="datetimeFigureOut">
               <a:rPr lang="en-US" smtClean="0"/>
-              <a:t>9/9/2020</a:t>
+              <a:t>10/9/2020</a:t>
             </a:fld>
             <a:endParaRPr lang="en-US"/>
           </a:p>
@@ -2732,7 +3657,7 @@
           <a:p>
             <a:fld id="{5313F558-8CC3-4C27-9634-34E56418DA45}" type="datetimeFigureOut">
               <a:rPr lang="en-US" smtClean="0"/>
-              <a:t>9/9/2020</a:t>
+              <a:t>10/9/2020</a:t>
             </a:fld>
             <a:endParaRPr lang="en-US"/>
           </a:p>
@@ -2973,7 +3898,7 @@
           <a:p>
             <a:fld id="{5313F558-8CC3-4C27-9634-34E56418DA45}" type="datetimeFigureOut">
               <a:rPr lang="en-US" smtClean="0"/>
-              <a:t>9/9/2020</a:t>
+              <a:t>10/9/2020</a:t>
             </a:fld>
             <a:endParaRPr lang="en-US"/>
           </a:p>
@@ -3405,9 +4330,9 @@
         <p:grpSpPr>
           <a:xfrm>
             <a:off x="2259124" y="458540"/>
-            <a:ext cx="5925737" cy="4672960"/>
+            <a:ext cx="5925737" cy="4628736"/>
             <a:chOff x="3993514" y="2052955"/>
-            <a:chExt cx="5925737" cy="4672960"/>
+            <a:chExt cx="5925737" cy="4628736"/>
           </a:xfrm>
         </p:grpSpPr>
         <p:grpSp>
@@ -3425,9 +4350,9 @@
           <p:grpSpPr>
             <a:xfrm>
               <a:off x="3993514" y="2052955"/>
-              <a:ext cx="5925737" cy="4672960"/>
+              <a:ext cx="5925737" cy="4628736"/>
               <a:chOff x="3993514" y="2052955"/>
-              <a:chExt cx="5925737" cy="4672960"/>
+              <a:chExt cx="5925737" cy="4628736"/>
             </a:xfrm>
           </p:grpSpPr>
           <p:pic>
@@ -3583,8 +4508,8 @@
               <a:effectLst/>
             </p:spPr>
           </p:cxnSp>
-          <mc:AlternateContent xmlns:mc="http://schemas.openxmlformats.org/markup-compatibility/2006" xmlns:a14="http://schemas.microsoft.com/office/drawing/2010/main">
-            <mc:Choice Requires="a14">
+          <mc:AlternateContent xmlns:mc="http://schemas.openxmlformats.org/markup-compatibility/2006">
+            <mc:Choice xmlns:a14="http://schemas.microsoft.com/office/drawing/2010/main" Requires="a14">
               <p:sp>
                 <p:nvSpPr>
                   <p:cNvPr id="12" name="TextBox 11">
@@ -3613,48 +4538,45 @@
                   </a:bodyPr>
                   <a:lstStyle/>
                   <a:p>
-                    <a:r>
-                      <a:rPr lang="el-GR" dirty="0"/>
-                      <a:t>μ</a:t>
-                    </a:r>
-                    <a:r>
-                      <a:rPr lang="en-US" dirty="0"/>
-                      <a:t> = </a:t>
-                    </a:r>
                     <a14:m>
-                      <m:oMath xmlns:m="http://schemas.openxmlformats.org/officeDocument/2006/math">
-                        <m:bar>
-                          <m:barPr>
-                            <m:pos m:val="top"/>
-                            <m:ctrlPr>
-                              <a:rPr lang="en-US" i="1" smtClean="0">
-                                <a:latin typeface="Cambria Math" panose="02040503050406030204" pitchFamily="18" charset="0"/>
-                              </a:rPr>
-                            </m:ctrlPr>
-                          </m:barPr>
-                          <m:e>
-                            <m:r>
-                              <a:rPr lang="en-US" b="0" i="1" smtClean="0">
-                                <a:latin typeface="Cambria Math" panose="02040503050406030204" pitchFamily="18" charset="0"/>
-                              </a:rPr>
-                              <m:t>𝑋</m:t>
-                            </m:r>
-                          </m:e>
-                        </m:bar>
-                      </m:oMath>
+                      <m:oMathPara xmlns:m="http://schemas.openxmlformats.org/officeDocument/2006/math">
+                        <m:oMathParaPr>
+                          <m:jc m:val="centerGroup"/>
+                        </m:oMathParaPr>
+                        <m:oMath xmlns:m="http://schemas.openxmlformats.org/officeDocument/2006/math">
+                          <m:bar>
+                            <m:barPr>
+                              <m:pos m:val="top"/>
+                              <m:ctrlPr>
+                                <a:rPr lang="en-US" i="1" smtClean="0">
+                                  <a:latin typeface="Cambria Math" panose="02040503050406030204" pitchFamily="18" charset="0"/>
+                                </a:rPr>
+                              </m:ctrlPr>
+                            </m:barPr>
+                            <m:e>
+                              <m:r>
+                                <a:rPr lang="en-US" b="0" i="1" smtClean="0">
+                                  <a:latin typeface="Cambria Math" panose="02040503050406030204" pitchFamily="18" charset="0"/>
+                                </a:rPr>
+                                <m:t>𝑋</m:t>
+                              </m:r>
+                            </m:e>
+                          </m:bar>
+                        </m:oMath>
+                      </m:oMathPara>
                     </a14:m>
                     <a:endParaRPr lang="en-US" dirty="0"/>
                   </a:p>
                 </p:txBody>
               </p:sp>
             </mc:Choice>
-            <mc:Fallback xmlns="">
+            <mc:Fallback>
               <p:sp>
                 <p:nvSpPr>
-                  <p:cNvPr id="11" name="TextBox 10">
+                  <p:cNvPr id="12" name="TextBox 11">
                     <a:extLst>
                       <a:ext uri="{FF2B5EF4-FFF2-40B4-BE49-F238E27FC236}">
-                        <a16:creationId xmlns:a16="http://schemas.microsoft.com/office/drawing/2014/main" id="{E52D1909-2E25-452D-8456-345FFC2D534C}"/>
+                        <a16:creationId xmlns:a16="http://schemas.microsoft.com/office/drawing/2014/main" id="{7F4716EB-B799-438C-95FD-CEF6DF17C19A}"/>
                       </a:ext>
                     </a:extLst>
                   </p:cNvPr>
@@ -3674,7 +4596,7 @@
                   <a:blipFill>
                     <a:blip r:embed="rId3"/>
                     <a:stretch>
-                      <a:fillRect l="-6250" t="-1538" b="-24615"/>
+                      <a:fillRect/>
                     </a:stretch>
                   </a:blipFill>
                 </p:spPr>
@@ -3693,8 +4615,8 @@
               </p:sp>
             </mc:Fallback>
           </mc:AlternateContent>
-          <mc:AlternateContent xmlns:mc="http://schemas.openxmlformats.org/markup-compatibility/2006" xmlns:a14="http://schemas.microsoft.com/office/drawing/2010/main">
-            <mc:Choice Requires="a14">
+          <mc:AlternateContent xmlns:mc="http://schemas.openxmlformats.org/markup-compatibility/2006">
+            <mc:Choice xmlns:a14="http://schemas.microsoft.com/office/drawing/2010/main" Requires="a14">
               <p:sp>
                 <p:nvSpPr>
                   <p:cNvPr id="13" name="TextBox 12">
@@ -3709,8 +4631,8 @@
                 </p:nvSpPr>
                 <p:spPr>
                   <a:xfrm>
-                    <a:off x="4328160" y="6222892"/>
-                    <a:ext cx="1593489" cy="503023"/>
+                    <a:off x="4897454" y="6201560"/>
+                    <a:ext cx="1593489" cy="480131"/>
                   </a:xfrm>
                   <a:prstGeom prst="rect">
                     <a:avLst/>
@@ -3800,56 +4722,66 @@
                     </a:r>
                     <a14:m>
                       <m:oMath xmlns:m="http://schemas.openxmlformats.org/officeDocument/2006/math">
-                        <m:sSub>
-                          <m:sSubPr>
+                        <m:d>
+                          <m:dPr>
+                            <m:begChr m:val="|"/>
+                            <m:endChr m:val="|"/>
                             <m:ctrlPr>
                               <a:rPr lang="el-GR" i="1">
                                 <a:latin typeface="Cambria Math" panose="02040503050406030204" pitchFamily="18" charset="0"/>
                               </a:rPr>
                             </m:ctrlPr>
-                          </m:sSubPr>
+                          </m:dPr>
                           <m:e>
-                            <m:r>
-                              <a:rPr lang="en-US" i="1">
-                                <a:latin typeface="Cambria Math" panose="02040503050406030204" pitchFamily="18" charset="0"/>
-                              </a:rPr>
-                              <m:t>𝑍</m:t>
-                            </m:r>
-                          </m:e>
-                          <m:sub>
-                            <m:f>
-                              <m:fPr>
+                            <m:sSub>
+                              <m:sSubPr>
                                 <m:ctrlPr>
                                   <a:rPr lang="el-GR" i="1">
                                     <a:latin typeface="Cambria Math" panose="02040503050406030204" pitchFamily="18" charset="0"/>
                                   </a:rPr>
                                 </m:ctrlPr>
-                              </m:fPr>
-                              <m:num>
+                              </m:sSubPr>
+                              <m:e>
                                 <m:r>
                                   <a:rPr lang="en-US" i="1">
                                     <a:latin typeface="Cambria Math" panose="02040503050406030204" pitchFamily="18" charset="0"/>
                                   </a:rPr>
-                                  <m:t>1−</m:t>
+                                  <m:t>𝑍</m:t>
                                 </m:r>
-                                <m:r>
-                                  <a:rPr lang="en-US" i="1">
-                                    <a:latin typeface="Cambria Math" panose="02040503050406030204" pitchFamily="18" charset="0"/>
-                                  </a:rPr>
-                                  <m:t>𝐶𝐼</m:t>
-                                </m:r>
-                              </m:num>
-                              <m:den>
-                                <m:r>
-                                  <a:rPr lang="en-US" i="1">
-                                    <a:latin typeface="Cambria Math" panose="02040503050406030204" pitchFamily="18" charset="0"/>
-                                  </a:rPr>
-                                  <m:t>2</m:t>
-                                </m:r>
-                              </m:den>
-                            </m:f>
-                          </m:sub>
-                        </m:sSub>
+                              </m:e>
+                              <m:sub>
+                                <m:f>
+                                  <m:fPr>
+                                    <m:ctrlPr>
+                                      <a:rPr lang="el-GR" i="1">
+                                        <a:latin typeface="Cambria Math" panose="02040503050406030204" pitchFamily="18" charset="0"/>
+                                      </a:rPr>
+                                    </m:ctrlPr>
+                                  </m:fPr>
+                                  <m:num>
+                                    <m:r>
+                                      <m:rPr>
+                                        <m:sty m:val="p"/>
+                                      </m:rPr>
+                                      <a:rPr lang="el-GR" i="1">
+                                        <a:latin typeface="Cambria Math" panose="02040503050406030204" pitchFamily="18" charset="0"/>
+                                      </a:rPr>
+                                      <m:t>α</m:t>
+                                    </m:r>
+                                  </m:num>
+                                  <m:den>
+                                    <m:r>
+                                      <a:rPr lang="en-US" i="1">
+                                        <a:latin typeface="Cambria Math" panose="02040503050406030204" pitchFamily="18" charset="0"/>
+                                      </a:rPr>
+                                      <m:t>2</m:t>
+                                    </m:r>
+                                  </m:den>
+                                </m:f>
+                              </m:sub>
+                            </m:sSub>
+                          </m:e>
+                        </m:d>
                       </m:oMath>
                     </a14:m>
                     <a:endParaRPr lang="en-US" dirty="0"/>
@@ -3857,13 +4789,13 @@
                 </p:txBody>
               </p:sp>
             </mc:Choice>
-            <mc:Fallback xmlns="">
+            <mc:Fallback>
               <p:sp>
                 <p:nvSpPr>
-                  <p:cNvPr id="15" name="TextBox 14">
+                  <p:cNvPr id="13" name="TextBox 12">
                     <a:extLst>
                       <a:ext uri="{FF2B5EF4-FFF2-40B4-BE49-F238E27FC236}">
-                        <a16:creationId xmlns:a16="http://schemas.microsoft.com/office/drawing/2014/main" id="{F6C3FC2B-AF7E-4421-9BED-0A30512F5857}"/>
+                        <a16:creationId xmlns:a16="http://schemas.microsoft.com/office/drawing/2014/main" id="{A3D2D73F-490A-4D37-90E0-F0D0F808B916}"/>
                       </a:ext>
                     </a:extLst>
                   </p:cNvPr>
@@ -3874,8 +4806,8 @@
                 </p:nvSpPr>
                 <p:spPr>
                   <a:xfrm>
-                    <a:off x="4328160" y="6222892"/>
-                    <a:ext cx="1593489" cy="503023"/>
+                    <a:off x="4897454" y="6201560"/>
+                    <a:ext cx="1593489" cy="480131"/>
                   </a:xfrm>
                   <a:prstGeom prst="rect">
                     <a:avLst/>
@@ -3883,7 +4815,7 @@
                   <a:blipFill>
                     <a:blip r:embed="rId4"/>
                     <a:stretch>
-                      <a:fillRect b="-1220"/>
+                      <a:fillRect b="-1266"/>
                     </a:stretch>
                   </a:blipFill>
                 </p:spPr>
@@ -3937,14 +4869,14 @@
               </a:p>
             </p:txBody>
           </p:sp>
-          <mc:AlternateContent xmlns:mc="http://schemas.openxmlformats.org/markup-compatibility/2006" xmlns:a14="http://schemas.microsoft.com/office/drawing/2010/main">
-            <mc:Choice Requires="a14">
+          <mc:AlternateContent xmlns:mc="http://schemas.openxmlformats.org/markup-compatibility/2006">
+            <mc:Choice xmlns:a14="http://schemas.microsoft.com/office/drawing/2010/main" Requires="a14">
               <p:sp>
                 <p:nvSpPr>
-                  <p:cNvPr id="15" name="TextBox 14">
+                  <p:cNvPr id="16" name="TextBox 15">
                     <a:extLst>
                       <a:ext uri="{FF2B5EF4-FFF2-40B4-BE49-F238E27FC236}">
-                        <a16:creationId xmlns:a16="http://schemas.microsoft.com/office/drawing/2014/main" id="{1DF6097C-436A-4878-BE02-18BEF2A1B835}"/>
+                        <a16:creationId xmlns:a16="http://schemas.microsoft.com/office/drawing/2014/main" id="{5FD8A5F4-2625-442A-A83A-08E6DCCB8C16}"/>
                       </a:ext>
                     </a:extLst>
                   </p:cNvPr>
@@ -3953,8 +4885,8 @@
                 </p:nvSpPr>
                 <p:spPr>
                   <a:xfrm>
-                    <a:off x="8138803" y="3642459"/>
-                    <a:ext cx="782424" cy="529889"/>
+                    <a:off x="4950693" y="3642459"/>
+                    <a:ext cx="782424" cy="491225"/>
                   </a:xfrm>
                   <a:prstGeom prst="rect">
                     <a:avLst/>
@@ -3974,56 +4906,66 @@
                           <m:jc m:val="centerGroup"/>
                         </m:oMathParaPr>
                         <m:oMath xmlns:m="http://schemas.openxmlformats.org/officeDocument/2006/math">
-                          <m:sSub>
-                            <m:sSubPr>
+                          <m:d>
+                            <m:dPr>
+                              <m:begChr m:val="|"/>
+                              <m:endChr m:val="|"/>
                               <m:ctrlPr>
                                 <a:rPr lang="el-GR" i="1" smtClean="0">
                                   <a:latin typeface="Cambria Math" panose="02040503050406030204" pitchFamily="18" charset="0"/>
                                 </a:rPr>
                               </m:ctrlPr>
-                            </m:sSubPr>
+                            </m:dPr>
                             <m:e>
-                              <m:r>
-                                <a:rPr lang="en-US" b="0" i="1" smtClean="0">
-                                  <a:latin typeface="Cambria Math" panose="02040503050406030204" pitchFamily="18" charset="0"/>
-                                </a:rPr>
-                                <m:t>𝑍</m:t>
-                              </m:r>
-                            </m:e>
-                            <m:sub>
-                              <m:f>
-                                <m:fPr>
+                              <m:sSub>
+                                <m:sSubPr>
                                   <m:ctrlPr>
-                                    <a:rPr lang="el-GR" i="1" smtClean="0">
+                                    <a:rPr lang="el-GR" i="1">
                                       <a:latin typeface="Cambria Math" panose="02040503050406030204" pitchFamily="18" charset="0"/>
                                     </a:rPr>
                                   </m:ctrlPr>
-                                </m:fPr>
-                                <m:num>
+                                </m:sSubPr>
+                                <m:e>
                                   <m:r>
-                                    <a:rPr lang="en-US" b="0" i="1" smtClean="0">
+                                    <a:rPr lang="en-US" i="1">
                                       <a:latin typeface="Cambria Math" panose="02040503050406030204" pitchFamily="18" charset="0"/>
                                     </a:rPr>
-                                    <m:t>1+</m:t>
+                                    <m:t>𝑍</m:t>
                                   </m:r>
-                                  <m:r>
-                                    <a:rPr lang="en-US" b="0" i="1" smtClean="0">
-                                      <a:latin typeface="Cambria Math" panose="02040503050406030204" pitchFamily="18" charset="0"/>
-                                    </a:rPr>
-                                    <m:t>𝐶𝐼</m:t>
-                                  </m:r>
-                                </m:num>
-                                <m:den>
-                                  <m:r>
-                                    <a:rPr lang="en-US" b="0" i="1" smtClean="0">
-                                      <a:latin typeface="Cambria Math" panose="02040503050406030204" pitchFamily="18" charset="0"/>
-                                    </a:rPr>
-                                    <m:t>2</m:t>
-                                  </m:r>
-                                </m:den>
-                              </m:f>
-                            </m:sub>
-                          </m:sSub>
+                                </m:e>
+                                <m:sub>
+                                  <m:f>
+                                    <m:fPr>
+                                      <m:ctrlPr>
+                                        <a:rPr lang="el-GR" i="1">
+                                          <a:latin typeface="Cambria Math" panose="02040503050406030204" pitchFamily="18" charset="0"/>
+                                        </a:rPr>
+                                      </m:ctrlPr>
+                                    </m:fPr>
+                                    <m:num>
+                                      <m:r>
+                                        <m:rPr>
+                                          <m:sty m:val="p"/>
+                                        </m:rPr>
+                                        <a:rPr lang="el-GR" i="1">
+                                          <a:latin typeface="Cambria Math" panose="02040503050406030204" pitchFamily="18" charset="0"/>
+                                        </a:rPr>
+                                        <m:t>α</m:t>
+                                      </m:r>
+                                    </m:num>
+                                    <m:den>
+                                      <m:r>
+                                        <a:rPr lang="en-US" i="1">
+                                          <a:latin typeface="Cambria Math" panose="02040503050406030204" pitchFamily="18" charset="0"/>
+                                        </a:rPr>
+                                        <m:t>2</m:t>
+                                      </m:r>
+                                    </m:den>
+                                  </m:f>
+                                </m:sub>
+                              </m:sSub>
+                            </m:e>
+                          </m:d>
                         </m:oMath>
                       </m:oMathPara>
                     </a14:m>
@@ -4032,13 +4974,13 @@
                 </p:txBody>
               </p:sp>
             </mc:Choice>
-            <mc:Fallback xmlns="">
+            <mc:Fallback>
               <p:sp>
                 <p:nvSpPr>
-                  <p:cNvPr id="18" name="TextBox 17">
+                  <p:cNvPr id="16" name="TextBox 15">
                     <a:extLst>
                       <a:ext uri="{FF2B5EF4-FFF2-40B4-BE49-F238E27FC236}">
-                        <a16:creationId xmlns:a16="http://schemas.microsoft.com/office/drawing/2014/main" id="{9979FA34-AEAB-4A82-BF05-6876E4A25E4D}"/>
+                        <a16:creationId xmlns:a16="http://schemas.microsoft.com/office/drawing/2014/main" id="{5FD8A5F4-2625-442A-A83A-08E6DCCB8C16}"/>
                       </a:ext>
                     </a:extLst>
                   </p:cNvPr>
@@ -4049,8 +4991,8 @@
                 </p:nvSpPr>
                 <p:spPr>
                   <a:xfrm>
-                    <a:off x="8138803" y="3642459"/>
-                    <a:ext cx="782424" cy="529889"/>
+                    <a:off x="4950693" y="3642459"/>
+                    <a:ext cx="782424" cy="491225"/>
                   </a:xfrm>
                   <a:prstGeom prst="rect">
                     <a:avLst/>
@@ -4058,7 +5000,7 @@
                   <a:blipFill>
                     <a:blip r:embed="rId5"/>
                     <a:stretch>
-                      <a:fillRect/>
+                      <a:fillRect b="-1235"/>
                     </a:stretch>
                   </a:blipFill>
                 </p:spPr>
@@ -4077,14 +5019,84 @@
               </p:sp>
             </mc:Fallback>
           </mc:AlternateContent>
-          <mc:AlternateContent xmlns:mc="http://schemas.openxmlformats.org/markup-compatibility/2006" xmlns:a14="http://schemas.microsoft.com/office/drawing/2010/main">
-            <mc:Choice Requires="a14">
+          <p:sp>
+            <p:nvSpPr>
+              <p:cNvPr id="18" name="TextBox 17">
+                <a:extLst>
+                  <a:ext uri="{FF2B5EF4-FFF2-40B4-BE49-F238E27FC236}">
+                    <a16:creationId xmlns:a16="http://schemas.microsoft.com/office/drawing/2014/main" id="{D75131C3-C6AB-45DB-B93B-589283DCCBCD}"/>
+                  </a:ext>
+                </a:extLst>
+              </p:cNvPr>
+              <p:cNvSpPr txBox="1"/>
+              <p:nvPr/>
+            </p:nvSpPr>
+            <p:spPr>
+              <a:xfrm>
+                <a:off x="5880670" y="5224829"/>
+                <a:ext cx="794194" cy="261571"/>
+              </a:xfrm>
+              <a:prstGeom prst="rect">
+                <a:avLst/>
+              </a:prstGeom>
+              <a:noFill/>
+            </p:spPr>
+            <p:txBody>
+              <a:bodyPr wrap="square" rtlCol="0">
+                <a:spAutoFit/>
+              </a:bodyPr>
+              <a:lstStyle/>
+              <a:p>
+                <a:r>
+                  <a:rPr lang="en-US" sz="1100" dirty="0"/>
+                  <a:t>DMOE</a:t>
+                </a:r>
+              </a:p>
+            </p:txBody>
+          </p:sp>
+          <p:sp>
+            <p:nvSpPr>
+              <p:cNvPr id="19" name="TextBox 18">
+                <a:extLst>
+                  <a:ext uri="{FF2B5EF4-FFF2-40B4-BE49-F238E27FC236}">
+                    <a16:creationId xmlns:a16="http://schemas.microsoft.com/office/drawing/2014/main" id="{D93CC871-3004-46A6-8B3C-F659D034FC81}"/>
+                  </a:ext>
+                </a:extLst>
+              </p:cNvPr>
+              <p:cNvSpPr txBox="1"/>
+              <p:nvPr/>
+            </p:nvSpPr>
+            <p:spPr>
+              <a:xfrm>
+                <a:off x="7238371" y="5224829"/>
+                <a:ext cx="794194" cy="261571"/>
+              </a:xfrm>
+              <a:prstGeom prst="rect">
+                <a:avLst/>
+              </a:prstGeom>
+              <a:noFill/>
+            </p:spPr>
+            <p:txBody>
+              <a:bodyPr wrap="square" rtlCol="0">
+                <a:spAutoFit/>
+              </a:bodyPr>
+              <a:lstStyle/>
+              <a:p>
+                <a:r>
+                  <a:rPr lang="en-US" sz="1100" dirty="0"/>
+                  <a:t>DMOE</a:t>
+                </a:r>
+              </a:p>
+            </p:txBody>
+          </p:sp>
+          <mc:AlternateContent xmlns:mc="http://schemas.openxmlformats.org/markup-compatibility/2006">
+            <mc:Choice xmlns:a14="http://schemas.microsoft.com/office/drawing/2010/main" Requires="a14">
               <p:sp>
                 <p:nvSpPr>
-                  <p:cNvPr id="16" name="TextBox 15">
+                  <p:cNvPr id="20" name="TextBox 19">
                     <a:extLst>
                       <a:ext uri="{FF2B5EF4-FFF2-40B4-BE49-F238E27FC236}">
-                        <a16:creationId xmlns:a16="http://schemas.microsoft.com/office/drawing/2014/main" id="{5FD8A5F4-2625-442A-A83A-08E6DCCB8C16}"/>
+                        <a16:creationId xmlns:a16="http://schemas.microsoft.com/office/drawing/2014/main" id="{710121F5-8CEE-4B6C-AF09-B3C461AFA2DC}"/>
                       </a:ext>
                     </a:extLst>
                   </p:cNvPr>
@@ -4093,8 +5105,8 @@
                 </p:nvSpPr>
                 <p:spPr>
                   <a:xfrm>
-                    <a:off x="4950693" y="3642459"/>
-                    <a:ext cx="782424" cy="529889"/>
+                    <a:off x="8047109" y="3642459"/>
+                    <a:ext cx="782424" cy="491225"/>
                   </a:xfrm>
                   <a:prstGeom prst="rect">
                     <a:avLst/>
@@ -4114,56 +5126,66 @@
                           <m:jc m:val="centerGroup"/>
                         </m:oMathParaPr>
                         <m:oMath xmlns:m="http://schemas.openxmlformats.org/officeDocument/2006/math">
-                          <m:sSub>
-                            <m:sSubPr>
+                          <m:d>
+                            <m:dPr>
+                              <m:begChr m:val="|"/>
+                              <m:endChr m:val="|"/>
                               <m:ctrlPr>
                                 <a:rPr lang="el-GR" i="1" smtClean="0">
                                   <a:latin typeface="Cambria Math" panose="02040503050406030204" pitchFamily="18" charset="0"/>
                                 </a:rPr>
                               </m:ctrlPr>
-                            </m:sSubPr>
+                            </m:dPr>
                             <m:e>
-                              <m:r>
-                                <a:rPr lang="en-US" b="0" i="1" smtClean="0">
-                                  <a:latin typeface="Cambria Math" panose="02040503050406030204" pitchFamily="18" charset="0"/>
-                                </a:rPr>
-                                <m:t>𝑍</m:t>
-                              </m:r>
-                            </m:e>
-                            <m:sub>
-                              <m:f>
-                                <m:fPr>
+                              <m:sSub>
+                                <m:sSubPr>
                                   <m:ctrlPr>
-                                    <a:rPr lang="el-GR" i="1" smtClean="0">
+                                    <a:rPr lang="el-GR" i="1">
                                       <a:latin typeface="Cambria Math" panose="02040503050406030204" pitchFamily="18" charset="0"/>
                                     </a:rPr>
                                   </m:ctrlPr>
-                                </m:fPr>
-                                <m:num>
+                                </m:sSubPr>
+                                <m:e>
                                   <m:r>
-                                    <a:rPr lang="en-US" b="0" i="1" smtClean="0">
+                                    <a:rPr lang="en-US" i="1">
                                       <a:latin typeface="Cambria Math" panose="02040503050406030204" pitchFamily="18" charset="0"/>
                                     </a:rPr>
-                                    <m:t>1−</m:t>
+                                    <m:t>𝑍</m:t>
                                   </m:r>
-                                  <m:r>
-                                    <a:rPr lang="en-US" b="0" i="1" smtClean="0">
-                                      <a:latin typeface="Cambria Math" panose="02040503050406030204" pitchFamily="18" charset="0"/>
-                                    </a:rPr>
-                                    <m:t>𝐶𝐼</m:t>
-                                  </m:r>
-                                </m:num>
-                                <m:den>
-                                  <m:r>
-                                    <a:rPr lang="en-US" b="0" i="1" smtClean="0">
-                                      <a:latin typeface="Cambria Math" panose="02040503050406030204" pitchFamily="18" charset="0"/>
-                                    </a:rPr>
-                                    <m:t>2</m:t>
-                                  </m:r>
-                                </m:den>
-                              </m:f>
-                            </m:sub>
-                          </m:sSub>
+                                </m:e>
+                                <m:sub>
+                                  <m:f>
+                                    <m:fPr>
+                                      <m:ctrlPr>
+                                        <a:rPr lang="el-GR" i="1">
+                                          <a:latin typeface="Cambria Math" panose="02040503050406030204" pitchFamily="18" charset="0"/>
+                                        </a:rPr>
+                                      </m:ctrlPr>
+                                    </m:fPr>
+                                    <m:num>
+                                      <m:r>
+                                        <m:rPr>
+                                          <m:sty m:val="p"/>
+                                        </m:rPr>
+                                        <a:rPr lang="el-GR" i="1">
+                                          <a:latin typeface="Cambria Math" panose="02040503050406030204" pitchFamily="18" charset="0"/>
+                                        </a:rPr>
+                                        <m:t>α</m:t>
+                                      </m:r>
+                                    </m:num>
+                                    <m:den>
+                                      <m:r>
+                                        <a:rPr lang="en-US" i="1">
+                                          <a:latin typeface="Cambria Math" panose="02040503050406030204" pitchFamily="18" charset="0"/>
+                                        </a:rPr>
+                                        <m:t>2</m:t>
+                                      </m:r>
+                                    </m:den>
+                                  </m:f>
+                                </m:sub>
+                              </m:sSub>
+                            </m:e>
+                          </m:d>
                         </m:oMath>
                       </m:oMathPara>
                     </a14:m>
@@ -4172,13 +5194,13 @@
                 </p:txBody>
               </p:sp>
             </mc:Choice>
-            <mc:Fallback xmlns="">
+            <mc:Fallback>
               <p:sp>
                 <p:nvSpPr>
-                  <p:cNvPr id="19" name="TextBox 18">
+                  <p:cNvPr id="20" name="TextBox 19">
                     <a:extLst>
                       <a:ext uri="{FF2B5EF4-FFF2-40B4-BE49-F238E27FC236}">
-                        <a16:creationId xmlns:a16="http://schemas.microsoft.com/office/drawing/2014/main" id="{60043E7C-ECDD-413F-A677-5C246E35A83C}"/>
+                        <a16:creationId xmlns:a16="http://schemas.microsoft.com/office/drawing/2014/main" id="{710121F5-8CEE-4B6C-AF09-B3C461AFA2DC}"/>
                       </a:ext>
                     </a:extLst>
                   </p:cNvPr>
@@ -4189,8 +5211,8 @@
                 </p:nvSpPr>
                 <p:spPr>
                   <a:xfrm>
-                    <a:off x="4950693" y="3642459"/>
-                    <a:ext cx="782424" cy="529889"/>
+                    <a:off x="8047109" y="3642459"/>
+                    <a:ext cx="782424" cy="491225"/>
                   </a:xfrm>
                   <a:prstGeom prst="rect">
                     <a:avLst/>
@@ -4198,7 +5220,7 @@
                   <a:blipFill>
                     <a:blip r:embed="rId6"/>
                     <a:stretch>
-                      <a:fillRect/>
+                      <a:fillRect b="-1235"/>
                     </a:stretch>
                   </a:blipFill>
                 </p:spPr>
@@ -4217,14 +5239,14 @@
               </p:sp>
             </mc:Fallback>
           </mc:AlternateContent>
-          <mc:AlternateContent xmlns:mc="http://schemas.openxmlformats.org/markup-compatibility/2006" xmlns:a14="http://schemas.microsoft.com/office/drawing/2010/main">
-            <mc:Choice Requires="a14">
+          <mc:AlternateContent xmlns:mc="http://schemas.openxmlformats.org/markup-compatibility/2006">
+            <mc:Choice xmlns:a14="http://schemas.microsoft.com/office/drawing/2010/main" Requires="a14">
               <p:sp>
                 <p:nvSpPr>
-                  <p:cNvPr id="17" name="TextBox 16">
+                  <p:cNvPr id="22" name="TextBox 21">
                     <a:extLst>
                       <a:ext uri="{FF2B5EF4-FFF2-40B4-BE49-F238E27FC236}">
-                        <a16:creationId xmlns:a16="http://schemas.microsoft.com/office/drawing/2014/main" id="{62C2C2E5-CE1C-4D75-BC89-C6A1C6E51499}"/>
+                        <a16:creationId xmlns:a16="http://schemas.microsoft.com/office/drawing/2014/main" id="{E1779DD4-EC0A-4A47-97FE-7898F3D7E961}"/>
                       </a:ext>
                     </a:extLst>
                   </p:cNvPr>
@@ -4233,8 +5255,8 @@
                 </p:nvSpPr>
                 <p:spPr>
                   <a:xfrm>
-                    <a:off x="7978813" y="6222892"/>
-                    <a:ext cx="1593489" cy="503023"/>
+                    <a:off x="7939896" y="6201560"/>
+                    <a:ext cx="1593489" cy="480131"/>
                   </a:xfrm>
                   <a:prstGeom prst="rect">
                     <a:avLst/>
@@ -4324,62 +5346,66 @@
                     </a:r>
                     <a14:m>
                       <m:oMath xmlns:m="http://schemas.openxmlformats.org/officeDocument/2006/math">
-                        <m:sSub>
-                          <m:sSubPr>
+                        <m:d>
+                          <m:dPr>
+                            <m:begChr m:val="|"/>
+                            <m:endChr m:val="|"/>
                             <m:ctrlPr>
                               <a:rPr lang="el-GR" i="1">
                                 <a:latin typeface="Cambria Math" panose="02040503050406030204" pitchFamily="18" charset="0"/>
                               </a:rPr>
                             </m:ctrlPr>
-                          </m:sSubPr>
+                          </m:dPr>
                           <m:e>
-                            <m:r>
-                              <a:rPr lang="en-US" i="1">
-                                <a:latin typeface="Cambria Math" panose="02040503050406030204" pitchFamily="18" charset="0"/>
-                              </a:rPr>
-                              <m:t>𝑍</m:t>
-                            </m:r>
-                          </m:e>
-                          <m:sub>
-                            <m:f>
-                              <m:fPr>
+                            <m:sSub>
+                              <m:sSubPr>
                                 <m:ctrlPr>
                                   <a:rPr lang="el-GR" i="1">
                                     <a:latin typeface="Cambria Math" panose="02040503050406030204" pitchFamily="18" charset="0"/>
                                   </a:rPr>
                                 </m:ctrlPr>
-                              </m:fPr>
-                              <m:num>
+                              </m:sSubPr>
+                              <m:e>
                                 <m:r>
                                   <a:rPr lang="en-US" i="1">
                                     <a:latin typeface="Cambria Math" panose="02040503050406030204" pitchFamily="18" charset="0"/>
                                   </a:rPr>
-                                  <m:t>1</m:t>
+                                  <m:t>𝑍</m:t>
                                 </m:r>
-                                <m:r>
-                                  <a:rPr lang="en-US" b="0" i="1" smtClean="0">
-                                    <a:latin typeface="Cambria Math" panose="02040503050406030204" pitchFamily="18" charset="0"/>
-                                  </a:rPr>
-                                  <m:t>+</m:t>
-                                </m:r>
-                                <m:r>
-                                  <a:rPr lang="en-US" i="1">
-                                    <a:latin typeface="Cambria Math" panose="02040503050406030204" pitchFamily="18" charset="0"/>
-                                  </a:rPr>
-                                  <m:t>𝐶𝐼</m:t>
-                                </m:r>
-                              </m:num>
-                              <m:den>
-                                <m:r>
-                                  <a:rPr lang="en-US" i="1">
-                                    <a:latin typeface="Cambria Math" panose="02040503050406030204" pitchFamily="18" charset="0"/>
-                                  </a:rPr>
-                                  <m:t>2</m:t>
-                                </m:r>
-                              </m:den>
-                            </m:f>
-                          </m:sub>
-                        </m:sSub>
+                              </m:e>
+                              <m:sub>
+                                <m:f>
+                                  <m:fPr>
+                                    <m:ctrlPr>
+                                      <a:rPr lang="el-GR" i="1">
+                                        <a:latin typeface="Cambria Math" panose="02040503050406030204" pitchFamily="18" charset="0"/>
+                                      </a:rPr>
+                                    </m:ctrlPr>
+                                  </m:fPr>
+                                  <m:num>
+                                    <m:r>
+                                      <m:rPr>
+                                        <m:sty m:val="p"/>
+                                      </m:rPr>
+                                      <a:rPr lang="el-GR" i="1">
+                                        <a:latin typeface="Cambria Math" panose="02040503050406030204" pitchFamily="18" charset="0"/>
+                                      </a:rPr>
+                                      <m:t>α</m:t>
+                                    </m:r>
+                                  </m:num>
+                                  <m:den>
+                                    <m:r>
+                                      <a:rPr lang="en-US" i="1">
+                                        <a:latin typeface="Cambria Math" panose="02040503050406030204" pitchFamily="18" charset="0"/>
+                                      </a:rPr>
+                                      <m:t>2</m:t>
+                                    </m:r>
+                                  </m:den>
+                                </m:f>
+                              </m:sub>
+                            </m:sSub>
+                          </m:e>
+                        </m:d>
                       </m:oMath>
                     </a14:m>
                     <a:endParaRPr lang="en-US" dirty="0"/>
@@ -4387,13 +5413,13 @@
                 </p:txBody>
               </p:sp>
             </mc:Choice>
-            <mc:Fallback xmlns="">
+            <mc:Fallback>
               <p:sp>
                 <p:nvSpPr>
-                  <p:cNvPr id="20" name="TextBox 19">
+                  <p:cNvPr id="22" name="TextBox 21">
                     <a:extLst>
                       <a:ext uri="{FF2B5EF4-FFF2-40B4-BE49-F238E27FC236}">
-                        <a16:creationId xmlns:a16="http://schemas.microsoft.com/office/drawing/2014/main" id="{5CBCF9F6-C1DF-4948-B165-D7C13AE33F25}"/>
+                        <a16:creationId xmlns:a16="http://schemas.microsoft.com/office/drawing/2014/main" id="{E1779DD4-EC0A-4A47-97FE-7898F3D7E961}"/>
                       </a:ext>
                     </a:extLst>
                   </p:cNvPr>
@@ -4404,8 +5430,8 @@
                 </p:nvSpPr>
                 <p:spPr>
                   <a:xfrm>
-                    <a:off x="7978813" y="6222892"/>
-                    <a:ext cx="1593489" cy="503023"/>
+                    <a:off x="7939896" y="6201560"/>
+                    <a:ext cx="1593489" cy="480131"/>
                   </a:xfrm>
                   <a:prstGeom prst="rect">
                     <a:avLst/>
@@ -4413,7 +5439,7 @@
                   <a:blipFill>
                     <a:blip r:embed="rId7"/>
                     <a:stretch>
-                      <a:fillRect b="-1220"/>
+                      <a:fillRect b="-1266"/>
                     </a:stretch>
                   </a:blipFill>
                 </p:spPr>
@@ -4432,77 +5458,6 @@
               </p:sp>
             </mc:Fallback>
           </mc:AlternateContent>
-          <p:sp>
-            <p:nvSpPr>
-              <p:cNvPr id="18" name="TextBox 17">
-                <a:extLst>
-                  <a:ext uri="{FF2B5EF4-FFF2-40B4-BE49-F238E27FC236}">
-                    <a16:creationId xmlns:a16="http://schemas.microsoft.com/office/drawing/2014/main" id="{D75131C3-C6AB-45DB-B93B-589283DCCBCD}"/>
-                  </a:ext>
-                </a:extLst>
-              </p:cNvPr>
-              <p:cNvSpPr txBox="1"/>
-              <p:nvPr/>
-            </p:nvSpPr>
-            <p:spPr>
-              <a:xfrm>
-                <a:off x="5880670" y="5224829"/>
-                <a:ext cx="794194" cy="261571"/>
-              </a:xfrm>
-              <a:prstGeom prst="rect">
-                <a:avLst/>
-              </a:prstGeom>
-              <a:noFill/>
-            </p:spPr>
-            <p:txBody>
-              <a:bodyPr wrap="square" rtlCol="0">
-                <a:spAutoFit/>
-              </a:bodyPr>
-              <a:lstStyle/>
-              <a:p>
-                <a:r>
-                  <a:rPr lang="en-US" sz="1100" dirty="0"/>
-                  <a:t>DMOE</a:t>
-                </a:r>
-              </a:p>
-            </p:txBody>
-          </p:sp>
-          <p:sp>
-            <p:nvSpPr>
-              <p:cNvPr id="19" name="TextBox 18">
-                <a:extLst>
-                  <a:ext uri="{FF2B5EF4-FFF2-40B4-BE49-F238E27FC236}">
-                    <a16:creationId xmlns:a16="http://schemas.microsoft.com/office/drawing/2014/main" id="{D93CC871-3004-46A6-8B3C-F659D034FC81}"/>
-                  </a:ext>
-                </a:extLst>
-              </p:cNvPr>
-              <p:cNvSpPr txBox="1"/>
-              <p:nvPr/>
-            </p:nvSpPr>
-            <p:spPr>
-              <a:xfrm>
-                <a:off x="7238371" y="5224829"/>
-                <a:ext cx="794194" cy="261571"/>
-              </a:xfrm>
-              <a:prstGeom prst="rect">
-                <a:avLst/>
-              </a:prstGeom>
-              <a:noFill/>
-            </p:spPr>
-            <p:txBody>
-              <a:bodyPr wrap="square" rtlCol="0">
-                <a:spAutoFit/>
-              </a:bodyPr>
-              <a:lstStyle/>
-              <a:p>
-                <a:r>
-                  <a:rPr lang="en-US" sz="1100"/>
-                  <a:t>DMOE</a:t>
-                </a:r>
-                <a:endParaRPr lang="en-US" sz="1100" dirty="0"/>
-              </a:p>
-            </p:txBody>
-          </p:sp>
         </p:grpSp>
         <p:cxnSp>
           <p:nvCxnSpPr>
@@ -4589,6 +5544,5038 @@
     <p:extLst>
       <p:ext uri="{BB962C8B-B14F-4D97-AF65-F5344CB8AC3E}">
         <p14:creationId xmlns:p14="http://schemas.microsoft.com/office/powerpoint/2010/main" val="2847892843"/>
+      </p:ext>
+    </p:extLst>
+  </p:cSld>
+  <p:clrMapOvr>
+    <a:masterClrMapping/>
+  </p:clrMapOvr>
+</p:sld>
+</file>
+
+<file path=ppt/slides/slide2.xml><?xml version="1.0" encoding="utf-8"?>
+<p:sld xmlns:a="http://schemas.openxmlformats.org/drawingml/2006/main" xmlns:r="http://schemas.openxmlformats.org/officeDocument/2006/relationships" xmlns:p="http://schemas.openxmlformats.org/presentationml/2006/main">
+  <p:cSld>
+    <p:spTree>
+      <p:nvGrpSpPr>
+        <p:cNvPr id="1" name=""/>
+        <p:cNvGrpSpPr/>
+        <p:nvPr/>
+      </p:nvGrpSpPr>
+      <p:grpSpPr>
+        <a:xfrm>
+          <a:off x="0" y="0"/>
+          <a:ext cx="0" cy="0"/>
+          <a:chOff x="0" y="0"/>
+          <a:chExt cx="0" cy="0"/>
+        </a:xfrm>
+      </p:grpSpPr>
+      <p:grpSp>
+        <p:nvGrpSpPr>
+          <p:cNvPr id="29" name="Group 28">
+            <a:extLst>
+              <a:ext uri="{FF2B5EF4-FFF2-40B4-BE49-F238E27FC236}">
+                <a16:creationId xmlns:a16="http://schemas.microsoft.com/office/drawing/2014/main" id="{611CFF08-673D-4363-9D38-A301BE235BBF}"/>
+              </a:ext>
+            </a:extLst>
+          </p:cNvPr>
+          <p:cNvGrpSpPr/>
+          <p:nvPr/>
+        </p:nvGrpSpPr>
+        <p:grpSpPr>
+          <a:xfrm>
+            <a:off x="661416" y="757702"/>
+            <a:ext cx="5550408" cy="3655040"/>
+            <a:chOff x="661416" y="757702"/>
+            <a:chExt cx="5550408" cy="3655040"/>
+          </a:xfrm>
+        </p:grpSpPr>
+        <p:grpSp>
+          <p:nvGrpSpPr>
+            <p:cNvPr id="3" name="Group 2">
+              <a:extLst>
+                <a:ext uri="{FF2B5EF4-FFF2-40B4-BE49-F238E27FC236}">
+                  <a16:creationId xmlns:a16="http://schemas.microsoft.com/office/drawing/2014/main" id="{7CF92624-7337-46E2-B8EE-5D1C39832220}"/>
+                </a:ext>
+              </a:extLst>
+            </p:cNvPr>
+            <p:cNvGrpSpPr/>
+            <p:nvPr/>
+          </p:nvGrpSpPr>
+          <p:grpSpPr>
+            <a:xfrm>
+              <a:off x="2127504" y="1921002"/>
+              <a:ext cx="4084320" cy="2491740"/>
+              <a:chOff x="2127504" y="1921002"/>
+              <a:chExt cx="4084320" cy="2491740"/>
+            </a:xfrm>
+          </p:grpSpPr>
+          <p:grpSp>
+            <p:nvGrpSpPr>
+              <p:cNvPr id="10" name="Group 9">
+                <a:extLst>
+                  <a:ext uri="{FF2B5EF4-FFF2-40B4-BE49-F238E27FC236}">
+                    <a16:creationId xmlns:a16="http://schemas.microsoft.com/office/drawing/2014/main" id="{9AC48CC5-4F88-48BC-B32F-23A8BE5B738D}"/>
+                  </a:ext>
+                </a:extLst>
+              </p:cNvPr>
+              <p:cNvGrpSpPr/>
+              <p:nvPr/>
+            </p:nvGrpSpPr>
+            <p:grpSpPr>
+              <a:xfrm>
+                <a:off x="2127504" y="1921002"/>
+                <a:ext cx="4084320" cy="2491740"/>
+                <a:chOff x="2127504" y="1921002"/>
+                <a:chExt cx="4084320" cy="2491740"/>
+              </a:xfrm>
+            </p:grpSpPr>
+            <p:pic>
+              <p:nvPicPr>
+                <p:cNvPr id="4" name="Picture 3">
+                  <a:extLst>
+                    <a:ext uri="{FF2B5EF4-FFF2-40B4-BE49-F238E27FC236}">
+                      <a16:creationId xmlns:a16="http://schemas.microsoft.com/office/drawing/2014/main" id="{CD323321-1B63-493B-9157-058F86F2F905}"/>
+                    </a:ext>
+                  </a:extLst>
+                </p:cNvPr>
+                <p:cNvPicPr/>
+                <p:nvPr/>
+              </p:nvPicPr>
+              <p:blipFill>
+                <a:blip r:embed="rId2"/>
+                <a:stretch>
+                  <a:fillRect/>
+                </a:stretch>
+              </p:blipFill>
+              <p:spPr>
+                <a:xfrm>
+                  <a:off x="2127504" y="1921002"/>
+                  <a:ext cx="4084320" cy="2491740"/>
+                </a:xfrm>
+                <a:prstGeom prst="rect">
+                  <a:avLst/>
+                </a:prstGeom>
+              </p:spPr>
+            </p:pic>
+            <p:sp>
+              <p:nvSpPr>
+                <p:cNvPr id="6" name="Rectangle: Rounded Corners 5">
+                  <a:extLst>
+                    <a:ext uri="{FF2B5EF4-FFF2-40B4-BE49-F238E27FC236}">
+                      <a16:creationId xmlns:a16="http://schemas.microsoft.com/office/drawing/2014/main" id="{480273F5-3DF3-4A55-A80A-4368D5E82841}"/>
+                    </a:ext>
+                  </a:extLst>
+                </p:cNvPr>
+                <p:cNvSpPr/>
+                <p:nvPr/>
+              </p:nvSpPr>
+              <p:spPr>
+                <a:xfrm>
+                  <a:off x="3688080" y="3166872"/>
+                  <a:ext cx="993648" cy="149352"/>
+                </a:xfrm>
+                <a:prstGeom prst="roundRect">
+                  <a:avLst/>
+                </a:prstGeom>
+              </p:spPr>
+              <p:style>
+                <a:lnRef idx="2">
+                  <a:schemeClr val="accent1">
+                    <a:shade val="50000"/>
+                  </a:schemeClr>
+                </a:lnRef>
+                <a:fillRef idx="1">
+                  <a:schemeClr val="accent1"/>
+                </a:fillRef>
+                <a:effectRef idx="0">
+                  <a:schemeClr val="accent1"/>
+                </a:effectRef>
+                <a:fontRef idx="minor">
+                  <a:schemeClr val="lt1"/>
+                </a:fontRef>
+              </p:style>
+              <p:txBody>
+                <a:bodyPr rtlCol="0" anchor="ctr"/>
+                <a:lstStyle/>
+                <a:p>
+                  <a:pPr algn="ctr"/>
+                  <a:r>
+                    <a:rPr lang="en-US" sz="1400" dirty="0"/>
+                    <a:t>Case 1</a:t>
+                  </a:r>
+                </a:p>
+              </p:txBody>
+            </p:sp>
+            <p:sp>
+              <p:nvSpPr>
+                <p:cNvPr id="7" name="Rectangle: Rounded Corners 6">
+                  <a:extLst>
+                    <a:ext uri="{FF2B5EF4-FFF2-40B4-BE49-F238E27FC236}">
+                      <a16:creationId xmlns:a16="http://schemas.microsoft.com/office/drawing/2014/main" id="{37C8C37C-D575-464E-9FBC-32E6B80CBAE4}"/>
+                    </a:ext>
+                  </a:extLst>
+                </p:cNvPr>
+                <p:cNvSpPr/>
+                <p:nvPr/>
+              </p:nvSpPr>
+              <p:spPr>
+                <a:xfrm>
+                  <a:off x="3578352" y="4184904"/>
+                  <a:ext cx="993648" cy="149352"/>
+                </a:xfrm>
+                <a:prstGeom prst="roundRect">
+                  <a:avLst/>
+                </a:prstGeom>
+              </p:spPr>
+              <p:style>
+                <a:lnRef idx="2">
+                  <a:schemeClr val="accent1">
+                    <a:shade val="50000"/>
+                  </a:schemeClr>
+                </a:lnRef>
+                <a:fillRef idx="1">
+                  <a:schemeClr val="accent1"/>
+                </a:fillRef>
+                <a:effectRef idx="0">
+                  <a:schemeClr val="accent1"/>
+                </a:effectRef>
+                <a:fontRef idx="minor">
+                  <a:schemeClr val="lt1"/>
+                </a:fontRef>
+              </p:style>
+              <p:txBody>
+                <a:bodyPr rtlCol="0" anchor="ctr"/>
+                <a:lstStyle/>
+                <a:p>
+                  <a:pPr algn="ctr"/>
+                  <a:r>
+                    <a:rPr lang="en-US" sz="1400" dirty="0"/>
+                    <a:t>Case 2</a:t>
+                  </a:r>
+                </a:p>
+              </p:txBody>
+            </p:sp>
+            <p:sp>
+              <p:nvSpPr>
+                <p:cNvPr id="8" name="Rectangle: Rounded Corners 7">
+                  <a:extLst>
+                    <a:ext uri="{FF2B5EF4-FFF2-40B4-BE49-F238E27FC236}">
+                      <a16:creationId xmlns:a16="http://schemas.microsoft.com/office/drawing/2014/main" id="{1142EC33-76E9-4672-B7D7-B658B5D9E230}"/>
+                    </a:ext>
+                  </a:extLst>
+                </p:cNvPr>
+                <p:cNvSpPr/>
+                <p:nvPr/>
+              </p:nvSpPr>
+              <p:spPr>
+                <a:xfrm>
+                  <a:off x="5029200" y="3163824"/>
+                  <a:ext cx="993648" cy="149352"/>
+                </a:xfrm>
+                <a:prstGeom prst="roundRect">
+                  <a:avLst/>
+                </a:prstGeom>
+              </p:spPr>
+              <p:style>
+                <a:lnRef idx="2">
+                  <a:schemeClr val="accent1">
+                    <a:shade val="50000"/>
+                  </a:schemeClr>
+                </a:lnRef>
+                <a:fillRef idx="1">
+                  <a:schemeClr val="accent1"/>
+                </a:fillRef>
+                <a:effectRef idx="0">
+                  <a:schemeClr val="accent1"/>
+                </a:effectRef>
+                <a:fontRef idx="minor">
+                  <a:schemeClr val="lt1"/>
+                </a:fontRef>
+              </p:style>
+              <p:txBody>
+                <a:bodyPr rtlCol="0" anchor="ctr"/>
+                <a:lstStyle/>
+                <a:p>
+                  <a:pPr algn="ctr"/>
+                  <a:r>
+                    <a:rPr lang="en-US" sz="1400" dirty="0"/>
+                    <a:t>Case 3</a:t>
+                  </a:r>
+                </a:p>
+              </p:txBody>
+            </p:sp>
+            <p:sp>
+              <p:nvSpPr>
+                <p:cNvPr id="9" name="Rectangle: Rounded Corners 8">
+                  <a:extLst>
+                    <a:ext uri="{FF2B5EF4-FFF2-40B4-BE49-F238E27FC236}">
+                      <a16:creationId xmlns:a16="http://schemas.microsoft.com/office/drawing/2014/main" id="{1394FFCF-174E-4D49-8A66-4B7092555A1A}"/>
+                    </a:ext>
+                  </a:extLst>
+                </p:cNvPr>
+                <p:cNvSpPr/>
+                <p:nvPr/>
+              </p:nvSpPr>
+              <p:spPr>
+                <a:xfrm>
+                  <a:off x="5029200" y="4184904"/>
+                  <a:ext cx="993648" cy="149352"/>
+                </a:xfrm>
+                <a:prstGeom prst="roundRect">
+                  <a:avLst/>
+                </a:prstGeom>
+              </p:spPr>
+              <p:style>
+                <a:lnRef idx="2">
+                  <a:schemeClr val="accent1">
+                    <a:shade val="50000"/>
+                  </a:schemeClr>
+                </a:lnRef>
+                <a:fillRef idx="1">
+                  <a:schemeClr val="accent1"/>
+                </a:fillRef>
+                <a:effectRef idx="0">
+                  <a:schemeClr val="accent1"/>
+                </a:effectRef>
+                <a:fontRef idx="minor">
+                  <a:schemeClr val="lt1"/>
+                </a:fontRef>
+              </p:style>
+              <p:txBody>
+                <a:bodyPr rtlCol="0" anchor="ctr"/>
+                <a:lstStyle/>
+                <a:p>
+                  <a:pPr algn="ctr"/>
+                  <a:r>
+                    <a:rPr lang="en-US" sz="1400" dirty="0"/>
+                    <a:t>Case 4</a:t>
+                  </a:r>
+                </a:p>
+              </p:txBody>
+            </p:sp>
+          </p:grpSp>
+          <p:sp>
+            <p:nvSpPr>
+              <p:cNvPr id="2" name="TextBox 1">
+                <a:extLst>
+                  <a:ext uri="{FF2B5EF4-FFF2-40B4-BE49-F238E27FC236}">
+                    <a16:creationId xmlns:a16="http://schemas.microsoft.com/office/drawing/2014/main" id="{F9268046-3B87-4261-8874-1E68E6B8E105}"/>
+                  </a:ext>
+                </a:extLst>
+              </p:cNvPr>
+              <p:cNvSpPr txBox="1"/>
+              <p:nvPr/>
+            </p:nvSpPr>
+            <p:spPr>
+              <a:xfrm>
+                <a:off x="3930904" y="2420827"/>
+                <a:ext cx="477520" cy="246221"/>
+              </a:xfrm>
+              <a:prstGeom prst="rect">
+                <a:avLst/>
+              </a:prstGeom>
+              <a:noFill/>
+              <a:ln>
+                <a:noFill/>
+              </a:ln>
+            </p:spPr>
+            <p:style>
+              <a:lnRef idx="0">
+                <a:scrgbClr r="0" g="0" b="0"/>
+              </a:lnRef>
+              <a:fillRef idx="0">
+                <a:scrgbClr r="0" g="0" b="0"/>
+              </a:fillRef>
+              <a:effectRef idx="0">
+                <a:scrgbClr r="0" g="0" b="0"/>
+              </a:effectRef>
+              <a:fontRef idx="minor">
+                <a:schemeClr val="dk1"/>
+              </a:fontRef>
+            </p:style>
+            <p:txBody>
+              <a:bodyPr wrap="square" rtlCol="0">
+                <a:spAutoFit/>
+              </a:bodyPr>
+              <a:lstStyle/>
+              <a:p>
+                <a:r>
+                  <a:rPr lang="en-US" sz="1000" b="1" dirty="0">
+                    <a:solidFill>
+                      <a:schemeClr val="accent1">
+                        <a:lumMod val="75000"/>
+                      </a:schemeClr>
+                    </a:solidFill>
+                  </a:rPr>
+                  <a:t>1 - </a:t>
+                </a:r>
+                <a:r>
+                  <a:rPr lang="el-GR" sz="1000" b="1" dirty="0">
+                    <a:solidFill>
+                      <a:schemeClr val="accent1">
+                        <a:lumMod val="75000"/>
+                      </a:schemeClr>
+                    </a:solidFill>
+                  </a:rPr>
+                  <a:t>α</a:t>
+                </a:r>
+                <a:endParaRPr lang="en-US" sz="1000" b="1" dirty="0">
+                  <a:solidFill>
+                    <a:schemeClr val="accent1">
+                      <a:lumMod val="75000"/>
+                    </a:schemeClr>
+                  </a:solidFill>
+                </a:endParaRPr>
+              </a:p>
+            </p:txBody>
+          </p:sp>
+          <p:sp>
+            <p:nvSpPr>
+              <p:cNvPr id="12" name="TextBox 11">
+                <a:extLst>
+                  <a:ext uri="{FF2B5EF4-FFF2-40B4-BE49-F238E27FC236}">
+                    <a16:creationId xmlns:a16="http://schemas.microsoft.com/office/drawing/2014/main" id="{23B2862B-4D70-4681-902F-250537873C32}"/>
+                  </a:ext>
+                </a:extLst>
+              </p:cNvPr>
+              <p:cNvSpPr txBox="1"/>
+              <p:nvPr/>
+            </p:nvSpPr>
+            <p:spPr>
+              <a:xfrm>
+                <a:off x="5287264" y="3421714"/>
+                <a:ext cx="477520" cy="246221"/>
+              </a:xfrm>
+              <a:prstGeom prst="rect">
+                <a:avLst/>
+              </a:prstGeom>
+              <a:noFill/>
+              <a:ln>
+                <a:noFill/>
+              </a:ln>
+            </p:spPr>
+            <p:style>
+              <a:lnRef idx="0">
+                <a:scrgbClr r="0" g="0" b="0"/>
+              </a:lnRef>
+              <a:fillRef idx="0">
+                <a:scrgbClr r="0" g="0" b="0"/>
+              </a:fillRef>
+              <a:effectRef idx="0">
+                <a:scrgbClr r="0" g="0" b="0"/>
+              </a:effectRef>
+              <a:fontRef idx="minor">
+                <a:schemeClr val="dk1"/>
+              </a:fontRef>
+            </p:style>
+            <p:txBody>
+              <a:bodyPr wrap="square" rtlCol="0">
+                <a:spAutoFit/>
+              </a:bodyPr>
+              <a:lstStyle/>
+              <a:p>
+                <a:r>
+                  <a:rPr lang="en-US" sz="1000" b="1" dirty="0">
+                    <a:solidFill>
+                      <a:schemeClr val="accent1">
+                        <a:lumMod val="75000"/>
+                      </a:schemeClr>
+                    </a:solidFill>
+                  </a:rPr>
+                  <a:t>1 - </a:t>
+                </a:r>
+                <a:r>
+                  <a:rPr lang="el-GR" sz="1000" b="1" dirty="0">
+                    <a:solidFill>
+                      <a:schemeClr val="accent1">
+                        <a:lumMod val="75000"/>
+                      </a:schemeClr>
+                    </a:solidFill>
+                  </a:rPr>
+                  <a:t>β</a:t>
+                </a:r>
+                <a:endParaRPr lang="en-US" sz="1000" b="1" dirty="0">
+                  <a:solidFill>
+                    <a:schemeClr val="accent1">
+                      <a:lumMod val="75000"/>
+                    </a:schemeClr>
+                  </a:solidFill>
+                </a:endParaRPr>
+              </a:p>
+            </p:txBody>
+          </p:sp>
+        </p:grpSp>
+        <p:sp>
+          <p:nvSpPr>
+            <p:cNvPr id="5" name="Left Brace 4">
+              <a:extLst>
+                <a:ext uri="{FF2B5EF4-FFF2-40B4-BE49-F238E27FC236}">
+                  <a16:creationId xmlns:a16="http://schemas.microsoft.com/office/drawing/2014/main" id="{4A2AA4BC-E6DF-4351-9EB6-2EB1C42B6AA2}"/>
+                </a:ext>
+              </a:extLst>
+            </p:cNvPr>
+            <p:cNvSpPr/>
+            <p:nvPr/>
+          </p:nvSpPr>
+          <p:spPr>
+            <a:xfrm>
+              <a:off x="1774952" y="2420827"/>
+              <a:ext cx="352552" cy="1913429"/>
+            </a:xfrm>
+            <a:prstGeom prst="leftBrace">
+              <a:avLst>
+                <a:gd name="adj1" fmla="val 89025"/>
+                <a:gd name="adj2" fmla="val 49469"/>
+              </a:avLst>
+            </a:prstGeom>
+          </p:spPr>
+          <p:style>
+            <a:lnRef idx="1">
+              <a:schemeClr val="accent1"/>
+            </a:lnRef>
+            <a:fillRef idx="0">
+              <a:schemeClr val="accent1"/>
+            </a:fillRef>
+            <a:effectRef idx="0">
+              <a:schemeClr val="accent1"/>
+            </a:effectRef>
+            <a:fontRef idx="minor">
+              <a:schemeClr val="tx1"/>
+            </a:fontRef>
+          </p:style>
+          <p:txBody>
+            <a:bodyPr rtlCol="0" anchor="ctr"/>
+            <a:lstStyle/>
+            <a:p>
+              <a:pPr algn="ctr"/>
+              <a:endParaRPr lang="en-US"/>
+            </a:p>
+          </p:txBody>
+        </p:sp>
+        <p:sp>
+          <p:nvSpPr>
+            <p:cNvPr id="26" name="Left Brace 25">
+              <a:extLst>
+                <a:ext uri="{FF2B5EF4-FFF2-40B4-BE49-F238E27FC236}">
+                  <a16:creationId xmlns:a16="http://schemas.microsoft.com/office/drawing/2014/main" id="{32BFBBDB-A14C-4C69-AB93-D14B017F15C9}"/>
+                </a:ext>
+              </a:extLst>
+            </p:cNvPr>
+            <p:cNvSpPr/>
+            <p:nvPr/>
+          </p:nvSpPr>
+          <p:spPr>
+            <a:xfrm rot="5400000">
+              <a:off x="4631793" y="759366"/>
+              <a:ext cx="352552" cy="1913429"/>
+            </a:xfrm>
+            <a:prstGeom prst="leftBrace">
+              <a:avLst>
+                <a:gd name="adj1" fmla="val 89025"/>
+                <a:gd name="adj2" fmla="val 49469"/>
+              </a:avLst>
+            </a:prstGeom>
+          </p:spPr>
+          <p:style>
+            <a:lnRef idx="1">
+              <a:schemeClr val="accent1"/>
+            </a:lnRef>
+            <a:fillRef idx="0">
+              <a:schemeClr val="accent1"/>
+            </a:fillRef>
+            <a:effectRef idx="0">
+              <a:schemeClr val="accent1"/>
+            </a:effectRef>
+            <a:fontRef idx="minor">
+              <a:schemeClr val="tx1"/>
+            </a:fontRef>
+          </p:style>
+          <p:txBody>
+            <a:bodyPr rtlCol="0" anchor="ctr"/>
+            <a:lstStyle/>
+            <a:p>
+              <a:pPr algn="ctr"/>
+              <a:endParaRPr lang="en-US"/>
+            </a:p>
+          </p:txBody>
+        </p:sp>
+        <p:sp>
+          <p:nvSpPr>
+            <p:cNvPr id="27" name="TextBox 26">
+              <a:extLst>
+                <a:ext uri="{FF2B5EF4-FFF2-40B4-BE49-F238E27FC236}">
+                  <a16:creationId xmlns:a16="http://schemas.microsoft.com/office/drawing/2014/main" id="{C32F76C4-C974-42B1-87B9-F9C625851184}"/>
+                </a:ext>
+              </a:extLst>
+            </p:cNvPr>
+            <p:cNvSpPr txBox="1"/>
+            <p:nvPr/>
+          </p:nvSpPr>
+          <p:spPr>
+            <a:xfrm>
+              <a:off x="661416" y="3054375"/>
+              <a:ext cx="1371600" cy="646331"/>
+            </a:xfrm>
+            <a:prstGeom prst="rect">
+              <a:avLst/>
+            </a:prstGeom>
+            <a:noFill/>
+          </p:spPr>
+          <p:txBody>
+            <a:bodyPr wrap="square" rtlCol="0">
+              <a:spAutoFit/>
+            </a:bodyPr>
+            <a:lstStyle/>
+            <a:p>
+              <a:r>
+                <a:rPr lang="en-US" dirty="0"/>
+                <a:t>Mutually Exclusive</a:t>
+              </a:r>
+            </a:p>
+          </p:txBody>
+        </p:sp>
+        <p:sp>
+          <p:nvSpPr>
+            <p:cNvPr id="28" name="TextBox 27">
+              <a:extLst>
+                <a:ext uri="{FF2B5EF4-FFF2-40B4-BE49-F238E27FC236}">
+                  <a16:creationId xmlns:a16="http://schemas.microsoft.com/office/drawing/2014/main" id="{B4D624AF-C934-45CB-8460-2909BB240998}"/>
+                </a:ext>
+              </a:extLst>
+            </p:cNvPr>
+            <p:cNvSpPr txBox="1"/>
+            <p:nvPr/>
+          </p:nvSpPr>
+          <p:spPr>
+            <a:xfrm>
+              <a:off x="4343400" y="757702"/>
+              <a:ext cx="1371600" cy="646331"/>
+            </a:xfrm>
+            <a:prstGeom prst="rect">
+              <a:avLst/>
+            </a:prstGeom>
+            <a:noFill/>
+          </p:spPr>
+          <p:txBody>
+            <a:bodyPr wrap="square" rtlCol="0">
+              <a:spAutoFit/>
+            </a:bodyPr>
+            <a:lstStyle/>
+            <a:p>
+              <a:r>
+                <a:rPr lang="en-US" dirty="0"/>
+                <a:t>Mutually Exclusive</a:t>
+              </a:r>
+            </a:p>
+          </p:txBody>
+        </p:sp>
+      </p:grpSp>
+    </p:spTree>
+    <p:extLst>
+      <p:ext uri="{BB962C8B-B14F-4D97-AF65-F5344CB8AC3E}">
+        <p14:creationId xmlns:p14="http://schemas.microsoft.com/office/powerpoint/2010/main" val="1460089611"/>
+      </p:ext>
+    </p:extLst>
+  </p:cSld>
+  <p:clrMapOvr>
+    <a:masterClrMapping/>
+  </p:clrMapOvr>
+</p:sld>
+</file>
+
+<file path=ppt/slides/slide3.xml><?xml version="1.0" encoding="utf-8"?>
+<p:sld xmlns:a="http://schemas.openxmlformats.org/drawingml/2006/main" xmlns:r="http://schemas.openxmlformats.org/officeDocument/2006/relationships" xmlns:p="http://schemas.openxmlformats.org/presentationml/2006/main">
+  <p:cSld>
+    <p:spTree>
+      <p:nvGrpSpPr>
+        <p:cNvPr id="1" name=""/>
+        <p:cNvGrpSpPr/>
+        <p:nvPr/>
+      </p:nvGrpSpPr>
+      <p:grpSpPr>
+        <a:xfrm>
+          <a:off x="0" y="0"/>
+          <a:ext cx="0" cy="0"/>
+          <a:chOff x="0" y="0"/>
+          <a:chExt cx="0" cy="0"/>
+        </a:xfrm>
+      </p:grpSpPr>
+      <p:graphicFrame>
+        <p:nvGraphicFramePr>
+          <p:cNvPr id="17" name="Content Placeholder 3">
+            <a:extLst>
+              <a:ext uri="{FF2B5EF4-FFF2-40B4-BE49-F238E27FC236}">
+                <a16:creationId xmlns:a16="http://schemas.microsoft.com/office/drawing/2014/main" id="{4345D856-7A7E-4B3C-A8B7-E0C60214DB47}"/>
+              </a:ext>
+            </a:extLst>
+          </p:cNvPr>
+          <p:cNvGraphicFramePr>
+            <a:graphicFrameLocks/>
+          </p:cNvGraphicFramePr>
+          <p:nvPr>
+            <p:extLst>
+              <p:ext uri="{D42A27DB-BD31-4B8C-83A1-F6EECF244321}">
+                <p14:modId xmlns:p14="http://schemas.microsoft.com/office/powerpoint/2010/main" val="1857158942"/>
+              </p:ext>
+            </p:extLst>
+          </p:nvPr>
+        </p:nvGraphicFramePr>
+        <p:xfrm>
+          <a:off x="4689122" y="2067238"/>
+          <a:ext cx="2292440" cy="518160"/>
+        </p:xfrm>
+        <a:graphic>
+          <a:graphicData uri="http://schemas.openxmlformats.org/drawingml/2006/table">
+            <a:tbl>
+              <a:tblPr firstRow="1" bandRow="1"/>
+              <a:tblGrid>
+                <a:gridCol w="2292440">
+                  <a:extLst>
+                    <a:ext uri="{9D8B030D-6E8A-4147-A177-3AD203B41FA5}">
+                      <a16:colId xmlns:a16="http://schemas.microsoft.com/office/drawing/2014/main" val="20001"/>
+                    </a:ext>
+                  </a:extLst>
+                </a:gridCol>
+              </a:tblGrid>
+              <a:tr h="370840">
+                <a:tc>
+                  <a:txBody>
+                    <a:bodyPr/>
+                    <a:lstStyle>
+                      <a:lvl1pPr marL="0" algn="l" defTabSz="914400" rtl="0" eaLnBrk="1" latinLnBrk="0" hangingPunct="1">
+                        <a:defRPr sz="1800" b="1" kern="1200">
+                          <a:solidFill>
+                            <a:schemeClr val="lt1"/>
+                          </a:solidFill>
+                          <a:latin typeface="Trebuchet MS" panose="020B0603020202020204"/>
+                        </a:defRPr>
+                      </a:lvl1pPr>
+                      <a:lvl2pPr marL="457200" algn="l" defTabSz="914400" rtl="0" eaLnBrk="1" latinLnBrk="0" hangingPunct="1">
+                        <a:defRPr sz="1800" b="1" kern="1200">
+                          <a:solidFill>
+                            <a:schemeClr val="lt1"/>
+                          </a:solidFill>
+                          <a:latin typeface="Trebuchet MS" panose="020B0603020202020204"/>
+                        </a:defRPr>
+                      </a:lvl2pPr>
+                      <a:lvl3pPr marL="914400" algn="l" defTabSz="914400" rtl="0" eaLnBrk="1" latinLnBrk="0" hangingPunct="1">
+                        <a:defRPr sz="1800" b="1" kern="1200">
+                          <a:solidFill>
+                            <a:schemeClr val="lt1"/>
+                          </a:solidFill>
+                          <a:latin typeface="Trebuchet MS" panose="020B0603020202020204"/>
+                        </a:defRPr>
+                      </a:lvl3pPr>
+                      <a:lvl4pPr marL="1371600" algn="l" defTabSz="914400" rtl="0" eaLnBrk="1" latinLnBrk="0" hangingPunct="1">
+                        <a:defRPr sz="1800" b="1" kern="1200">
+                          <a:solidFill>
+                            <a:schemeClr val="lt1"/>
+                          </a:solidFill>
+                          <a:latin typeface="Trebuchet MS" panose="020B0603020202020204"/>
+                        </a:defRPr>
+                      </a:lvl4pPr>
+                      <a:lvl5pPr marL="1828800" algn="l" defTabSz="914400" rtl="0" eaLnBrk="1" latinLnBrk="0" hangingPunct="1">
+                        <a:defRPr sz="1800" b="1" kern="1200">
+                          <a:solidFill>
+                            <a:schemeClr val="lt1"/>
+                          </a:solidFill>
+                          <a:latin typeface="Trebuchet MS" panose="020B0603020202020204"/>
+                        </a:defRPr>
+                      </a:lvl5pPr>
+                      <a:lvl6pPr marL="2286000" algn="l" defTabSz="914400" rtl="0" eaLnBrk="1" latinLnBrk="0" hangingPunct="1">
+                        <a:defRPr sz="1800" b="1" kern="1200">
+                          <a:solidFill>
+                            <a:schemeClr val="lt1"/>
+                          </a:solidFill>
+                          <a:latin typeface="Trebuchet MS" panose="020B0603020202020204"/>
+                        </a:defRPr>
+                      </a:lvl6pPr>
+                      <a:lvl7pPr marL="2743200" algn="l" defTabSz="914400" rtl="0" eaLnBrk="1" latinLnBrk="0" hangingPunct="1">
+                        <a:defRPr sz="1800" b="1" kern="1200">
+                          <a:solidFill>
+                            <a:schemeClr val="lt1"/>
+                          </a:solidFill>
+                          <a:latin typeface="Trebuchet MS" panose="020B0603020202020204"/>
+                        </a:defRPr>
+                      </a:lvl7pPr>
+                      <a:lvl8pPr marL="3200400" algn="l" defTabSz="914400" rtl="0" eaLnBrk="1" latinLnBrk="0" hangingPunct="1">
+                        <a:defRPr sz="1800" b="1" kern="1200">
+                          <a:solidFill>
+                            <a:schemeClr val="lt1"/>
+                          </a:solidFill>
+                          <a:latin typeface="Trebuchet MS" panose="020B0603020202020204"/>
+                        </a:defRPr>
+                      </a:lvl8pPr>
+                      <a:lvl9pPr marL="3657600" algn="l" defTabSz="914400" rtl="0" eaLnBrk="1" latinLnBrk="0" hangingPunct="1">
+                        <a:defRPr sz="1800" b="1" kern="1200">
+                          <a:solidFill>
+                            <a:schemeClr val="lt1"/>
+                          </a:solidFill>
+                          <a:latin typeface="Trebuchet MS" panose="020B0603020202020204"/>
+                        </a:defRPr>
+                      </a:lvl9pPr>
+                    </a:lstStyle>
+                    <a:p>
+                      <a:pPr algn="ctr"/>
+                      <a:r>
+                        <a:rPr lang="el-GR" sz="2800" dirty="0">
+                          <a:latin typeface="Calibri" panose="020F0502020204030204" pitchFamily="34" charset="0"/>
+                          <a:cs typeface="Calibri" panose="020F0502020204030204" pitchFamily="34" charset="0"/>
+                        </a:rPr>
+                        <a:t>μ</a:t>
+                      </a:r>
+                      <a:r>
+                        <a:rPr lang="en-IN" sz="2800" dirty="0">
+                          <a:latin typeface="Calibri" panose="020F0502020204030204" pitchFamily="34" charset="0"/>
+                          <a:cs typeface="Calibri" panose="020F0502020204030204" pitchFamily="34" charset="0"/>
+                        </a:rPr>
+                        <a:t> ≠ 1003.88</a:t>
+                      </a:r>
+                      <a:endParaRPr lang="en-IN" sz="2800" dirty="0"/>
+                    </a:p>
+                  </a:txBody>
+                  <a:tcPr>
+                    <a:lnL w="12700" cmpd="sng">
+                      <a:solidFill>
+                        <a:sysClr val="window" lastClr="FFFFFF"/>
+                      </a:solidFill>
+                    </a:lnL>
+                    <a:lnR w="12700" cmpd="sng">
+                      <a:solidFill>
+                        <a:sysClr val="window" lastClr="FFFFFF"/>
+                      </a:solidFill>
+                    </a:lnR>
+                    <a:lnT w="12700" cmpd="sng">
+                      <a:solidFill>
+                        <a:sysClr val="window" lastClr="FFFFFF"/>
+                      </a:solidFill>
+                    </a:lnT>
+                    <a:lnB w="38100" cmpd="sng">
+                      <a:solidFill>
+                        <a:sysClr val="window" lastClr="FFFFFF"/>
+                      </a:solidFill>
+                    </a:lnB>
+                    <a:lnTlToBr w="12700" cmpd="sng">
+                      <a:noFill/>
+                      <a:prstDash val="solid"/>
+                    </a:lnTlToBr>
+                    <a:lnBlToTr w="12700" cmpd="sng">
+                      <a:noFill/>
+                      <a:prstDash val="solid"/>
+                    </a:lnBlToTr>
+                    <a:solidFill>
+                      <a:srgbClr val="90C226"/>
+                    </a:solidFill>
+                  </a:tcPr>
+                </a:tc>
+                <a:extLst>
+                  <a:ext uri="{0D108BD9-81ED-4DB2-BD59-A6C34878D82A}">
+                    <a16:rowId xmlns:a16="http://schemas.microsoft.com/office/drawing/2014/main" val="10000"/>
+                  </a:ext>
+                </a:extLst>
+              </a:tr>
+            </a:tbl>
+          </a:graphicData>
+        </a:graphic>
+      </p:graphicFrame>
+      <p:graphicFrame>
+        <p:nvGraphicFramePr>
+          <p:cNvPr id="18" name="Content Placeholder 3">
+            <a:extLst>
+              <a:ext uri="{FF2B5EF4-FFF2-40B4-BE49-F238E27FC236}">
+                <a16:creationId xmlns:a16="http://schemas.microsoft.com/office/drawing/2014/main" id="{30B93869-DE83-41C2-8FEF-84767B1D0E0B}"/>
+              </a:ext>
+            </a:extLst>
+          </p:cNvPr>
+          <p:cNvGraphicFramePr>
+            <a:graphicFrameLocks/>
+          </p:cNvGraphicFramePr>
+          <p:nvPr>
+            <p:extLst>
+              <p:ext uri="{D42A27DB-BD31-4B8C-83A1-F6EECF244321}">
+                <p14:modId xmlns:p14="http://schemas.microsoft.com/office/powerpoint/2010/main" val="132142645"/>
+              </p:ext>
+            </p:extLst>
+          </p:nvPr>
+        </p:nvGraphicFramePr>
+        <p:xfrm>
+          <a:off x="4686976" y="1743120"/>
+          <a:ext cx="2292440" cy="370840"/>
+        </p:xfrm>
+        <a:graphic>
+          <a:graphicData uri="http://schemas.openxmlformats.org/drawingml/2006/table">
+            <a:tbl>
+              <a:tblPr firstRow="1" bandRow="1"/>
+              <a:tblGrid>
+                <a:gridCol w="2292440">
+                  <a:extLst>
+                    <a:ext uri="{9D8B030D-6E8A-4147-A177-3AD203B41FA5}">
+                      <a16:colId xmlns:a16="http://schemas.microsoft.com/office/drawing/2014/main" val="20001"/>
+                    </a:ext>
+                  </a:extLst>
+                </a:gridCol>
+              </a:tblGrid>
+              <a:tr h="370840">
+                <a:tc>
+                  <a:txBody>
+                    <a:bodyPr/>
+                    <a:lstStyle>
+                      <a:lvl1pPr marL="0" algn="l" defTabSz="914400" rtl="0" eaLnBrk="1" latinLnBrk="0" hangingPunct="1">
+                        <a:defRPr sz="1800" b="1" kern="1200">
+                          <a:solidFill>
+                            <a:schemeClr val="lt1"/>
+                          </a:solidFill>
+                          <a:latin typeface="Trebuchet MS" panose="020B0603020202020204"/>
+                        </a:defRPr>
+                      </a:lvl1pPr>
+                      <a:lvl2pPr marL="457200" algn="l" defTabSz="914400" rtl="0" eaLnBrk="1" latinLnBrk="0" hangingPunct="1">
+                        <a:defRPr sz="1800" b="1" kern="1200">
+                          <a:solidFill>
+                            <a:schemeClr val="lt1"/>
+                          </a:solidFill>
+                          <a:latin typeface="Trebuchet MS" panose="020B0603020202020204"/>
+                        </a:defRPr>
+                      </a:lvl2pPr>
+                      <a:lvl3pPr marL="914400" algn="l" defTabSz="914400" rtl="0" eaLnBrk="1" latinLnBrk="0" hangingPunct="1">
+                        <a:defRPr sz="1800" b="1" kern="1200">
+                          <a:solidFill>
+                            <a:schemeClr val="lt1"/>
+                          </a:solidFill>
+                          <a:latin typeface="Trebuchet MS" panose="020B0603020202020204"/>
+                        </a:defRPr>
+                      </a:lvl3pPr>
+                      <a:lvl4pPr marL="1371600" algn="l" defTabSz="914400" rtl="0" eaLnBrk="1" latinLnBrk="0" hangingPunct="1">
+                        <a:defRPr sz="1800" b="1" kern="1200">
+                          <a:solidFill>
+                            <a:schemeClr val="lt1"/>
+                          </a:solidFill>
+                          <a:latin typeface="Trebuchet MS" panose="020B0603020202020204"/>
+                        </a:defRPr>
+                      </a:lvl4pPr>
+                      <a:lvl5pPr marL="1828800" algn="l" defTabSz="914400" rtl="0" eaLnBrk="1" latinLnBrk="0" hangingPunct="1">
+                        <a:defRPr sz="1800" b="1" kern="1200">
+                          <a:solidFill>
+                            <a:schemeClr val="lt1"/>
+                          </a:solidFill>
+                          <a:latin typeface="Trebuchet MS" panose="020B0603020202020204"/>
+                        </a:defRPr>
+                      </a:lvl5pPr>
+                      <a:lvl6pPr marL="2286000" algn="l" defTabSz="914400" rtl="0" eaLnBrk="1" latinLnBrk="0" hangingPunct="1">
+                        <a:defRPr sz="1800" b="1" kern="1200">
+                          <a:solidFill>
+                            <a:schemeClr val="lt1"/>
+                          </a:solidFill>
+                          <a:latin typeface="Trebuchet MS" panose="020B0603020202020204"/>
+                        </a:defRPr>
+                      </a:lvl6pPr>
+                      <a:lvl7pPr marL="2743200" algn="l" defTabSz="914400" rtl="0" eaLnBrk="1" latinLnBrk="0" hangingPunct="1">
+                        <a:defRPr sz="1800" b="1" kern="1200">
+                          <a:solidFill>
+                            <a:schemeClr val="lt1"/>
+                          </a:solidFill>
+                          <a:latin typeface="Trebuchet MS" panose="020B0603020202020204"/>
+                        </a:defRPr>
+                      </a:lvl7pPr>
+                      <a:lvl8pPr marL="3200400" algn="l" defTabSz="914400" rtl="0" eaLnBrk="1" latinLnBrk="0" hangingPunct="1">
+                        <a:defRPr sz="1800" b="1" kern="1200">
+                          <a:solidFill>
+                            <a:schemeClr val="lt1"/>
+                          </a:solidFill>
+                          <a:latin typeface="Trebuchet MS" panose="020B0603020202020204"/>
+                        </a:defRPr>
+                      </a:lvl8pPr>
+                      <a:lvl9pPr marL="3657600" algn="l" defTabSz="914400" rtl="0" eaLnBrk="1" latinLnBrk="0" hangingPunct="1">
+                        <a:defRPr sz="1800" b="1" kern="1200">
+                          <a:solidFill>
+                            <a:schemeClr val="lt1"/>
+                          </a:solidFill>
+                          <a:latin typeface="Trebuchet MS" panose="020B0603020202020204"/>
+                        </a:defRPr>
+                      </a:lvl9pPr>
+                    </a:lstStyle>
+                    <a:p>
+                      <a:pPr algn="ctr"/>
+                      <a:r>
+                        <a:rPr lang="en-IN" sz="1800" dirty="0">
+                          <a:latin typeface="Calibri" panose="020F0502020204030204" pitchFamily="34" charset="0"/>
+                          <a:cs typeface="Calibri" panose="020F0502020204030204" pitchFamily="34" charset="0"/>
+                        </a:rPr>
+                        <a:t>Hypothesis is not True</a:t>
+                      </a:r>
+                      <a:endParaRPr lang="en-IN" dirty="0"/>
+                    </a:p>
+                  </a:txBody>
+                  <a:tcPr>
+                    <a:lnL w="12700" cmpd="sng">
+                      <a:solidFill>
+                        <a:sysClr val="window" lastClr="FFFFFF"/>
+                      </a:solidFill>
+                    </a:lnL>
+                    <a:lnR w="12700" cmpd="sng">
+                      <a:solidFill>
+                        <a:sysClr val="window" lastClr="FFFFFF"/>
+                      </a:solidFill>
+                    </a:lnR>
+                    <a:lnT w="12700" cmpd="sng">
+                      <a:solidFill>
+                        <a:sysClr val="window" lastClr="FFFFFF"/>
+                      </a:solidFill>
+                    </a:lnT>
+                    <a:lnB w="38100" cmpd="sng">
+                      <a:solidFill>
+                        <a:sysClr val="window" lastClr="FFFFFF"/>
+                      </a:solidFill>
+                    </a:lnB>
+                    <a:lnTlToBr w="12700" cmpd="sng">
+                      <a:noFill/>
+                      <a:prstDash val="solid"/>
+                    </a:lnTlToBr>
+                    <a:lnBlToTr w="12700" cmpd="sng">
+                      <a:noFill/>
+                      <a:prstDash val="solid"/>
+                    </a:lnBlToTr>
+                    <a:solidFill>
+                      <a:srgbClr val="90C226"/>
+                    </a:solidFill>
+                  </a:tcPr>
+                </a:tc>
+                <a:extLst>
+                  <a:ext uri="{0D108BD9-81ED-4DB2-BD59-A6C34878D82A}">
+                    <a16:rowId xmlns:a16="http://schemas.microsoft.com/office/drawing/2014/main" val="10000"/>
+                  </a:ext>
+                </a:extLst>
+              </a:tr>
+            </a:tbl>
+          </a:graphicData>
+        </a:graphic>
+      </p:graphicFrame>
+      <p:graphicFrame>
+        <p:nvGraphicFramePr>
+          <p:cNvPr id="19" name="Table 18">
+            <a:extLst>
+              <a:ext uri="{FF2B5EF4-FFF2-40B4-BE49-F238E27FC236}">
+                <a16:creationId xmlns:a16="http://schemas.microsoft.com/office/drawing/2014/main" id="{FBDE2C84-7430-458E-9B7B-47CE84FDBBD9}"/>
+              </a:ext>
+            </a:extLst>
+          </p:cNvPr>
+          <p:cNvGraphicFramePr>
+            <a:graphicFrameLocks noGrp="1"/>
+          </p:cNvGraphicFramePr>
+          <p:nvPr>
+            <p:extLst>
+              <p:ext uri="{D42A27DB-BD31-4B8C-83A1-F6EECF244321}">
+                <p14:modId xmlns:p14="http://schemas.microsoft.com/office/powerpoint/2010/main" val="3300427474"/>
+              </p:ext>
+            </p:extLst>
+          </p:nvPr>
+        </p:nvGraphicFramePr>
+        <p:xfrm>
+          <a:off x="2318197" y="1749976"/>
+          <a:ext cx="2343955" cy="4158455"/>
+        </p:xfrm>
+        <a:graphic>
+          <a:graphicData uri="http://schemas.openxmlformats.org/drawingml/2006/table">
+            <a:tbl>
+              <a:tblPr firstRow="1" bandRow="1"/>
+              <a:tblGrid>
+                <a:gridCol w="2343955">
+                  <a:extLst>
+                    <a:ext uri="{9D8B030D-6E8A-4147-A177-3AD203B41FA5}">
+                      <a16:colId xmlns:a16="http://schemas.microsoft.com/office/drawing/2014/main" val="20000"/>
+                    </a:ext>
+                  </a:extLst>
+                </a:gridCol>
+              </a:tblGrid>
+              <a:tr h="812920">
+                <a:tc>
+                  <a:txBody>
+                    <a:bodyPr/>
+                    <a:lstStyle>
+                      <a:lvl1pPr marL="0" algn="l" defTabSz="914400" rtl="0" eaLnBrk="1" latinLnBrk="0" hangingPunct="1">
+                        <a:defRPr sz="1800" b="1" kern="1200">
+                          <a:solidFill>
+                            <a:schemeClr val="lt1"/>
+                          </a:solidFill>
+                          <a:latin typeface="Trebuchet MS" panose="020B0603020202020204"/>
+                        </a:defRPr>
+                      </a:lvl1pPr>
+                      <a:lvl2pPr marL="457200" algn="l" defTabSz="914400" rtl="0" eaLnBrk="1" latinLnBrk="0" hangingPunct="1">
+                        <a:defRPr sz="1800" b="1" kern="1200">
+                          <a:solidFill>
+                            <a:schemeClr val="lt1"/>
+                          </a:solidFill>
+                          <a:latin typeface="Trebuchet MS" panose="020B0603020202020204"/>
+                        </a:defRPr>
+                      </a:lvl2pPr>
+                      <a:lvl3pPr marL="914400" algn="l" defTabSz="914400" rtl="0" eaLnBrk="1" latinLnBrk="0" hangingPunct="1">
+                        <a:defRPr sz="1800" b="1" kern="1200">
+                          <a:solidFill>
+                            <a:schemeClr val="lt1"/>
+                          </a:solidFill>
+                          <a:latin typeface="Trebuchet MS" panose="020B0603020202020204"/>
+                        </a:defRPr>
+                      </a:lvl3pPr>
+                      <a:lvl4pPr marL="1371600" algn="l" defTabSz="914400" rtl="0" eaLnBrk="1" latinLnBrk="0" hangingPunct="1">
+                        <a:defRPr sz="1800" b="1" kern="1200">
+                          <a:solidFill>
+                            <a:schemeClr val="lt1"/>
+                          </a:solidFill>
+                          <a:latin typeface="Trebuchet MS" panose="020B0603020202020204"/>
+                        </a:defRPr>
+                      </a:lvl4pPr>
+                      <a:lvl5pPr marL="1828800" algn="l" defTabSz="914400" rtl="0" eaLnBrk="1" latinLnBrk="0" hangingPunct="1">
+                        <a:defRPr sz="1800" b="1" kern="1200">
+                          <a:solidFill>
+                            <a:schemeClr val="lt1"/>
+                          </a:solidFill>
+                          <a:latin typeface="Trebuchet MS" panose="020B0603020202020204"/>
+                        </a:defRPr>
+                      </a:lvl5pPr>
+                      <a:lvl6pPr marL="2286000" algn="l" defTabSz="914400" rtl="0" eaLnBrk="1" latinLnBrk="0" hangingPunct="1">
+                        <a:defRPr sz="1800" b="1" kern="1200">
+                          <a:solidFill>
+                            <a:schemeClr val="lt1"/>
+                          </a:solidFill>
+                          <a:latin typeface="Trebuchet MS" panose="020B0603020202020204"/>
+                        </a:defRPr>
+                      </a:lvl6pPr>
+                      <a:lvl7pPr marL="2743200" algn="l" defTabSz="914400" rtl="0" eaLnBrk="1" latinLnBrk="0" hangingPunct="1">
+                        <a:defRPr sz="1800" b="1" kern="1200">
+                          <a:solidFill>
+                            <a:schemeClr val="lt1"/>
+                          </a:solidFill>
+                          <a:latin typeface="Trebuchet MS" panose="020B0603020202020204"/>
+                        </a:defRPr>
+                      </a:lvl7pPr>
+                      <a:lvl8pPr marL="3200400" algn="l" defTabSz="914400" rtl="0" eaLnBrk="1" latinLnBrk="0" hangingPunct="1">
+                        <a:defRPr sz="1800" b="1" kern="1200">
+                          <a:solidFill>
+                            <a:schemeClr val="lt1"/>
+                          </a:solidFill>
+                          <a:latin typeface="Trebuchet MS" panose="020B0603020202020204"/>
+                        </a:defRPr>
+                      </a:lvl8pPr>
+                      <a:lvl9pPr marL="3657600" algn="l" defTabSz="914400" rtl="0" eaLnBrk="1" latinLnBrk="0" hangingPunct="1">
+                        <a:defRPr sz="1800" b="1" kern="1200">
+                          <a:solidFill>
+                            <a:schemeClr val="lt1"/>
+                          </a:solidFill>
+                          <a:latin typeface="Trebuchet MS" panose="020B0603020202020204"/>
+                        </a:defRPr>
+                      </a:lvl9pPr>
+                    </a:lstStyle>
+                    <a:p>
+                      <a:pPr algn="ctr"/>
+                      <a:r>
+                        <a:rPr lang="en-IN" sz="2000" b="1" dirty="0">
+                          <a:latin typeface="Calibri" panose="020F0502020204030204" pitchFamily="34" charset="0"/>
+                          <a:cs typeface="Calibri" panose="020F0502020204030204" pitchFamily="34" charset="0"/>
+                        </a:rPr>
+                        <a:t>Based on the value of sample mean</a:t>
+                      </a:r>
+                    </a:p>
+                  </a:txBody>
+                  <a:tcPr>
+                    <a:lnL w="12700" cmpd="sng">
+                      <a:solidFill>
+                        <a:sysClr val="window" lastClr="FFFFFF"/>
+                      </a:solidFill>
+                    </a:lnL>
+                    <a:lnR w="12700" cmpd="sng">
+                      <a:solidFill>
+                        <a:sysClr val="window" lastClr="FFFFFF"/>
+                      </a:solidFill>
+                    </a:lnR>
+                    <a:lnT w="12700" cmpd="sng">
+                      <a:solidFill>
+                        <a:sysClr val="window" lastClr="FFFFFF"/>
+                      </a:solidFill>
+                    </a:lnT>
+                    <a:lnB w="38100" cmpd="sng">
+                      <a:solidFill>
+                        <a:sysClr val="window" lastClr="FFFFFF"/>
+                      </a:solidFill>
+                    </a:lnB>
+                    <a:lnTlToBr w="12700" cmpd="sng">
+                      <a:noFill/>
+                      <a:prstDash val="solid"/>
+                    </a:lnTlToBr>
+                    <a:lnBlToTr w="12700" cmpd="sng">
+                      <a:noFill/>
+                      <a:prstDash val="solid"/>
+                    </a:lnBlToTr>
+                    <a:solidFill>
+                      <a:srgbClr val="90C226"/>
+                    </a:solidFill>
+                  </a:tcPr>
+                </a:tc>
+                <a:extLst>
+                  <a:ext uri="{0D108BD9-81ED-4DB2-BD59-A6C34878D82A}">
+                    <a16:rowId xmlns:a16="http://schemas.microsoft.com/office/drawing/2014/main" val="10000"/>
+                  </a:ext>
+                </a:extLst>
+              </a:tr>
+              <a:tr h="1648496">
+                <a:tc>
+                  <a:txBody>
+                    <a:bodyPr/>
+                    <a:lstStyle>
+                      <a:lvl1pPr marL="0" algn="l" defTabSz="914400" rtl="0" eaLnBrk="1" latinLnBrk="0" hangingPunct="1">
+                        <a:defRPr sz="1800" kern="1200">
+                          <a:solidFill>
+                            <a:schemeClr val="dk1"/>
+                          </a:solidFill>
+                          <a:latin typeface="Trebuchet MS" panose="020B0603020202020204"/>
+                        </a:defRPr>
+                      </a:lvl1pPr>
+                      <a:lvl2pPr marL="457200" algn="l" defTabSz="914400" rtl="0" eaLnBrk="1" latinLnBrk="0" hangingPunct="1">
+                        <a:defRPr sz="1800" kern="1200">
+                          <a:solidFill>
+                            <a:schemeClr val="dk1"/>
+                          </a:solidFill>
+                          <a:latin typeface="Trebuchet MS" panose="020B0603020202020204"/>
+                        </a:defRPr>
+                      </a:lvl2pPr>
+                      <a:lvl3pPr marL="914400" algn="l" defTabSz="914400" rtl="0" eaLnBrk="1" latinLnBrk="0" hangingPunct="1">
+                        <a:defRPr sz="1800" kern="1200">
+                          <a:solidFill>
+                            <a:schemeClr val="dk1"/>
+                          </a:solidFill>
+                          <a:latin typeface="Trebuchet MS" panose="020B0603020202020204"/>
+                        </a:defRPr>
+                      </a:lvl3pPr>
+                      <a:lvl4pPr marL="1371600" algn="l" defTabSz="914400" rtl="0" eaLnBrk="1" latinLnBrk="0" hangingPunct="1">
+                        <a:defRPr sz="1800" kern="1200">
+                          <a:solidFill>
+                            <a:schemeClr val="dk1"/>
+                          </a:solidFill>
+                          <a:latin typeface="Trebuchet MS" panose="020B0603020202020204"/>
+                        </a:defRPr>
+                      </a:lvl4pPr>
+                      <a:lvl5pPr marL="1828800" algn="l" defTabSz="914400" rtl="0" eaLnBrk="1" latinLnBrk="0" hangingPunct="1">
+                        <a:defRPr sz="1800" kern="1200">
+                          <a:solidFill>
+                            <a:schemeClr val="dk1"/>
+                          </a:solidFill>
+                          <a:latin typeface="Trebuchet MS" panose="020B0603020202020204"/>
+                        </a:defRPr>
+                      </a:lvl5pPr>
+                      <a:lvl6pPr marL="2286000" algn="l" defTabSz="914400" rtl="0" eaLnBrk="1" latinLnBrk="0" hangingPunct="1">
+                        <a:defRPr sz="1800" kern="1200">
+                          <a:solidFill>
+                            <a:schemeClr val="dk1"/>
+                          </a:solidFill>
+                          <a:latin typeface="Trebuchet MS" panose="020B0603020202020204"/>
+                        </a:defRPr>
+                      </a:lvl6pPr>
+                      <a:lvl7pPr marL="2743200" algn="l" defTabSz="914400" rtl="0" eaLnBrk="1" latinLnBrk="0" hangingPunct="1">
+                        <a:defRPr sz="1800" kern="1200">
+                          <a:solidFill>
+                            <a:schemeClr val="dk1"/>
+                          </a:solidFill>
+                          <a:latin typeface="Trebuchet MS" panose="020B0603020202020204"/>
+                        </a:defRPr>
+                      </a:lvl7pPr>
+                      <a:lvl8pPr marL="3200400" algn="l" defTabSz="914400" rtl="0" eaLnBrk="1" latinLnBrk="0" hangingPunct="1">
+                        <a:defRPr sz="1800" kern="1200">
+                          <a:solidFill>
+                            <a:schemeClr val="dk1"/>
+                          </a:solidFill>
+                          <a:latin typeface="Trebuchet MS" panose="020B0603020202020204"/>
+                        </a:defRPr>
+                      </a:lvl8pPr>
+                      <a:lvl9pPr marL="3657600" algn="l" defTabSz="914400" rtl="0" eaLnBrk="1" latinLnBrk="0" hangingPunct="1">
+                        <a:defRPr sz="1800" kern="1200">
+                          <a:solidFill>
+                            <a:schemeClr val="dk1"/>
+                          </a:solidFill>
+                          <a:latin typeface="Trebuchet MS" panose="020B0603020202020204"/>
+                        </a:defRPr>
+                      </a:lvl9pPr>
+                    </a:lstStyle>
+                    <a:p>
+                      <a:endParaRPr lang="en-IN" dirty="0"/>
+                    </a:p>
+                  </a:txBody>
+                  <a:tcPr>
+                    <a:lnL w="12700" cmpd="sng">
+                      <a:solidFill>
+                        <a:sysClr val="window" lastClr="FFFFFF"/>
+                      </a:solidFill>
+                    </a:lnL>
+                    <a:lnR w="12700" cmpd="sng">
+                      <a:solidFill>
+                        <a:sysClr val="window" lastClr="FFFFFF"/>
+                      </a:solidFill>
+                    </a:lnR>
+                    <a:lnT w="38100" cmpd="sng">
+                      <a:solidFill>
+                        <a:sysClr val="window" lastClr="FFFFFF"/>
+                      </a:solidFill>
+                    </a:lnT>
+                    <a:lnB w="12700" cmpd="sng">
+                      <a:solidFill>
+                        <a:sysClr val="window" lastClr="FFFFFF"/>
+                      </a:solidFill>
+                    </a:lnB>
+                    <a:lnTlToBr w="12700" cmpd="sng">
+                      <a:noFill/>
+                      <a:prstDash val="solid"/>
+                    </a:lnTlToBr>
+                    <a:lnBlToTr w="12700" cmpd="sng">
+                      <a:noFill/>
+                      <a:prstDash val="solid"/>
+                    </a:lnBlToTr>
+                    <a:solidFill>
+                      <a:srgbClr val="90C226">
+                        <a:tint val="40000"/>
+                      </a:srgbClr>
+                    </a:solidFill>
+                  </a:tcPr>
+                </a:tc>
+                <a:extLst>
+                  <a:ext uri="{0D108BD9-81ED-4DB2-BD59-A6C34878D82A}">
+                    <a16:rowId xmlns:a16="http://schemas.microsoft.com/office/drawing/2014/main" val="10001"/>
+                  </a:ext>
+                </a:extLst>
+              </a:tr>
+              <a:tr h="1697039">
+                <a:tc>
+                  <a:txBody>
+                    <a:bodyPr/>
+                    <a:lstStyle>
+                      <a:lvl1pPr marL="0" algn="l" defTabSz="914400" rtl="0" eaLnBrk="1" latinLnBrk="0" hangingPunct="1">
+                        <a:defRPr sz="1800" kern="1200">
+                          <a:solidFill>
+                            <a:schemeClr val="dk1"/>
+                          </a:solidFill>
+                          <a:latin typeface="Trebuchet MS" panose="020B0603020202020204"/>
+                        </a:defRPr>
+                      </a:lvl1pPr>
+                      <a:lvl2pPr marL="457200" algn="l" defTabSz="914400" rtl="0" eaLnBrk="1" latinLnBrk="0" hangingPunct="1">
+                        <a:defRPr sz="1800" kern="1200">
+                          <a:solidFill>
+                            <a:schemeClr val="dk1"/>
+                          </a:solidFill>
+                          <a:latin typeface="Trebuchet MS" panose="020B0603020202020204"/>
+                        </a:defRPr>
+                      </a:lvl2pPr>
+                      <a:lvl3pPr marL="914400" algn="l" defTabSz="914400" rtl="0" eaLnBrk="1" latinLnBrk="0" hangingPunct="1">
+                        <a:defRPr sz="1800" kern="1200">
+                          <a:solidFill>
+                            <a:schemeClr val="dk1"/>
+                          </a:solidFill>
+                          <a:latin typeface="Trebuchet MS" panose="020B0603020202020204"/>
+                        </a:defRPr>
+                      </a:lvl3pPr>
+                      <a:lvl4pPr marL="1371600" algn="l" defTabSz="914400" rtl="0" eaLnBrk="1" latinLnBrk="0" hangingPunct="1">
+                        <a:defRPr sz="1800" kern="1200">
+                          <a:solidFill>
+                            <a:schemeClr val="dk1"/>
+                          </a:solidFill>
+                          <a:latin typeface="Trebuchet MS" panose="020B0603020202020204"/>
+                        </a:defRPr>
+                      </a:lvl4pPr>
+                      <a:lvl5pPr marL="1828800" algn="l" defTabSz="914400" rtl="0" eaLnBrk="1" latinLnBrk="0" hangingPunct="1">
+                        <a:defRPr sz="1800" kern="1200">
+                          <a:solidFill>
+                            <a:schemeClr val="dk1"/>
+                          </a:solidFill>
+                          <a:latin typeface="Trebuchet MS" panose="020B0603020202020204"/>
+                        </a:defRPr>
+                      </a:lvl5pPr>
+                      <a:lvl6pPr marL="2286000" algn="l" defTabSz="914400" rtl="0" eaLnBrk="1" latinLnBrk="0" hangingPunct="1">
+                        <a:defRPr sz="1800" kern="1200">
+                          <a:solidFill>
+                            <a:schemeClr val="dk1"/>
+                          </a:solidFill>
+                          <a:latin typeface="Trebuchet MS" panose="020B0603020202020204"/>
+                        </a:defRPr>
+                      </a:lvl6pPr>
+                      <a:lvl7pPr marL="2743200" algn="l" defTabSz="914400" rtl="0" eaLnBrk="1" latinLnBrk="0" hangingPunct="1">
+                        <a:defRPr sz="1800" kern="1200">
+                          <a:solidFill>
+                            <a:schemeClr val="dk1"/>
+                          </a:solidFill>
+                          <a:latin typeface="Trebuchet MS" panose="020B0603020202020204"/>
+                        </a:defRPr>
+                      </a:lvl7pPr>
+                      <a:lvl8pPr marL="3200400" algn="l" defTabSz="914400" rtl="0" eaLnBrk="1" latinLnBrk="0" hangingPunct="1">
+                        <a:defRPr sz="1800" kern="1200">
+                          <a:solidFill>
+                            <a:schemeClr val="dk1"/>
+                          </a:solidFill>
+                          <a:latin typeface="Trebuchet MS" panose="020B0603020202020204"/>
+                        </a:defRPr>
+                      </a:lvl8pPr>
+                      <a:lvl9pPr marL="3657600" algn="l" defTabSz="914400" rtl="0" eaLnBrk="1" latinLnBrk="0" hangingPunct="1">
+                        <a:defRPr sz="1800" kern="1200">
+                          <a:solidFill>
+                            <a:schemeClr val="dk1"/>
+                          </a:solidFill>
+                          <a:latin typeface="Trebuchet MS" panose="020B0603020202020204"/>
+                        </a:defRPr>
+                      </a:lvl9pPr>
+                    </a:lstStyle>
+                    <a:p>
+                      <a:endParaRPr lang="en-IN" dirty="0"/>
+                    </a:p>
+                  </a:txBody>
+                  <a:tcPr>
+                    <a:lnL w="12700" cmpd="sng">
+                      <a:solidFill>
+                        <a:sysClr val="window" lastClr="FFFFFF"/>
+                      </a:solidFill>
+                    </a:lnL>
+                    <a:lnR w="12700" cmpd="sng">
+                      <a:solidFill>
+                        <a:sysClr val="window" lastClr="FFFFFF"/>
+                      </a:solidFill>
+                    </a:lnR>
+                    <a:lnT w="12700" cmpd="sng">
+                      <a:solidFill>
+                        <a:sysClr val="window" lastClr="FFFFFF"/>
+                      </a:solidFill>
+                    </a:lnT>
+                    <a:lnB w="12700" cmpd="sng">
+                      <a:solidFill>
+                        <a:sysClr val="window" lastClr="FFFFFF"/>
+                      </a:solidFill>
+                    </a:lnB>
+                    <a:lnTlToBr w="12700" cmpd="sng">
+                      <a:noFill/>
+                      <a:prstDash val="solid"/>
+                    </a:lnTlToBr>
+                    <a:lnBlToTr w="12700" cmpd="sng">
+                      <a:noFill/>
+                      <a:prstDash val="solid"/>
+                    </a:lnBlToTr>
+                    <a:solidFill>
+                      <a:srgbClr val="90C226">
+                        <a:tint val="20000"/>
+                      </a:srgbClr>
+                    </a:solidFill>
+                  </a:tcPr>
+                </a:tc>
+                <a:extLst>
+                  <a:ext uri="{0D108BD9-81ED-4DB2-BD59-A6C34878D82A}">
+                    <a16:rowId xmlns:a16="http://schemas.microsoft.com/office/drawing/2014/main" val="10002"/>
+                  </a:ext>
+                </a:extLst>
+              </a:tr>
+            </a:tbl>
+          </a:graphicData>
+        </a:graphic>
+      </p:graphicFrame>
+      <p:graphicFrame>
+        <p:nvGraphicFramePr>
+          <p:cNvPr id="20" name="Table 19">
+            <a:extLst>
+              <a:ext uri="{FF2B5EF4-FFF2-40B4-BE49-F238E27FC236}">
+                <a16:creationId xmlns:a16="http://schemas.microsoft.com/office/drawing/2014/main" id="{8B946D5A-64E9-4818-8702-412E27253E81}"/>
+              </a:ext>
+            </a:extLst>
+          </p:cNvPr>
+          <p:cNvGraphicFramePr>
+            <a:graphicFrameLocks noGrp="1"/>
+          </p:cNvGraphicFramePr>
+          <p:nvPr>
+            <p:extLst>
+              <p:ext uri="{D42A27DB-BD31-4B8C-83A1-F6EECF244321}">
+                <p14:modId xmlns:p14="http://schemas.microsoft.com/office/powerpoint/2010/main" val="965330548"/>
+              </p:ext>
+            </p:extLst>
+          </p:nvPr>
+        </p:nvGraphicFramePr>
+        <p:xfrm>
+          <a:off x="2318197" y="2548466"/>
+          <a:ext cx="2321059" cy="1671842"/>
+        </p:xfrm>
+        <a:graphic>
+          <a:graphicData uri="http://schemas.openxmlformats.org/drawingml/2006/table">
+            <a:tbl>
+              <a:tblPr firstRow="1" bandRow="1"/>
+              <a:tblGrid>
+                <a:gridCol w="2321059">
+                  <a:extLst>
+                    <a:ext uri="{9D8B030D-6E8A-4147-A177-3AD203B41FA5}">
+                      <a16:colId xmlns:a16="http://schemas.microsoft.com/office/drawing/2014/main" val="20000"/>
+                    </a:ext>
+                  </a:extLst>
+                </a:gridCol>
+              </a:tblGrid>
+              <a:tr h="1671842">
+                <a:tc>
+                  <a:txBody>
+                    <a:bodyPr/>
+                    <a:lstStyle>
+                      <a:lvl1pPr marL="0" algn="l" defTabSz="914400" rtl="0" eaLnBrk="1" latinLnBrk="0" hangingPunct="1">
+                        <a:defRPr sz="1800" b="1" kern="1200">
+                          <a:solidFill>
+                            <a:schemeClr val="lt1"/>
+                          </a:solidFill>
+                          <a:latin typeface="Trebuchet MS" panose="020B0603020202020204"/>
+                        </a:defRPr>
+                      </a:lvl1pPr>
+                      <a:lvl2pPr marL="457200" algn="l" defTabSz="914400" rtl="0" eaLnBrk="1" latinLnBrk="0" hangingPunct="1">
+                        <a:defRPr sz="1800" b="1" kern="1200">
+                          <a:solidFill>
+                            <a:schemeClr val="lt1"/>
+                          </a:solidFill>
+                          <a:latin typeface="Trebuchet MS" panose="020B0603020202020204"/>
+                        </a:defRPr>
+                      </a:lvl2pPr>
+                      <a:lvl3pPr marL="914400" algn="l" defTabSz="914400" rtl="0" eaLnBrk="1" latinLnBrk="0" hangingPunct="1">
+                        <a:defRPr sz="1800" b="1" kern="1200">
+                          <a:solidFill>
+                            <a:schemeClr val="lt1"/>
+                          </a:solidFill>
+                          <a:latin typeface="Trebuchet MS" panose="020B0603020202020204"/>
+                        </a:defRPr>
+                      </a:lvl3pPr>
+                      <a:lvl4pPr marL="1371600" algn="l" defTabSz="914400" rtl="0" eaLnBrk="1" latinLnBrk="0" hangingPunct="1">
+                        <a:defRPr sz="1800" b="1" kern="1200">
+                          <a:solidFill>
+                            <a:schemeClr val="lt1"/>
+                          </a:solidFill>
+                          <a:latin typeface="Trebuchet MS" panose="020B0603020202020204"/>
+                        </a:defRPr>
+                      </a:lvl4pPr>
+                      <a:lvl5pPr marL="1828800" algn="l" defTabSz="914400" rtl="0" eaLnBrk="1" latinLnBrk="0" hangingPunct="1">
+                        <a:defRPr sz="1800" b="1" kern="1200">
+                          <a:solidFill>
+                            <a:schemeClr val="lt1"/>
+                          </a:solidFill>
+                          <a:latin typeface="Trebuchet MS" panose="020B0603020202020204"/>
+                        </a:defRPr>
+                      </a:lvl5pPr>
+                      <a:lvl6pPr marL="2286000" algn="l" defTabSz="914400" rtl="0" eaLnBrk="1" latinLnBrk="0" hangingPunct="1">
+                        <a:defRPr sz="1800" b="1" kern="1200">
+                          <a:solidFill>
+                            <a:schemeClr val="lt1"/>
+                          </a:solidFill>
+                          <a:latin typeface="Trebuchet MS" panose="020B0603020202020204"/>
+                        </a:defRPr>
+                      </a:lvl6pPr>
+                      <a:lvl7pPr marL="2743200" algn="l" defTabSz="914400" rtl="0" eaLnBrk="1" latinLnBrk="0" hangingPunct="1">
+                        <a:defRPr sz="1800" b="1" kern="1200">
+                          <a:solidFill>
+                            <a:schemeClr val="lt1"/>
+                          </a:solidFill>
+                          <a:latin typeface="Trebuchet MS" panose="020B0603020202020204"/>
+                        </a:defRPr>
+                      </a:lvl7pPr>
+                      <a:lvl8pPr marL="3200400" algn="l" defTabSz="914400" rtl="0" eaLnBrk="1" latinLnBrk="0" hangingPunct="1">
+                        <a:defRPr sz="1800" b="1" kern="1200">
+                          <a:solidFill>
+                            <a:schemeClr val="lt1"/>
+                          </a:solidFill>
+                          <a:latin typeface="Trebuchet MS" panose="020B0603020202020204"/>
+                        </a:defRPr>
+                      </a:lvl8pPr>
+                      <a:lvl9pPr marL="3657600" algn="l" defTabSz="914400" rtl="0" eaLnBrk="1" latinLnBrk="0" hangingPunct="1">
+                        <a:defRPr sz="1800" b="1" kern="1200">
+                          <a:solidFill>
+                            <a:schemeClr val="lt1"/>
+                          </a:solidFill>
+                          <a:latin typeface="Trebuchet MS" panose="020B0603020202020204"/>
+                        </a:defRPr>
+                      </a:lvl9pPr>
+                    </a:lstStyle>
+                    <a:p>
+                      <a:pPr marL="0" marR="0" lvl="0" indent="0" algn="l" defTabSz="457200" rtl="0" eaLnBrk="1" fontAlgn="auto" latinLnBrk="0" hangingPunct="1">
+                        <a:lnSpc>
+                          <a:spcPct val="100000"/>
+                        </a:lnSpc>
+                        <a:spcBef>
+                          <a:spcPts val="0"/>
+                        </a:spcBef>
+                        <a:spcAft>
+                          <a:spcPts val="0"/>
+                        </a:spcAft>
+                        <a:buClrTx/>
+                        <a:buSzTx/>
+                        <a:buFontTx/>
+                        <a:buNone/>
+                        <a:tabLst/>
+                        <a:defRPr/>
+                      </a:pPr>
+                      <a:r>
+                        <a:rPr kumimoji="0" lang="en-IN" sz="2800" b="0" i="0" u="none" strike="noStrike" kern="1200" cap="none" spc="0" normalizeH="0" baseline="0" noProof="0" dirty="0">
+                          <a:ln>
+                            <a:noFill/>
+                          </a:ln>
+                          <a:solidFill>
+                            <a:srgbClr val="0070C0"/>
+                          </a:solidFill>
+                          <a:effectLst/>
+                          <a:uLnTx/>
+                          <a:uFillTx/>
+                          <a:latin typeface="+mn-lt"/>
+                          <a:ea typeface="+mn-ea"/>
+                          <a:cs typeface="+mn-cs"/>
+                        </a:rPr>
+                        <a:t>Conclude that </a:t>
+                      </a:r>
+                    </a:p>
+                    <a:p>
+                      <a:pPr marL="0" marR="0" lvl="0" indent="0" algn="l" defTabSz="457200" rtl="0" eaLnBrk="1" fontAlgn="auto" latinLnBrk="0" hangingPunct="1">
+                        <a:lnSpc>
+                          <a:spcPct val="100000"/>
+                        </a:lnSpc>
+                        <a:spcBef>
+                          <a:spcPts val="0"/>
+                        </a:spcBef>
+                        <a:spcAft>
+                          <a:spcPts val="0"/>
+                        </a:spcAft>
+                        <a:buClrTx/>
+                        <a:buSzTx/>
+                        <a:buFontTx/>
+                        <a:buNone/>
+                        <a:tabLst/>
+                        <a:defRPr/>
+                      </a:pPr>
+                      <a:r>
+                        <a:rPr kumimoji="0" lang="el-GR" sz="2800" b="0" i="0" u="none" strike="noStrike" kern="1200" cap="none" spc="0" normalizeH="0" baseline="0" noProof="0" dirty="0">
+                          <a:ln>
+                            <a:noFill/>
+                          </a:ln>
+                          <a:solidFill>
+                            <a:srgbClr val="0070C0"/>
+                          </a:solidFill>
+                          <a:effectLst/>
+                          <a:uLnTx/>
+                          <a:uFillTx/>
+                          <a:latin typeface="Calibri" panose="020F0502020204030204" pitchFamily="34" charset="0"/>
+                          <a:ea typeface="+mn-ea"/>
+                          <a:cs typeface="Calibri" panose="020F0502020204030204" pitchFamily="34" charset="0"/>
+                        </a:rPr>
+                        <a:t>μ</a:t>
+                      </a:r>
+                      <a:r>
+                        <a:rPr kumimoji="0" lang="en-IN" sz="2800" b="0" i="0" u="none" strike="noStrike" kern="1200" cap="none" spc="0" normalizeH="0" baseline="0" noProof="0" dirty="0">
+                          <a:ln>
+                            <a:noFill/>
+                          </a:ln>
+                          <a:solidFill>
+                            <a:srgbClr val="0070C0"/>
+                          </a:solidFill>
+                          <a:effectLst/>
+                          <a:uLnTx/>
+                          <a:uFillTx/>
+                          <a:latin typeface="Calibri" panose="020F0502020204030204" pitchFamily="34" charset="0"/>
+                          <a:ea typeface="+mn-ea"/>
+                          <a:cs typeface="Calibri" panose="020F0502020204030204" pitchFamily="34" charset="0"/>
+                        </a:rPr>
+                        <a:t> = 1003.88</a:t>
+                      </a:r>
+                      <a:endParaRPr kumimoji="0" lang="en-IN" sz="2800" b="0" i="0" u="none" strike="noStrike" kern="1200" cap="none" spc="0" normalizeH="0" baseline="0" noProof="0" dirty="0">
+                        <a:ln>
+                          <a:noFill/>
+                        </a:ln>
+                        <a:solidFill>
+                          <a:srgbClr val="0070C0"/>
+                        </a:solidFill>
+                        <a:effectLst/>
+                        <a:uLnTx/>
+                        <a:uFillTx/>
+                        <a:latin typeface="+mn-lt"/>
+                        <a:ea typeface="+mn-ea"/>
+                        <a:cs typeface="+mn-cs"/>
+                      </a:endParaRPr>
+                    </a:p>
+                    <a:p>
+                      <a:endParaRPr lang="en-IN" dirty="0"/>
+                    </a:p>
+                  </a:txBody>
+                  <a:tcPr>
+                    <a:lnL w="12700" cmpd="sng">
+                      <a:solidFill>
+                        <a:sysClr val="window" lastClr="FFFFFF"/>
+                      </a:solidFill>
+                    </a:lnL>
+                    <a:lnR w="12700" cmpd="sng">
+                      <a:solidFill>
+                        <a:sysClr val="window" lastClr="FFFFFF"/>
+                      </a:solidFill>
+                    </a:lnR>
+                    <a:lnT w="12700" cmpd="sng">
+                      <a:solidFill>
+                        <a:sysClr val="window" lastClr="FFFFFF"/>
+                      </a:solidFill>
+                    </a:lnT>
+                    <a:lnB w="38100" cmpd="sng">
+                      <a:solidFill>
+                        <a:sysClr val="window" lastClr="FFFFFF"/>
+                      </a:solidFill>
+                    </a:lnB>
+                    <a:lnTlToBr w="12700" cmpd="sng">
+                      <a:noFill/>
+                      <a:prstDash val="solid"/>
+                    </a:lnTlToBr>
+                    <a:lnBlToTr w="12700" cmpd="sng">
+                      <a:noFill/>
+                      <a:prstDash val="solid"/>
+                    </a:lnBlToTr>
+                    <a:solidFill>
+                      <a:srgbClr val="2C3C43">
+                        <a:lumMod val="20000"/>
+                        <a:lumOff val="80000"/>
+                      </a:srgbClr>
+                    </a:solidFill>
+                  </a:tcPr>
+                </a:tc>
+                <a:extLst>
+                  <a:ext uri="{0D108BD9-81ED-4DB2-BD59-A6C34878D82A}">
+                    <a16:rowId xmlns:a16="http://schemas.microsoft.com/office/drawing/2014/main" val="10000"/>
+                  </a:ext>
+                </a:extLst>
+              </a:tr>
+            </a:tbl>
+          </a:graphicData>
+        </a:graphic>
+      </p:graphicFrame>
+      <p:graphicFrame>
+        <p:nvGraphicFramePr>
+          <p:cNvPr id="21" name="Table 20">
+            <a:extLst>
+              <a:ext uri="{FF2B5EF4-FFF2-40B4-BE49-F238E27FC236}">
+                <a16:creationId xmlns:a16="http://schemas.microsoft.com/office/drawing/2014/main" id="{FC17F354-3601-4A46-AEC3-ABCB3AC3663B}"/>
+              </a:ext>
+            </a:extLst>
+          </p:cNvPr>
+          <p:cNvGraphicFramePr>
+            <a:graphicFrameLocks noGrp="1"/>
+          </p:cNvGraphicFramePr>
+          <p:nvPr>
+            <p:extLst>
+              <p:ext uri="{D42A27DB-BD31-4B8C-83A1-F6EECF244321}">
+                <p14:modId xmlns:p14="http://schemas.microsoft.com/office/powerpoint/2010/main" val="2880702515"/>
+              </p:ext>
+            </p:extLst>
+          </p:nvPr>
+        </p:nvGraphicFramePr>
+        <p:xfrm>
+          <a:off x="2318197" y="4234244"/>
+          <a:ext cx="2338298" cy="1716389"/>
+        </p:xfrm>
+        <a:graphic>
+          <a:graphicData uri="http://schemas.openxmlformats.org/drawingml/2006/table">
+            <a:tbl>
+              <a:tblPr firstRow="1" bandRow="1"/>
+              <a:tblGrid>
+                <a:gridCol w="2338298">
+                  <a:extLst>
+                    <a:ext uri="{9D8B030D-6E8A-4147-A177-3AD203B41FA5}">
+                      <a16:colId xmlns:a16="http://schemas.microsoft.com/office/drawing/2014/main" val="20000"/>
+                    </a:ext>
+                  </a:extLst>
+                </a:gridCol>
+              </a:tblGrid>
+              <a:tr h="1716389">
+                <a:tc>
+                  <a:txBody>
+                    <a:bodyPr/>
+                    <a:lstStyle>
+                      <a:lvl1pPr marL="0" algn="l" defTabSz="914400" rtl="0" eaLnBrk="1" latinLnBrk="0" hangingPunct="1">
+                        <a:defRPr sz="1800" b="1" kern="1200">
+                          <a:solidFill>
+                            <a:schemeClr val="lt1"/>
+                          </a:solidFill>
+                          <a:latin typeface="Trebuchet MS" panose="020B0603020202020204"/>
+                        </a:defRPr>
+                      </a:lvl1pPr>
+                      <a:lvl2pPr marL="457200" algn="l" defTabSz="914400" rtl="0" eaLnBrk="1" latinLnBrk="0" hangingPunct="1">
+                        <a:defRPr sz="1800" b="1" kern="1200">
+                          <a:solidFill>
+                            <a:schemeClr val="lt1"/>
+                          </a:solidFill>
+                          <a:latin typeface="Trebuchet MS" panose="020B0603020202020204"/>
+                        </a:defRPr>
+                      </a:lvl2pPr>
+                      <a:lvl3pPr marL="914400" algn="l" defTabSz="914400" rtl="0" eaLnBrk="1" latinLnBrk="0" hangingPunct="1">
+                        <a:defRPr sz="1800" b="1" kern="1200">
+                          <a:solidFill>
+                            <a:schemeClr val="lt1"/>
+                          </a:solidFill>
+                          <a:latin typeface="Trebuchet MS" panose="020B0603020202020204"/>
+                        </a:defRPr>
+                      </a:lvl3pPr>
+                      <a:lvl4pPr marL="1371600" algn="l" defTabSz="914400" rtl="0" eaLnBrk="1" latinLnBrk="0" hangingPunct="1">
+                        <a:defRPr sz="1800" b="1" kern="1200">
+                          <a:solidFill>
+                            <a:schemeClr val="lt1"/>
+                          </a:solidFill>
+                          <a:latin typeface="Trebuchet MS" panose="020B0603020202020204"/>
+                        </a:defRPr>
+                      </a:lvl4pPr>
+                      <a:lvl5pPr marL="1828800" algn="l" defTabSz="914400" rtl="0" eaLnBrk="1" latinLnBrk="0" hangingPunct="1">
+                        <a:defRPr sz="1800" b="1" kern="1200">
+                          <a:solidFill>
+                            <a:schemeClr val="lt1"/>
+                          </a:solidFill>
+                          <a:latin typeface="Trebuchet MS" panose="020B0603020202020204"/>
+                        </a:defRPr>
+                      </a:lvl5pPr>
+                      <a:lvl6pPr marL="2286000" algn="l" defTabSz="914400" rtl="0" eaLnBrk="1" latinLnBrk="0" hangingPunct="1">
+                        <a:defRPr sz="1800" b="1" kern="1200">
+                          <a:solidFill>
+                            <a:schemeClr val="lt1"/>
+                          </a:solidFill>
+                          <a:latin typeface="Trebuchet MS" panose="020B0603020202020204"/>
+                        </a:defRPr>
+                      </a:lvl6pPr>
+                      <a:lvl7pPr marL="2743200" algn="l" defTabSz="914400" rtl="0" eaLnBrk="1" latinLnBrk="0" hangingPunct="1">
+                        <a:defRPr sz="1800" b="1" kern="1200">
+                          <a:solidFill>
+                            <a:schemeClr val="lt1"/>
+                          </a:solidFill>
+                          <a:latin typeface="Trebuchet MS" panose="020B0603020202020204"/>
+                        </a:defRPr>
+                      </a:lvl7pPr>
+                      <a:lvl8pPr marL="3200400" algn="l" defTabSz="914400" rtl="0" eaLnBrk="1" latinLnBrk="0" hangingPunct="1">
+                        <a:defRPr sz="1800" b="1" kern="1200">
+                          <a:solidFill>
+                            <a:schemeClr val="lt1"/>
+                          </a:solidFill>
+                          <a:latin typeface="Trebuchet MS" panose="020B0603020202020204"/>
+                        </a:defRPr>
+                      </a:lvl8pPr>
+                      <a:lvl9pPr marL="3657600" algn="l" defTabSz="914400" rtl="0" eaLnBrk="1" latinLnBrk="0" hangingPunct="1">
+                        <a:defRPr sz="1800" b="1" kern="1200">
+                          <a:solidFill>
+                            <a:schemeClr val="lt1"/>
+                          </a:solidFill>
+                          <a:latin typeface="Trebuchet MS" panose="020B0603020202020204"/>
+                        </a:defRPr>
+                      </a:lvl9pPr>
+                    </a:lstStyle>
+                    <a:p>
+                      <a:pPr marL="0" marR="0" indent="0" algn="l" defTabSz="457200" rtl="0" eaLnBrk="1" fontAlgn="auto" latinLnBrk="0" hangingPunct="1">
+                        <a:lnSpc>
+                          <a:spcPct val="100000"/>
+                        </a:lnSpc>
+                        <a:spcBef>
+                          <a:spcPts val="0"/>
+                        </a:spcBef>
+                        <a:spcAft>
+                          <a:spcPts val="0"/>
+                        </a:spcAft>
+                        <a:buClrTx/>
+                        <a:buSzTx/>
+                        <a:buFontTx/>
+                        <a:buNone/>
+                        <a:tabLst/>
+                        <a:defRPr/>
+                      </a:pPr>
+                      <a:r>
+                        <a:rPr lang="en-IN" sz="2800" dirty="0">
+                          <a:solidFill>
+                            <a:srgbClr val="FF0000"/>
+                          </a:solidFill>
+                        </a:rPr>
+                        <a:t>Conclude</a:t>
+                      </a:r>
+                      <a:r>
+                        <a:rPr lang="en-IN" sz="2800" baseline="0" dirty="0">
+                          <a:solidFill>
+                            <a:srgbClr val="FF0000"/>
+                          </a:solidFill>
+                        </a:rPr>
+                        <a:t> that </a:t>
+                      </a:r>
+                    </a:p>
+                    <a:p>
+                      <a:pPr marL="0" marR="0" indent="0" algn="l" defTabSz="457200" rtl="0" eaLnBrk="1" fontAlgn="auto" latinLnBrk="0" hangingPunct="1">
+                        <a:lnSpc>
+                          <a:spcPct val="100000"/>
+                        </a:lnSpc>
+                        <a:spcBef>
+                          <a:spcPts val="0"/>
+                        </a:spcBef>
+                        <a:spcAft>
+                          <a:spcPts val="0"/>
+                        </a:spcAft>
+                        <a:buClrTx/>
+                        <a:buSzTx/>
+                        <a:buFontTx/>
+                        <a:buNone/>
+                        <a:tabLst/>
+                        <a:defRPr/>
+                      </a:pPr>
+                      <a:r>
+                        <a:rPr lang="el-GR" sz="2800" dirty="0">
+                          <a:solidFill>
+                            <a:srgbClr val="FF0000"/>
+                          </a:solidFill>
+                          <a:latin typeface="Calibri" panose="020F0502020204030204" pitchFamily="34" charset="0"/>
+                          <a:cs typeface="Calibri" panose="020F0502020204030204" pitchFamily="34" charset="0"/>
+                        </a:rPr>
+                        <a:t>μ</a:t>
+                      </a:r>
+                      <a:r>
+                        <a:rPr lang="en-IN" sz="2800" dirty="0">
+                          <a:solidFill>
+                            <a:srgbClr val="FF0000"/>
+                          </a:solidFill>
+                          <a:latin typeface="Calibri" panose="020F0502020204030204" pitchFamily="34" charset="0"/>
+                          <a:cs typeface="Calibri" panose="020F0502020204030204" pitchFamily="34" charset="0"/>
+                        </a:rPr>
+                        <a:t> ≠1003.88</a:t>
+                      </a:r>
+                      <a:endParaRPr lang="en-IN" sz="2800" dirty="0">
+                        <a:solidFill>
+                          <a:srgbClr val="FF0000"/>
+                        </a:solidFill>
+                      </a:endParaRPr>
+                    </a:p>
+                    <a:p>
+                      <a:endParaRPr lang="en-IN" dirty="0"/>
+                    </a:p>
+                  </a:txBody>
+                  <a:tcPr>
+                    <a:lnL w="12700" cmpd="sng">
+                      <a:solidFill>
+                        <a:sysClr val="window" lastClr="FFFFFF"/>
+                      </a:solidFill>
+                    </a:lnL>
+                    <a:lnR w="12700" cmpd="sng">
+                      <a:solidFill>
+                        <a:sysClr val="window" lastClr="FFFFFF"/>
+                      </a:solidFill>
+                    </a:lnR>
+                    <a:lnT w="12700" cmpd="sng">
+                      <a:solidFill>
+                        <a:sysClr val="window" lastClr="FFFFFF"/>
+                      </a:solidFill>
+                    </a:lnT>
+                    <a:lnB w="38100" cmpd="sng">
+                      <a:solidFill>
+                        <a:sysClr val="window" lastClr="FFFFFF"/>
+                      </a:solidFill>
+                    </a:lnB>
+                    <a:lnTlToBr w="12700" cmpd="sng">
+                      <a:noFill/>
+                      <a:prstDash val="solid"/>
+                    </a:lnTlToBr>
+                    <a:lnBlToTr w="12700" cmpd="sng">
+                      <a:noFill/>
+                      <a:prstDash val="solid"/>
+                    </a:lnBlToTr>
+                    <a:solidFill>
+                      <a:srgbClr val="2C3C43">
+                        <a:lumMod val="20000"/>
+                        <a:lumOff val="80000"/>
+                      </a:srgbClr>
+                    </a:solidFill>
+                  </a:tcPr>
+                </a:tc>
+                <a:extLst>
+                  <a:ext uri="{0D108BD9-81ED-4DB2-BD59-A6C34878D82A}">
+                    <a16:rowId xmlns:a16="http://schemas.microsoft.com/office/drawing/2014/main" val="10000"/>
+                  </a:ext>
+                </a:extLst>
+              </a:tr>
+            </a:tbl>
+          </a:graphicData>
+        </a:graphic>
+      </p:graphicFrame>
+      <p:graphicFrame>
+        <p:nvGraphicFramePr>
+          <p:cNvPr id="23" name="Table 22">
+            <a:extLst>
+              <a:ext uri="{FF2B5EF4-FFF2-40B4-BE49-F238E27FC236}">
+                <a16:creationId xmlns:a16="http://schemas.microsoft.com/office/drawing/2014/main" id="{035F21A0-DB9E-4283-A520-B38E3577C2C9}"/>
+              </a:ext>
+            </a:extLst>
+          </p:cNvPr>
+          <p:cNvGraphicFramePr>
+            <a:graphicFrameLocks noGrp="1"/>
+          </p:cNvGraphicFramePr>
+          <p:nvPr>
+            <p:extLst>
+              <p:ext uri="{D42A27DB-BD31-4B8C-83A1-F6EECF244321}">
+                <p14:modId xmlns:p14="http://schemas.microsoft.com/office/powerpoint/2010/main" val="1008869301"/>
+              </p:ext>
+            </p:extLst>
+          </p:nvPr>
+        </p:nvGraphicFramePr>
+        <p:xfrm>
+          <a:off x="4716499" y="4257690"/>
+          <a:ext cx="2282359" cy="1716389"/>
+        </p:xfrm>
+        <a:graphic>
+          <a:graphicData uri="http://schemas.openxmlformats.org/drawingml/2006/table">
+            <a:tbl>
+              <a:tblPr firstRow="1" bandRow="1"/>
+              <a:tblGrid>
+                <a:gridCol w="2282359">
+                  <a:extLst>
+                    <a:ext uri="{9D8B030D-6E8A-4147-A177-3AD203B41FA5}">
+                      <a16:colId xmlns:a16="http://schemas.microsoft.com/office/drawing/2014/main" val="20000"/>
+                    </a:ext>
+                  </a:extLst>
+                </a:gridCol>
+              </a:tblGrid>
+              <a:tr h="1716389">
+                <a:tc>
+                  <a:txBody>
+                    <a:bodyPr/>
+                    <a:lstStyle>
+                      <a:lvl1pPr marL="0" algn="l" defTabSz="914400" rtl="0" eaLnBrk="1" latinLnBrk="0" hangingPunct="1">
+                        <a:defRPr sz="1800" b="1" kern="1200">
+                          <a:solidFill>
+                            <a:schemeClr val="lt1"/>
+                          </a:solidFill>
+                          <a:latin typeface="Trebuchet MS" panose="020B0603020202020204"/>
+                        </a:defRPr>
+                      </a:lvl1pPr>
+                      <a:lvl2pPr marL="457200" algn="l" defTabSz="914400" rtl="0" eaLnBrk="1" latinLnBrk="0" hangingPunct="1">
+                        <a:defRPr sz="1800" b="1" kern="1200">
+                          <a:solidFill>
+                            <a:schemeClr val="lt1"/>
+                          </a:solidFill>
+                          <a:latin typeface="Trebuchet MS" panose="020B0603020202020204"/>
+                        </a:defRPr>
+                      </a:lvl2pPr>
+                      <a:lvl3pPr marL="914400" algn="l" defTabSz="914400" rtl="0" eaLnBrk="1" latinLnBrk="0" hangingPunct="1">
+                        <a:defRPr sz="1800" b="1" kern="1200">
+                          <a:solidFill>
+                            <a:schemeClr val="lt1"/>
+                          </a:solidFill>
+                          <a:latin typeface="Trebuchet MS" panose="020B0603020202020204"/>
+                        </a:defRPr>
+                      </a:lvl3pPr>
+                      <a:lvl4pPr marL="1371600" algn="l" defTabSz="914400" rtl="0" eaLnBrk="1" latinLnBrk="0" hangingPunct="1">
+                        <a:defRPr sz="1800" b="1" kern="1200">
+                          <a:solidFill>
+                            <a:schemeClr val="lt1"/>
+                          </a:solidFill>
+                          <a:latin typeface="Trebuchet MS" panose="020B0603020202020204"/>
+                        </a:defRPr>
+                      </a:lvl4pPr>
+                      <a:lvl5pPr marL="1828800" algn="l" defTabSz="914400" rtl="0" eaLnBrk="1" latinLnBrk="0" hangingPunct="1">
+                        <a:defRPr sz="1800" b="1" kern="1200">
+                          <a:solidFill>
+                            <a:schemeClr val="lt1"/>
+                          </a:solidFill>
+                          <a:latin typeface="Trebuchet MS" panose="020B0603020202020204"/>
+                        </a:defRPr>
+                      </a:lvl5pPr>
+                      <a:lvl6pPr marL="2286000" algn="l" defTabSz="914400" rtl="0" eaLnBrk="1" latinLnBrk="0" hangingPunct="1">
+                        <a:defRPr sz="1800" b="1" kern="1200">
+                          <a:solidFill>
+                            <a:schemeClr val="lt1"/>
+                          </a:solidFill>
+                          <a:latin typeface="Trebuchet MS" panose="020B0603020202020204"/>
+                        </a:defRPr>
+                      </a:lvl6pPr>
+                      <a:lvl7pPr marL="2743200" algn="l" defTabSz="914400" rtl="0" eaLnBrk="1" latinLnBrk="0" hangingPunct="1">
+                        <a:defRPr sz="1800" b="1" kern="1200">
+                          <a:solidFill>
+                            <a:schemeClr val="lt1"/>
+                          </a:solidFill>
+                          <a:latin typeface="Trebuchet MS" panose="020B0603020202020204"/>
+                        </a:defRPr>
+                      </a:lvl7pPr>
+                      <a:lvl8pPr marL="3200400" algn="l" defTabSz="914400" rtl="0" eaLnBrk="1" latinLnBrk="0" hangingPunct="1">
+                        <a:defRPr sz="1800" b="1" kern="1200">
+                          <a:solidFill>
+                            <a:schemeClr val="lt1"/>
+                          </a:solidFill>
+                          <a:latin typeface="Trebuchet MS" panose="020B0603020202020204"/>
+                        </a:defRPr>
+                      </a:lvl8pPr>
+                      <a:lvl9pPr marL="3657600" algn="l" defTabSz="914400" rtl="0" eaLnBrk="1" latinLnBrk="0" hangingPunct="1">
+                        <a:defRPr sz="1800" b="1" kern="1200">
+                          <a:solidFill>
+                            <a:schemeClr val="lt1"/>
+                          </a:solidFill>
+                          <a:latin typeface="Trebuchet MS" panose="020B0603020202020204"/>
+                        </a:defRPr>
+                      </a:lvl9pPr>
+                    </a:lstStyle>
+                    <a:p>
+                      <a:pPr marL="0" marR="0" lvl="0" indent="0" algn="ctr" defTabSz="457200" rtl="0" eaLnBrk="1" fontAlgn="auto" latinLnBrk="0" hangingPunct="1">
+                        <a:lnSpc>
+                          <a:spcPct val="100000"/>
+                        </a:lnSpc>
+                        <a:spcBef>
+                          <a:spcPts val="0"/>
+                        </a:spcBef>
+                        <a:spcAft>
+                          <a:spcPts val="0"/>
+                        </a:spcAft>
+                        <a:buClrTx/>
+                        <a:buSzTx/>
+                        <a:buFontTx/>
+                        <a:buNone/>
+                        <a:tabLst/>
+                        <a:defRPr/>
+                      </a:pPr>
+                      <a:r>
+                        <a:rPr kumimoji="0" lang="en-IN" sz="2800" b="1" i="0" u="none" strike="noStrike" kern="1200" cap="none" spc="0" normalizeH="0" baseline="0" noProof="0" dirty="0">
+                          <a:ln>
+                            <a:noFill/>
+                          </a:ln>
+                          <a:solidFill>
+                            <a:srgbClr val="0070C0"/>
+                          </a:solidFill>
+                          <a:effectLst/>
+                          <a:uLnTx/>
+                          <a:uFillTx/>
+                          <a:latin typeface="+mn-lt"/>
+                          <a:ea typeface="+mn-ea"/>
+                          <a:cs typeface="+mn-cs"/>
+                        </a:rPr>
+                        <a:t>GOOD Decision</a:t>
+                      </a:r>
+                    </a:p>
+                  </a:txBody>
+                  <a:tcPr anchor="ctr">
+                    <a:lnL w="12700" cmpd="sng">
+                      <a:solidFill>
+                        <a:sysClr val="window" lastClr="FFFFFF"/>
+                      </a:solidFill>
+                    </a:lnL>
+                    <a:lnR w="12700" cmpd="sng">
+                      <a:solidFill>
+                        <a:sysClr val="window" lastClr="FFFFFF"/>
+                      </a:solidFill>
+                    </a:lnR>
+                    <a:lnT w="12700" cmpd="sng">
+                      <a:solidFill>
+                        <a:sysClr val="window" lastClr="FFFFFF"/>
+                      </a:solidFill>
+                    </a:lnT>
+                    <a:lnB w="38100" cmpd="sng">
+                      <a:solidFill>
+                        <a:sysClr val="window" lastClr="FFFFFF"/>
+                      </a:solidFill>
+                    </a:lnB>
+                    <a:lnTlToBr w="12700" cmpd="sng">
+                      <a:noFill/>
+                      <a:prstDash val="solid"/>
+                    </a:lnTlToBr>
+                    <a:lnBlToTr w="12700" cmpd="sng">
+                      <a:noFill/>
+                      <a:prstDash val="solid"/>
+                    </a:lnBlToTr>
+                    <a:solidFill>
+                      <a:srgbClr val="E6B91E">
+                        <a:lumMod val="20000"/>
+                        <a:lumOff val="80000"/>
+                      </a:srgbClr>
+                    </a:solidFill>
+                  </a:tcPr>
+                </a:tc>
+                <a:extLst>
+                  <a:ext uri="{0D108BD9-81ED-4DB2-BD59-A6C34878D82A}">
+                    <a16:rowId xmlns:a16="http://schemas.microsoft.com/office/drawing/2014/main" val="10000"/>
+                  </a:ext>
+                </a:extLst>
+              </a:tr>
+            </a:tbl>
+          </a:graphicData>
+        </a:graphic>
+      </p:graphicFrame>
+      <p:graphicFrame>
+        <p:nvGraphicFramePr>
+          <p:cNvPr id="29" name="Table 28">
+            <a:extLst>
+              <a:ext uri="{FF2B5EF4-FFF2-40B4-BE49-F238E27FC236}">
+                <a16:creationId xmlns:a16="http://schemas.microsoft.com/office/drawing/2014/main" id="{C09659FA-703D-4364-8F0A-56A0E466E696}"/>
+              </a:ext>
+            </a:extLst>
+          </p:cNvPr>
+          <p:cNvGraphicFramePr>
+            <a:graphicFrameLocks noGrp="1"/>
+          </p:cNvGraphicFramePr>
+          <p:nvPr>
+            <p:extLst>
+              <p:ext uri="{D42A27DB-BD31-4B8C-83A1-F6EECF244321}">
+                <p14:modId xmlns:p14="http://schemas.microsoft.com/office/powerpoint/2010/main" val="4293265220"/>
+              </p:ext>
+            </p:extLst>
+          </p:nvPr>
+        </p:nvGraphicFramePr>
+        <p:xfrm>
+          <a:off x="4716499" y="2588455"/>
+          <a:ext cx="2271106" cy="1674055"/>
+        </p:xfrm>
+        <a:graphic>
+          <a:graphicData uri="http://schemas.openxmlformats.org/drawingml/2006/table">
+            <a:tbl>
+              <a:tblPr firstRow="1" bandRow="1"/>
+              <a:tblGrid>
+                <a:gridCol w="2271106">
+                  <a:extLst>
+                    <a:ext uri="{9D8B030D-6E8A-4147-A177-3AD203B41FA5}">
+                      <a16:colId xmlns:a16="http://schemas.microsoft.com/office/drawing/2014/main" val="20000"/>
+                    </a:ext>
+                  </a:extLst>
+                </a:gridCol>
+              </a:tblGrid>
+              <a:tr h="1674055">
+                <a:tc>
+                  <a:txBody>
+                    <a:bodyPr/>
+                    <a:lstStyle>
+                      <a:lvl1pPr marL="0" algn="l" defTabSz="914400" rtl="0" eaLnBrk="1" latinLnBrk="0" hangingPunct="1">
+                        <a:defRPr sz="1800" b="1" kern="1200">
+                          <a:solidFill>
+                            <a:schemeClr val="lt1"/>
+                          </a:solidFill>
+                          <a:latin typeface="Trebuchet MS" panose="020B0603020202020204"/>
+                        </a:defRPr>
+                      </a:lvl1pPr>
+                      <a:lvl2pPr marL="457200" algn="l" defTabSz="914400" rtl="0" eaLnBrk="1" latinLnBrk="0" hangingPunct="1">
+                        <a:defRPr sz="1800" b="1" kern="1200">
+                          <a:solidFill>
+                            <a:schemeClr val="lt1"/>
+                          </a:solidFill>
+                          <a:latin typeface="Trebuchet MS" panose="020B0603020202020204"/>
+                        </a:defRPr>
+                      </a:lvl2pPr>
+                      <a:lvl3pPr marL="914400" algn="l" defTabSz="914400" rtl="0" eaLnBrk="1" latinLnBrk="0" hangingPunct="1">
+                        <a:defRPr sz="1800" b="1" kern="1200">
+                          <a:solidFill>
+                            <a:schemeClr val="lt1"/>
+                          </a:solidFill>
+                          <a:latin typeface="Trebuchet MS" panose="020B0603020202020204"/>
+                        </a:defRPr>
+                      </a:lvl3pPr>
+                      <a:lvl4pPr marL="1371600" algn="l" defTabSz="914400" rtl="0" eaLnBrk="1" latinLnBrk="0" hangingPunct="1">
+                        <a:defRPr sz="1800" b="1" kern="1200">
+                          <a:solidFill>
+                            <a:schemeClr val="lt1"/>
+                          </a:solidFill>
+                          <a:latin typeface="Trebuchet MS" panose="020B0603020202020204"/>
+                        </a:defRPr>
+                      </a:lvl4pPr>
+                      <a:lvl5pPr marL="1828800" algn="l" defTabSz="914400" rtl="0" eaLnBrk="1" latinLnBrk="0" hangingPunct="1">
+                        <a:defRPr sz="1800" b="1" kern="1200">
+                          <a:solidFill>
+                            <a:schemeClr val="lt1"/>
+                          </a:solidFill>
+                          <a:latin typeface="Trebuchet MS" panose="020B0603020202020204"/>
+                        </a:defRPr>
+                      </a:lvl5pPr>
+                      <a:lvl6pPr marL="2286000" algn="l" defTabSz="914400" rtl="0" eaLnBrk="1" latinLnBrk="0" hangingPunct="1">
+                        <a:defRPr sz="1800" b="1" kern="1200">
+                          <a:solidFill>
+                            <a:schemeClr val="lt1"/>
+                          </a:solidFill>
+                          <a:latin typeface="Trebuchet MS" panose="020B0603020202020204"/>
+                        </a:defRPr>
+                      </a:lvl6pPr>
+                      <a:lvl7pPr marL="2743200" algn="l" defTabSz="914400" rtl="0" eaLnBrk="1" latinLnBrk="0" hangingPunct="1">
+                        <a:defRPr sz="1800" b="1" kern="1200">
+                          <a:solidFill>
+                            <a:schemeClr val="lt1"/>
+                          </a:solidFill>
+                          <a:latin typeface="Trebuchet MS" panose="020B0603020202020204"/>
+                        </a:defRPr>
+                      </a:lvl7pPr>
+                      <a:lvl8pPr marL="3200400" algn="l" defTabSz="914400" rtl="0" eaLnBrk="1" latinLnBrk="0" hangingPunct="1">
+                        <a:defRPr sz="1800" b="1" kern="1200">
+                          <a:solidFill>
+                            <a:schemeClr val="lt1"/>
+                          </a:solidFill>
+                          <a:latin typeface="Trebuchet MS" panose="020B0603020202020204"/>
+                        </a:defRPr>
+                      </a:lvl8pPr>
+                      <a:lvl9pPr marL="3657600" algn="l" defTabSz="914400" rtl="0" eaLnBrk="1" latinLnBrk="0" hangingPunct="1">
+                        <a:defRPr sz="1800" b="1" kern="1200">
+                          <a:solidFill>
+                            <a:schemeClr val="lt1"/>
+                          </a:solidFill>
+                          <a:latin typeface="Trebuchet MS" panose="020B0603020202020204"/>
+                        </a:defRPr>
+                      </a:lvl9pPr>
+                    </a:lstStyle>
+                    <a:p>
+                      <a:pPr marL="0" marR="0" lvl="0" indent="0" algn="ctr" defTabSz="457200" rtl="0" eaLnBrk="1" fontAlgn="auto" latinLnBrk="0" hangingPunct="1">
+                        <a:lnSpc>
+                          <a:spcPct val="100000"/>
+                        </a:lnSpc>
+                        <a:spcBef>
+                          <a:spcPts val="0"/>
+                        </a:spcBef>
+                        <a:spcAft>
+                          <a:spcPts val="0"/>
+                        </a:spcAft>
+                        <a:buClrTx/>
+                        <a:buSzTx/>
+                        <a:buFontTx/>
+                        <a:buNone/>
+                        <a:tabLst/>
+                        <a:defRPr/>
+                      </a:pPr>
+                      <a:r>
+                        <a:rPr kumimoji="0" lang="en-IN" sz="2800" b="0" i="0" u="none" strike="noStrike" kern="1200" cap="none" spc="0" normalizeH="0" baseline="0" noProof="0" dirty="0">
+                          <a:ln>
+                            <a:noFill/>
+                          </a:ln>
+                          <a:solidFill>
+                            <a:srgbClr val="FF0000"/>
+                          </a:solidFill>
+                          <a:effectLst/>
+                          <a:uLnTx/>
+                          <a:uFillTx/>
+                          <a:latin typeface="+mn-lt"/>
+                          <a:ea typeface="+mn-ea"/>
+                          <a:cs typeface="+mn-cs"/>
+                        </a:rPr>
+                        <a:t>BAD Decision</a:t>
+                      </a:r>
+                    </a:p>
+                    <a:p>
+                      <a:pPr marL="0" marR="0" lvl="0" indent="0" algn="ctr" defTabSz="457200" rtl="0" eaLnBrk="1" fontAlgn="auto" latinLnBrk="0" hangingPunct="1">
+                        <a:lnSpc>
+                          <a:spcPct val="100000"/>
+                        </a:lnSpc>
+                        <a:spcBef>
+                          <a:spcPts val="0"/>
+                        </a:spcBef>
+                        <a:spcAft>
+                          <a:spcPts val="0"/>
+                        </a:spcAft>
+                        <a:buClrTx/>
+                        <a:buSzTx/>
+                        <a:buFontTx/>
+                        <a:buNone/>
+                        <a:tabLst/>
+                        <a:defRPr/>
+                      </a:pPr>
+                      <a:r>
+                        <a:rPr kumimoji="0" lang="en-IN" sz="2800" b="0" i="0" u="none" strike="noStrike" kern="1200" cap="none" spc="0" normalizeH="0" baseline="0" noProof="0" dirty="0">
+                          <a:ln>
+                            <a:noFill/>
+                          </a:ln>
+                          <a:solidFill>
+                            <a:srgbClr val="FF0000"/>
+                          </a:solidFill>
+                          <a:effectLst/>
+                          <a:uLnTx/>
+                          <a:uFillTx/>
+                          <a:latin typeface="+mn-lt"/>
+                          <a:ea typeface="+mn-ea"/>
+                          <a:cs typeface="+mn-cs"/>
+                        </a:rPr>
+                        <a:t>Type II Error</a:t>
+                      </a:r>
+                    </a:p>
+                    <a:p>
+                      <a:pPr marL="0" marR="0" lvl="0" indent="0" algn="ctr" defTabSz="457200" rtl="0" eaLnBrk="1" fontAlgn="auto" latinLnBrk="0" hangingPunct="1">
+                        <a:lnSpc>
+                          <a:spcPct val="100000"/>
+                        </a:lnSpc>
+                        <a:spcBef>
+                          <a:spcPts val="0"/>
+                        </a:spcBef>
+                        <a:spcAft>
+                          <a:spcPts val="0"/>
+                        </a:spcAft>
+                        <a:buClrTx/>
+                        <a:buSzTx/>
+                        <a:buFontTx/>
+                        <a:buNone/>
+                        <a:tabLst/>
+                        <a:defRPr/>
+                      </a:pPr>
+                      <a:r>
+                        <a:rPr kumimoji="0" lang="en-IN" sz="2800" b="0" i="0" u="none" strike="noStrike" kern="1200" cap="none" spc="0" normalizeH="0" baseline="0" noProof="0" dirty="0" err="1">
+                          <a:ln>
+                            <a:noFill/>
+                          </a:ln>
+                          <a:solidFill>
+                            <a:srgbClr val="FF0000"/>
+                          </a:solidFill>
+                          <a:effectLst/>
+                          <a:uLnTx/>
+                          <a:uFillTx/>
+                          <a:latin typeface="+mn-lt"/>
+                          <a:ea typeface="+mn-ea"/>
+                          <a:cs typeface="+mn-cs"/>
+                        </a:rPr>
+                        <a:t>Prob</a:t>
+                      </a:r>
+                      <a:r>
+                        <a:rPr kumimoji="0" lang="en-IN" sz="2800" b="0" i="0" u="none" strike="noStrike" kern="1200" cap="none" spc="0" normalizeH="0" baseline="0" noProof="0" dirty="0">
+                          <a:ln>
+                            <a:noFill/>
+                          </a:ln>
+                          <a:solidFill>
+                            <a:srgbClr val="FF0000"/>
+                          </a:solidFill>
+                          <a:effectLst/>
+                          <a:uLnTx/>
+                          <a:uFillTx/>
+                          <a:latin typeface="+mn-lt"/>
+                          <a:ea typeface="+mn-ea"/>
+                          <a:cs typeface="+mn-cs"/>
+                        </a:rPr>
+                        <a:t> = </a:t>
+                      </a:r>
+                      <a:r>
+                        <a:rPr kumimoji="0" lang="el-GR" sz="2800" b="0" i="0" u="none" strike="noStrike" kern="1200" cap="none" spc="0" normalizeH="0" baseline="0" noProof="0" dirty="0">
+                          <a:ln>
+                            <a:noFill/>
+                          </a:ln>
+                          <a:solidFill>
+                            <a:srgbClr val="FF0000"/>
+                          </a:solidFill>
+                          <a:effectLst/>
+                          <a:uLnTx/>
+                          <a:uFillTx/>
+                          <a:latin typeface="+mn-lt"/>
+                          <a:ea typeface="+mn-ea"/>
+                          <a:cs typeface="+mn-cs"/>
+                        </a:rPr>
+                        <a:t>β</a:t>
+                      </a:r>
+                      <a:endParaRPr kumimoji="0" lang="en-IN" sz="2800" b="0" i="0" u="none" strike="noStrike" kern="1200" cap="none" spc="0" normalizeH="0" baseline="0" noProof="0" dirty="0">
+                        <a:ln>
+                          <a:noFill/>
+                        </a:ln>
+                        <a:solidFill>
+                          <a:srgbClr val="FF0000"/>
+                        </a:solidFill>
+                        <a:effectLst/>
+                        <a:uLnTx/>
+                        <a:uFillTx/>
+                        <a:latin typeface="+mn-lt"/>
+                        <a:ea typeface="+mn-ea"/>
+                        <a:cs typeface="+mn-cs"/>
+                      </a:endParaRPr>
+                    </a:p>
+                  </a:txBody>
+                  <a:tcPr>
+                    <a:lnL w="12700" cmpd="sng">
+                      <a:solidFill>
+                        <a:sysClr val="window" lastClr="FFFFFF"/>
+                      </a:solidFill>
+                    </a:lnL>
+                    <a:lnR w="12700" cmpd="sng">
+                      <a:solidFill>
+                        <a:sysClr val="window" lastClr="FFFFFF"/>
+                      </a:solidFill>
+                    </a:lnR>
+                    <a:lnT w="12700" cmpd="sng">
+                      <a:solidFill>
+                        <a:sysClr val="window" lastClr="FFFFFF"/>
+                      </a:solidFill>
+                    </a:lnT>
+                    <a:lnB w="38100" cmpd="sng">
+                      <a:solidFill>
+                        <a:sysClr val="window" lastClr="FFFFFF"/>
+                      </a:solidFill>
+                    </a:lnB>
+                    <a:lnTlToBr w="12700" cmpd="sng">
+                      <a:noFill/>
+                      <a:prstDash val="solid"/>
+                    </a:lnTlToBr>
+                    <a:lnBlToTr w="12700" cmpd="sng">
+                      <a:noFill/>
+                      <a:prstDash val="solid"/>
+                    </a:lnBlToTr>
+                    <a:solidFill>
+                      <a:srgbClr val="2C3C43">
+                        <a:lumMod val="20000"/>
+                        <a:lumOff val="80000"/>
+                      </a:srgbClr>
+                    </a:solidFill>
+                  </a:tcPr>
+                </a:tc>
+                <a:extLst>
+                  <a:ext uri="{0D108BD9-81ED-4DB2-BD59-A6C34878D82A}">
+                    <a16:rowId xmlns:a16="http://schemas.microsoft.com/office/drawing/2014/main" val="10000"/>
+                  </a:ext>
+                </a:extLst>
+              </a:tr>
+            </a:tbl>
+          </a:graphicData>
+        </a:graphic>
+      </p:graphicFrame>
+    </p:spTree>
+    <p:extLst>
+      <p:ext uri="{BB962C8B-B14F-4D97-AF65-F5344CB8AC3E}">
+        <p14:creationId xmlns:p14="http://schemas.microsoft.com/office/powerpoint/2010/main" val="3868626637"/>
+      </p:ext>
+    </p:extLst>
+  </p:cSld>
+  <p:clrMapOvr>
+    <a:masterClrMapping/>
+  </p:clrMapOvr>
+  <p:timing>
+    <p:tnLst>
+      <p:par>
+        <p:cTn id="1" dur="indefinite" restart="never" nodeType="tmRoot">
+          <p:childTnLst>
+            <p:seq concurrent="1" nextAc="seek">
+              <p:cTn id="2" dur="indefinite" nodeType="mainSeq">
+                <p:childTnLst>
+                  <p:par>
+                    <p:cTn id="3" fill="hold">
+                      <p:stCondLst>
+                        <p:cond delay="indefinite"/>
+                      </p:stCondLst>
+                      <p:childTnLst>
+                        <p:par>
+                          <p:cTn id="4" fill="hold">
+                            <p:stCondLst>
+                              <p:cond delay="0"/>
+                            </p:stCondLst>
+                            <p:childTnLst>
+                              <p:par>
+                                <p:cTn id="5" presetID="1" presetClass="entr" presetSubtype="0" fill="hold" nodeType="clickEffect">
+                                  <p:stCondLst>
+                                    <p:cond delay="0"/>
+                                  </p:stCondLst>
+                                  <p:childTnLst>
+                                    <p:set>
+                                      <p:cBhvr>
+                                        <p:cTn id="6" dur="1" fill="hold">
+                                          <p:stCondLst>
+                                            <p:cond delay="0"/>
+                                          </p:stCondLst>
+                                        </p:cTn>
+                                        <p:tgtEl>
+                                          <p:spTgt spid="17"/>
+                                        </p:tgtEl>
+                                        <p:attrNameLst>
+                                          <p:attrName>style.visibility</p:attrName>
+                                        </p:attrNameLst>
+                                      </p:cBhvr>
+                                      <p:to>
+                                        <p:strVal val="visible"/>
+                                      </p:to>
+                                    </p:set>
+                                  </p:childTnLst>
+                                </p:cTn>
+                              </p:par>
+                            </p:childTnLst>
+                          </p:cTn>
+                        </p:par>
+                      </p:childTnLst>
+                    </p:cTn>
+                  </p:par>
+                  <p:par>
+                    <p:cTn id="7" fill="hold">
+                      <p:stCondLst>
+                        <p:cond delay="indefinite"/>
+                      </p:stCondLst>
+                      <p:childTnLst>
+                        <p:par>
+                          <p:cTn id="8" fill="hold">
+                            <p:stCondLst>
+                              <p:cond delay="0"/>
+                            </p:stCondLst>
+                            <p:childTnLst>
+                              <p:par>
+                                <p:cTn id="9" presetID="1" presetClass="entr" presetSubtype="0" fill="hold" nodeType="clickEffect">
+                                  <p:stCondLst>
+                                    <p:cond delay="0"/>
+                                  </p:stCondLst>
+                                  <p:childTnLst>
+                                    <p:set>
+                                      <p:cBhvr>
+                                        <p:cTn id="10" dur="1" fill="hold">
+                                          <p:stCondLst>
+                                            <p:cond delay="0"/>
+                                          </p:stCondLst>
+                                        </p:cTn>
+                                        <p:tgtEl>
+                                          <p:spTgt spid="18"/>
+                                        </p:tgtEl>
+                                        <p:attrNameLst>
+                                          <p:attrName>style.visibility</p:attrName>
+                                        </p:attrNameLst>
+                                      </p:cBhvr>
+                                      <p:to>
+                                        <p:strVal val="visible"/>
+                                      </p:to>
+                                    </p:set>
+                                  </p:childTnLst>
+                                </p:cTn>
+                              </p:par>
+                            </p:childTnLst>
+                          </p:cTn>
+                        </p:par>
+                      </p:childTnLst>
+                    </p:cTn>
+                  </p:par>
+                  <p:par>
+                    <p:cTn id="11" fill="hold">
+                      <p:stCondLst>
+                        <p:cond delay="indefinite"/>
+                      </p:stCondLst>
+                      <p:childTnLst>
+                        <p:par>
+                          <p:cTn id="12" fill="hold">
+                            <p:stCondLst>
+                              <p:cond delay="0"/>
+                            </p:stCondLst>
+                            <p:childTnLst>
+                              <p:par>
+                                <p:cTn id="13" presetID="1" presetClass="entr" presetSubtype="0" fill="hold" nodeType="clickEffect">
+                                  <p:stCondLst>
+                                    <p:cond delay="0"/>
+                                  </p:stCondLst>
+                                  <p:childTnLst>
+                                    <p:set>
+                                      <p:cBhvr>
+                                        <p:cTn id="14" dur="1" fill="hold">
+                                          <p:stCondLst>
+                                            <p:cond delay="0"/>
+                                          </p:stCondLst>
+                                        </p:cTn>
+                                        <p:tgtEl>
+                                          <p:spTgt spid="19"/>
+                                        </p:tgtEl>
+                                        <p:attrNameLst>
+                                          <p:attrName>style.visibility</p:attrName>
+                                        </p:attrNameLst>
+                                      </p:cBhvr>
+                                      <p:to>
+                                        <p:strVal val="visible"/>
+                                      </p:to>
+                                    </p:set>
+                                  </p:childTnLst>
+                                </p:cTn>
+                              </p:par>
+                            </p:childTnLst>
+                          </p:cTn>
+                        </p:par>
+                      </p:childTnLst>
+                    </p:cTn>
+                  </p:par>
+                  <p:par>
+                    <p:cTn id="15" fill="hold">
+                      <p:stCondLst>
+                        <p:cond delay="indefinite"/>
+                      </p:stCondLst>
+                      <p:childTnLst>
+                        <p:par>
+                          <p:cTn id="16" fill="hold">
+                            <p:stCondLst>
+                              <p:cond delay="0"/>
+                            </p:stCondLst>
+                            <p:childTnLst>
+                              <p:par>
+                                <p:cTn id="17" presetID="1" presetClass="entr" presetSubtype="0" fill="hold" nodeType="clickEffect">
+                                  <p:stCondLst>
+                                    <p:cond delay="0"/>
+                                  </p:stCondLst>
+                                  <p:childTnLst>
+                                    <p:set>
+                                      <p:cBhvr>
+                                        <p:cTn id="18" dur="1" fill="hold">
+                                          <p:stCondLst>
+                                            <p:cond delay="0"/>
+                                          </p:stCondLst>
+                                        </p:cTn>
+                                        <p:tgtEl>
+                                          <p:spTgt spid="20"/>
+                                        </p:tgtEl>
+                                        <p:attrNameLst>
+                                          <p:attrName>style.visibility</p:attrName>
+                                        </p:attrNameLst>
+                                      </p:cBhvr>
+                                      <p:to>
+                                        <p:strVal val="visible"/>
+                                      </p:to>
+                                    </p:set>
+                                  </p:childTnLst>
+                                </p:cTn>
+                              </p:par>
+                            </p:childTnLst>
+                          </p:cTn>
+                        </p:par>
+                      </p:childTnLst>
+                    </p:cTn>
+                  </p:par>
+                  <p:par>
+                    <p:cTn id="19" fill="hold">
+                      <p:stCondLst>
+                        <p:cond delay="indefinite"/>
+                      </p:stCondLst>
+                      <p:childTnLst>
+                        <p:par>
+                          <p:cTn id="20" fill="hold">
+                            <p:stCondLst>
+                              <p:cond delay="0"/>
+                            </p:stCondLst>
+                            <p:childTnLst>
+                              <p:par>
+                                <p:cTn id="21" presetID="1" presetClass="entr" presetSubtype="0" fill="hold" nodeType="clickEffect">
+                                  <p:stCondLst>
+                                    <p:cond delay="0"/>
+                                  </p:stCondLst>
+                                  <p:childTnLst>
+                                    <p:set>
+                                      <p:cBhvr>
+                                        <p:cTn id="22" dur="1" fill="hold">
+                                          <p:stCondLst>
+                                            <p:cond delay="0"/>
+                                          </p:stCondLst>
+                                        </p:cTn>
+                                        <p:tgtEl>
+                                          <p:spTgt spid="21"/>
+                                        </p:tgtEl>
+                                        <p:attrNameLst>
+                                          <p:attrName>style.visibility</p:attrName>
+                                        </p:attrNameLst>
+                                      </p:cBhvr>
+                                      <p:to>
+                                        <p:strVal val="visible"/>
+                                      </p:to>
+                                    </p:set>
+                                  </p:childTnLst>
+                                </p:cTn>
+                              </p:par>
+                            </p:childTnLst>
+                          </p:cTn>
+                        </p:par>
+                      </p:childTnLst>
+                    </p:cTn>
+                  </p:par>
+                  <p:par>
+                    <p:cTn id="23" fill="hold">
+                      <p:stCondLst>
+                        <p:cond delay="indefinite"/>
+                      </p:stCondLst>
+                      <p:childTnLst>
+                        <p:par>
+                          <p:cTn id="24" fill="hold">
+                            <p:stCondLst>
+                              <p:cond delay="0"/>
+                            </p:stCondLst>
+                            <p:childTnLst>
+                              <p:par>
+                                <p:cTn id="25" presetID="1" presetClass="entr" presetSubtype="0" fill="hold" nodeType="clickEffect">
+                                  <p:stCondLst>
+                                    <p:cond delay="0"/>
+                                  </p:stCondLst>
+                                  <p:childTnLst>
+                                    <p:set>
+                                      <p:cBhvr>
+                                        <p:cTn id="26" dur="1" fill="hold">
+                                          <p:stCondLst>
+                                            <p:cond delay="0"/>
+                                          </p:stCondLst>
+                                        </p:cTn>
+                                        <p:tgtEl>
+                                          <p:spTgt spid="23"/>
+                                        </p:tgtEl>
+                                        <p:attrNameLst>
+                                          <p:attrName>style.visibility</p:attrName>
+                                        </p:attrNameLst>
+                                      </p:cBhvr>
+                                      <p:to>
+                                        <p:strVal val="visible"/>
+                                      </p:to>
+                                    </p:set>
+                                  </p:childTnLst>
+                                </p:cTn>
+                              </p:par>
+                            </p:childTnLst>
+                          </p:cTn>
+                        </p:par>
+                      </p:childTnLst>
+                    </p:cTn>
+                  </p:par>
+                  <p:par>
+                    <p:cTn id="27" fill="hold">
+                      <p:stCondLst>
+                        <p:cond delay="indefinite"/>
+                      </p:stCondLst>
+                      <p:childTnLst>
+                        <p:par>
+                          <p:cTn id="28" fill="hold">
+                            <p:stCondLst>
+                              <p:cond delay="0"/>
+                            </p:stCondLst>
+                            <p:childTnLst>
+                              <p:par>
+                                <p:cTn id="29" presetID="10" presetClass="entr" presetSubtype="0" fill="hold" nodeType="clickEffect">
+                                  <p:stCondLst>
+                                    <p:cond delay="0"/>
+                                  </p:stCondLst>
+                                  <p:childTnLst>
+                                    <p:set>
+                                      <p:cBhvr>
+                                        <p:cTn id="30" dur="1" fill="hold">
+                                          <p:stCondLst>
+                                            <p:cond delay="0"/>
+                                          </p:stCondLst>
+                                        </p:cTn>
+                                        <p:tgtEl>
+                                          <p:spTgt spid="29"/>
+                                        </p:tgtEl>
+                                        <p:attrNameLst>
+                                          <p:attrName>style.visibility</p:attrName>
+                                        </p:attrNameLst>
+                                      </p:cBhvr>
+                                      <p:to>
+                                        <p:strVal val="visible"/>
+                                      </p:to>
+                                    </p:set>
+                                    <p:animEffect transition="in" filter="fade">
+                                      <p:cBhvr>
+                                        <p:cTn id="31" dur="500"/>
+                                        <p:tgtEl>
+                                          <p:spTgt spid="29"/>
+                                        </p:tgtEl>
+                                      </p:cBhvr>
+                                    </p:animEffect>
+                                  </p:childTnLst>
+                                </p:cTn>
+                              </p:par>
+                            </p:childTnLst>
+                          </p:cTn>
+                        </p:par>
+                      </p:childTnLst>
+                    </p:cTn>
+                  </p:par>
+                </p:childTnLst>
+              </p:cTn>
+              <p:prevCondLst>
+                <p:cond evt="onPrev" delay="0">
+                  <p:tgtEl>
+                    <p:sldTgt/>
+                  </p:tgtEl>
+                </p:cond>
+              </p:prevCondLst>
+              <p:nextCondLst>
+                <p:cond evt="onNext" delay="0">
+                  <p:tgtEl>
+                    <p:sldTgt/>
+                  </p:tgtEl>
+                </p:cond>
+              </p:nextCondLst>
+            </p:seq>
+          </p:childTnLst>
+        </p:cTn>
+      </p:par>
+    </p:tnLst>
+  </p:timing>
+</p:sld>
+</file>
+
+<file path=ppt/slides/slide4.xml><?xml version="1.0" encoding="utf-8"?>
+<p:sld xmlns:a="http://schemas.openxmlformats.org/drawingml/2006/main" xmlns:r="http://schemas.openxmlformats.org/officeDocument/2006/relationships" xmlns:p="http://schemas.openxmlformats.org/presentationml/2006/main">
+  <p:cSld>
+    <p:spTree>
+      <p:nvGrpSpPr>
+        <p:cNvPr id="1" name=""/>
+        <p:cNvGrpSpPr/>
+        <p:nvPr/>
+      </p:nvGrpSpPr>
+      <p:grpSpPr>
+        <a:xfrm>
+          <a:off x="0" y="0"/>
+          <a:ext cx="0" cy="0"/>
+          <a:chOff x="0" y="0"/>
+          <a:chExt cx="0" cy="0"/>
+        </a:xfrm>
+      </p:grpSpPr>
+      <p:grpSp>
+        <p:nvGrpSpPr>
+          <p:cNvPr id="4" name="Group 3">
+            <a:extLst>
+              <a:ext uri="{FF2B5EF4-FFF2-40B4-BE49-F238E27FC236}">
+                <a16:creationId xmlns:a16="http://schemas.microsoft.com/office/drawing/2014/main" id="{DBA61C2B-DEC5-499D-A565-ED16424FA6E9}"/>
+              </a:ext>
+            </a:extLst>
+          </p:cNvPr>
+          <p:cNvGrpSpPr/>
+          <p:nvPr/>
+        </p:nvGrpSpPr>
+        <p:grpSpPr>
+          <a:xfrm>
+            <a:off x="1435554" y="713558"/>
+            <a:ext cx="7913361" cy="5525044"/>
+            <a:chOff x="1435554" y="713558"/>
+            <a:chExt cx="7913361" cy="5525044"/>
+          </a:xfrm>
+        </p:grpSpPr>
+        <p:pic>
+          <p:nvPicPr>
+            <p:cNvPr id="5" name="Picture 4">
+              <a:extLst>
+                <a:ext uri="{FF2B5EF4-FFF2-40B4-BE49-F238E27FC236}">
+                  <a16:creationId xmlns:a16="http://schemas.microsoft.com/office/drawing/2014/main" id="{7262193E-A702-4F07-981C-D1863ECC68D0}"/>
+                </a:ext>
+              </a:extLst>
+            </p:cNvPr>
+            <p:cNvPicPr>
+              <a:picLocks noChangeAspect="1"/>
+            </p:cNvPicPr>
+            <p:nvPr/>
+          </p:nvPicPr>
+          <p:blipFill rotWithShape="1">
+            <a:blip r:embed="rId2"/>
+            <a:srcRect r="2513" b="26349"/>
+            <a:stretch/>
+          </p:blipFill>
+          <p:spPr>
+            <a:xfrm>
+              <a:off x="4464692" y="4113948"/>
+              <a:ext cx="4884223" cy="1767841"/>
+            </a:xfrm>
+            <a:prstGeom prst="rect">
+              <a:avLst/>
+            </a:prstGeom>
+          </p:spPr>
+        </p:pic>
+        <p:sp>
+          <p:nvSpPr>
+            <p:cNvPr id="6" name="TextBox 5">
+              <a:extLst>
+                <a:ext uri="{FF2B5EF4-FFF2-40B4-BE49-F238E27FC236}">
+                  <a16:creationId xmlns:a16="http://schemas.microsoft.com/office/drawing/2014/main" id="{B175E984-3D6A-4C77-A0BA-3CAD04C00F23}"/>
+                </a:ext>
+              </a:extLst>
+            </p:cNvPr>
+            <p:cNvSpPr txBox="1"/>
+            <p:nvPr/>
+          </p:nvSpPr>
+          <p:spPr>
+            <a:xfrm>
+              <a:off x="6851744" y="5869270"/>
+              <a:ext cx="1041760" cy="369332"/>
+            </a:xfrm>
+            <a:prstGeom prst="rect">
+              <a:avLst/>
+            </a:prstGeom>
+            <a:noFill/>
+          </p:spPr>
+          <p:txBody>
+            <a:bodyPr wrap="square" rtlCol="0">
+              <a:spAutoFit/>
+            </a:bodyPr>
+            <a:lstStyle/>
+            <a:p>
+              <a:r>
+                <a:rPr lang="el-GR" dirty="0"/>
+                <a:t>μ</a:t>
+              </a:r>
+              <a:r>
+                <a:rPr lang="en-US" baseline="-25000" dirty="0"/>
+                <a:t>n</a:t>
+              </a:r>
+              <a:r>
+                <a:rPr lang="en-US" dirty="0"/>
+                <a:t> &gt;</a:t>
+              </a:r>
+              <a:r>
+                <a:rPr lang="el-GR" dirty="0"/>
+                <a:t> μ</a:t>
+              </a:r>
+              <a:endParaRPr lang="en-US" dirty="0"/>
+            </a:p>
+          </p:txBody>
+        </p:sp>
+        <p:sp>
+          <p:nvSpPr>
+            <p:cNvPr id="7" name="TextBox 6">
+              <a:extLst>
+                <a:ext uri="{FF2B5EF4-FFF2-40B4-BE49-F238E27FC236}">
+                  <a16:creationId xmlns:a16="http://schemas.microsoft.com/office/drawing/2014/main" id="{EC5F0170-B6AE-45CD-9C2B-93D72BD3432B}"/>
+                </a:ext>
+              </a:extLst>
+            </p:cNvPr>
+            <p:cNvSpPr txBox="1"/>
+            <p:nvPr/>
+          </p:nvSpPr>
+          <p:spPr>
+            <a:xfrm>
+              <a:off x="5019049" y="5552802"/>
+              <a:ext cx="307332" cy="369332"/>
+            </a:xfrm>
+            <a:prstGeom prst="rect">
+              <a:avLst/>
+            </a:prstGeom>
+            <a:noFill/>
+          </p:spPr>
+          <p:txBody>
+            <a:bodyPr wrap="square" rtlCol="0">
+              <a:spAutoFit/>
+            </a:bodyPr>
+            <a:lstStyle/>
+            <a:p>
+              <a:r>
+                <a:rPr lang="el-GR" b="1" dirty="0">
+                  <a:solidFill>
+                    <a:srgbClr val="FF0000"/>
+                  </a:solidFill>
+                  <a:latin typeface="Calibri" panose="020F0502020204030204" pitchFamily="34" charset="0"/>
+                  <a:cs typeface="Calibri" panose="020F0502020204030204" pitchFamily="34" charset="0"/>
+                </a:rPr>
+                <a:t>β</a:t>
+              </a:r>
+              <a:r>
+                <a:rPr lang="en-US" dirty="0"/>
+                <a:t> </a:t>
+              </a:r>
+            </a:p>
+          </p:txBody>
+        </p:sp>
+        <p:pic>
+          <p:nvPicPr>
+            <p:cNvPr id="8" name="Picture 7">
+              <a:extLst>
+                <a:ext uri="{FF2B5EF4-FFF2-40B4-BE49-F238E27FC236}">
+                  <a16:creationId xmlns:a16="http://schemas.microsoft.com/office/drawing/2014/main" id="{4C5DD82D-BB0E-42FA-8C92-7620A631636C}"/>
+                </a:ext>
+              </a:extLst>
+            </p:cNvPr>
+            <p:cNvPicPr>
+              <a:picLocks noChangeAspect="1"/>
+            </p:cNvPicPr>
+            <p:nvPr/>
+          </p:nvPicPr>
+          <p:blipFill rotWithShape="1">
+            <a:blip r:embed="rId2"/>
+            <a:srcRect r="2513" b="26349"/>
+            <a:stretch/>
+          </p:blipFill>
+          <p:spPr>
+            <a:xfrm>
+              <a:off x="1959617" y="2413753"/>
+              <a:ext cx="4884223" cy="1767841"/>
+            </a:xfrm>
+            <a:prstGeom prst="rect">
+              <a:avLst/>
+            </a:prstGeom>
+          </p:spPr>
+        </p:pic>
+        <p:pic>
+          <p:nvPicPr>
+            <p:cNvPr id="9" name="Picture 8">
+              <a:extLst>
+                <a:ext uri="{FF2B5EF4-FFF2-40B4-BE49-F238E27FC236}">
+                  <a16:creationId xmlns:a16="http://schemas.microsoft.com/office/drawing/2014/main" id="{1C90F548-2687-4CAC-878E-2D7874365842}"/>
+                </a:ext>
+              </a:extLst>
+            </p:cNvPr>
+            <p:cNvPicPr>
+              <a:picLocks noChangeAspect="1"/>
+            </p:cNvPicPr>
+            <p:nvPr/>
+          </p:nvPicPr>
+          <p:blipFill rotWithShape="1">
+            <a:blip r:embed="rId3"/>
+            <a:srcRect r="2513" b="26871"/>
+            <a:stretch/>
+          </p:blipFill>
+          <p:spPr>
+            <a:xfrm>
+              <a:off x="1435554" y="713558"/>
+              <a:ext cx="4884223" cy="1755322"/>
+            </a:xfrm>
+            <a:prstGeom prst="rect">
+              <a:avLst/>
+            </a:prstGeom>
+          </p:spPr>
+        </p:pic>
+        <p:cxnSp>
+          <p:nvCxnSpPr>
+            <p:cNvPr id="10" name="Straight Connector 9">
+              <a:extLst>
+                <a:ext uri="{FF2B5EF4-FFF2-40B4-BE49-F238E27FC236}">
+                  <a16:creationId xmlns:a16="http://schemas.microsoft.com/office/drawing/2014/main" id="{97671617-5CBF-4621-BEC9-A40F9EA1C63E}"/>
+                </a:ext>
+              </a:extLst>
+            </p:cNvPr>
+            <p:cNvCxnSpPr>
+              <a:cxnSpLocks/>
+            </p:cNvCxnSpPr>
+            <p:nvPr/>
+          </p:nvCxnSpPr>
+          <p:spPr>
+            <a:xfrm>
+              <a:off x="5388429" y="1946366"/>
+              <a:ext cx="0" cy="3922904"/>
+            </a:xfrm>
+            <a:prstGeom prst="line">
+              <a:avLst/>
+            </a:prstGeom>
+          </p:spPr>
+          <p:style>
+            <a:lnRef idx="3">
+              <a:schemeClr val="accent2"/>
+            </a:lnRef>
+            <a:fillRef idx="0">
+              <a:schemeClr val="accent2"/>
+            </a:fillRef>
+            <a:effectRef idx="2">
+              <a:schemeClr val="accent2"/>
+            </a:effectRef>
+            <a:fontRef idx="minor">
+              <a:schemeClr val="tx1"/>
+            </a:fontRef>
+          </p:style>
+        </p:cxnSp>
+        <mc:AlternateContent xmlns:mc="http://schemas.openxmlformats.org/markup-compatibility/2006" xmlns:a14="http://schemas.microsoft.com/office/drawing/2010/main">
+          <mc:Choice Requires="a14">
+            <p:sp>
+              <p:nvSpPr>
+                <p:cNvPr id="11" name="TextBox 10">
+                  <a:extLst>
+                    <a:ext uri="{FF2B5EF4-FFF2-40B4-BE49-F238E27FC236}">
+                      <a16:creationId xmlns:a16="http://schemas.microsoft.com/office/drawing/2014/main" id="{A6921D6B-EDDC-4608-AC14-D10B75E1CE60}"/>
+                    </a:ext>
+                  </a:extLst>
+                </p:cNvPr>
+                <p:cNvSpPr txBox="1"/>
+                <p:nvPr/>
+              </p:nvSpPr>
+              <p:spPr>
+                <a:xfrm>
+                  <a:off x="5126917" y="5863011"/>
+                  <a:ext cx="969083" cy="369332"/>
+                </a:xfrm>
+                <a:prstGeom prst="rect">
+                  <a:avLst/>
+                </a:prstGeom>
+                <a:noFill/>
+              </p:spPr>
+              <p:txBody>
+                <a:bodyPr wrap="square" rtlCol="0">
+                  <a:spAutoFit/>
+                </a:bodyPr>
+                <a:lstStyle/>
+                <a:p>
+                  <a:pPr/>
+                  <a14:m>
+                    <m:oMathPara xmlns:m="http://schemas.openxmlformats.org/officeDocument/2006/math">
+                      <m:oMathParaPr>
+                        <m:jc m:val="centerGroup"/>
+                      </m:oMathParaPr>
+                      <m:oMath xmlns:m="http://schemas.openxmlformats.org/officeDocument/2006/math">
+                        <m:sSub>
+                          <m:sSubPr>
+                            <m:ctrlPr>
+                              <a:rPr lang="en-US" i="1">
+                                <a:latin typeface="Cambria Math" panose="02040503050406030204" pitchFamily="18" charset="0"/>
+                              </a:rPr>
+                            </m:ctrlPr>
+                          </m:sSubPr>
+                          <m:e>
+                            <m:acc>
+                              <m:accPr>
+                                <m:chr m:val="̅"/>
+                                <m:ctrlPr>
+                                  <a:rPr lang="en-US" i="1">
+                                    <a:latin typeface="Cambria Math" panose="02040503050406030204" pitchFamily="18" charset="0"/>
+                                  </a:rPr>
+                                </m:ctrlPr>
+                              </m:accPr>
+                              <m:e>
+                                <m:r>
+                                  <a:rPr lang="en-US" i="1">
+                                    <a:latin typeface="Cambria Math" panose="02040503050406030204" pitchFamily="18" charset="0"/>
+                                  </a:rPr>
+                                  <m:t>𝑋</m:t>
+                                </m:r>
+                              </m:e>
+                            </m:acc>
+                          </m:e>
+                          <m:sub>
+                            <m:r>
+                              <a:rPr lang="en-US" i="1">
+                                <a:latin typeface="Cambria Math" panose="02040503050406030204" pitchFamily="18" charset="0"/>
+                              </a:rPr>
+                              <m:t>𝑐𝑟𝑖𝑡𝑖𝑐𝑎𝑙</m:t>
+                            </m:r>
+                          </m:sub>
+                        </m:sSub>
+                      </m:oMath>
+                    </m:oMathPara>
+                  </a14:m>
+                  <a:endParaRPr lang="en-US" dirty="0"/>
+                </a:p>
+              </p:txBody>
+            </p:sp>
+          </mc:Choice>
+          <mc:Fallback xmlns="">
+            <p:sp>
+              <p:nvSpPr>
+                <p:cNvPr id="11" name="TextBox 10">
+                  <a:extLst>
+                    <a:ext uri="{FF2B5EF4-FFF2-40B4-BE49-F238E27FC236}">
+                      <a16:creationId xmlns:a16="http://schemas.microsoft.com/office/drawing/2014/main" id="{A6921D6B-EDDC-4608-AC14-D10B75E1CE60}"/>
+                    </a:ext>
+                  </a:extLst>
+                </p:cNvPr>
+                <p:cNvSpPr txBox="1">
+                  <a:spLocks noRot="1" noChangeAspect="1" noMove="1" noResize="1" noEditPoints="1" noAdjustHandles="1" noChangeArrowheads="1" noChangeShapeType="1" noTextEdit="1"/>
+                </p:cNvSpPr>
+                <p:nvPr/>
+              </p:nvSpPr>
+              <p:spPr>
+                <a:xfrm>
+                  <a:off x="5126917" y="5863011"/>
+                  <a:ext cx="969083" cy="369332"/>
+                </a:xfrm>
+                <a:prstGeom prst="rect">
+                  <a:avLst/>
+                </a:prstGeom>
+                <a:blipFill>
+                  <a:blip r:embed="rId4"/>
+                  <a:stretch>
+                    <a:fillRect b="-1667"/>
+                  </a:stretch>
+                </a:blipFill>
+              </p:spPr>
+              <p:txBody>
+                <a:bodyPr/>
+                <a:lstStyle/>
+                <a:p>
+                  <a:r>
+                    <a:rPr lang="en-US">
+                      <a:noFill/>
+                    </a:rPr>
+                    <a:t> </a:t>
+                  </a:r>
+                </a:p>
+              </p:txBody>
+            </p:sp>
+          </mc:Fallback>
+        </mc:AlternateContent>
+        <p:sp>
+          <p:nvSpPr>
+            <p:cNvPr id="12" name="TextBox 11">
+              <a:extLst>
+                <a:ext uri="{FF2B5EF4-FFF2-40B4-BE49-F238E27FC236}">
+                  <a16:creationId xmlns:a16="http://schemas.microsoft.com/office/drawing/2014/main" id="{E716583E-118F-4B29-8642-4DB8568A47B5}"/>
+                </a:ext>
+              </a:extLst>
+            </p:cNvPr>
+            <p:cNvSpPr txBox="1"/>
+            <p:nvPr/>
+          </p:nvSpPr>
+          <p:spPr>
+            <a:xfrm>
+              <a:off x="3722451" y="2452168"/>
+              <a:ext cx="465905" cy="369332"/>
+            </a:xfrm>
+            <a:prstGeom prst="rect">
+              <a:avLst/>
+            </a:prstGeom>
+            <a:noFill/>
+          </p:spPr>
+          <p:txBody>
+            <a:bodyPr wrap="square" rtlCol="0">
+              <a:spAutoFit/>
+            </a:bodyPr>
+            <a:lstStyle/>
+            <a:p>
+              <a:r>
+                <a:rPr lang="el-GR" dirty="0"/>
+                <a:t>μ</a:t>
+              </a:r>
+              <a:endParaRPr lang="en-US" dirty="0"/>
+            </a:p>
+          </p:txBody>
+        </p:sp>
+        <p:sp>
+          <p:nvSpPr>
+            <p:cNvPr id="13" name="TextBox 12">
+              <a:extLst>
+                <a:ext uri="{FF2B5EF4-FFF2-40B4-BE49-F238E27FC236}">
+                  <a16:creationId xmlns:a16="http://schemas.microsoft.com/office/drawing/2014/main" id="{46280739-A9BB-437F-BF70-E4E32943F292}"/>
+                </a:ext>
+              </a:extLst>
+            </p:cNvPr>
+            <p:cNvSpPr txBox="1"/>
+            <p:nvPr/>
+          </p:nvSpPr>
+          <p:spPr>
+            <a:xfrm>
+              <a:off x="4346669" y="4169075"/>
+              <a:ext cx="1041760" cy="369332"/>
+            </a:xfrm>
+            <a:prstGeom prst="rect">
+              <a:avLst/>
+            </a:prstGeom>
+            <a:noFill/>
+          </p:spPr>
+          <p:txBody>
+            <a:bodyPr wrap="square" rtlCol="0">
+              <a:spAutoFit/>
+            </a:bodyPr>
+            <a:lstStyle/>
+            <a:p>
+              <a:r>
+                <a:rPr lang="el-GR" dirty="0"/>
+                <a:t>μ</a:t>
+              </a:r>
+              <a:r>
+                <a:rPr lang="en-US" baseline="-25000" dirty="0"/>
+                <a:t>n</a:t>
+              </a:r>
+              <a:r>
+                <a:rPr lang="en-US" dirty="0"/>
+                <a:t> &gt;</a:t>
+              </a:r>
+              <a:r>
+                <a:rPr lang="el-GR" dirty="0"/>
+                <a:t> μ</a:t>
+              </a:r>
+              <a:endParaRPr lang="en-US" dirty="0"/>
+            </a:p>
+          </p:txBody>
+        </p:sp>
+        <p:sp>
+          <p:nvSpPr>
+            <p:cNvPr id="14" name="TextBox 13">
+              <a:extLst>
+                <a:ext uri="{FF2B5EF4-FFF2-40B4-BE49-F238E27FC236}">
+                  <a16:creationId xmlns:a16="http://schemas.microsoft.com/office/drawing/2014/main" id="{9CB5F393-81DB-4417-AB40-82FDA6A1F6B5}"/>
+                </a:ext>
+              </a:extLst>
+            </p:cNvPr>
+            <p:cNvSpPr txBox="1"/>
+            <p:nvPr/>
+          </p:nvSpPr>
+          <p:spPr>
+            <a:xfrm>
+              <a:off x="4157360" y="3429000"/>
+              <a:ext cx="307332" cy="369332"/>
+            </a:xfrm>
+            <a:prstGeom prst="rect">
+              <a:avLst/>
+            </a:prstGeom>
+            <a:noFill/>
+          </p:spPr>
+          <p:txBody>
+            <a:bodyPr wrap="square" rtlCol="0">
+              <a:spAutoFit/>
+            </a:bodyPr>
+            <a:lstStyle/>
+            <a:p>
+              <a:r>
+                <a:rPr lang="el-GR" b="1" dirty="0">
+                  <a:solidFill>
+                    <a:srgbClr val="FF0000"/>
+                  </a:solidFill>
+                  <a:latin typeface="Calibri" panose="020F0502020204030204" pitchFamily="34" charset="0"/>
+                  <a:cs typeface="Calibri" panose="020F0502020204030204" pitchFamily="34" charset="0"/>
+                </a:rPr>
+                <a:t>β</a:t>
+              </a:r>
+              <a:r>
+                <a:rPr lang="en-US" dirty="0"/>
+                <a:t> </a:t>
+              </a:r>
+            </a:p>
+          </p:txBody>
+        </p:sp>
+      </p:grpSp>
+    </p:spTree>
+    <p:extLst>
+      <p:ext uri="{BB962C8B-B14F-4D97-AF65-F5344CB8AC3E}">
+        <p14:creationId xmlns:p14="http://schemas.microsoft.com/office/powerpoint/2010/main" val="106745084"/>
+      </p:ext>
+    </p:extLst>
+  </p:cSld>
+  <p:clrMapOvr>
+    <a:masterClrMapping/>
+  </p:clrMapOvr>
+</p:sld>
+</file>
+
+<file path=ppt/slides/slide5.xml><?xml version="1.0" encoding="utf-8"?>
+<p:sld xmlns:a="http://schemas.openxmlformats.org/drawingml/2006/main" xmlns:r="http://schemas.openxmlformats.org/officeDocument/2006/relationships" xmlns:p="http://schemas.openxmlformats.org/presentationml/2006/main">
+  <p:cSld>
+    <p:spTree>
+      <p:nvGrpSpPr>
+        <p:cNvPr id="1" name=""/>
+        <p:cNvGrpSpPr/>
+        <p:nvPr/>
+      </p:nvGrpSpPr>
+      <p:grpSpPr>
+        <a:xfrm>
+          <a:off x="0" y="0"/>
+          <a:ext cx="0" cy="0"/>
+          <a:chOff x="0" y="0"/>
+          <a:chExt cx="0" cy="0"/>
+        </a:xfrm>
+      </p:grpSpPr>
+      <p:grpSp>
+        <p:nvGrpSpPr>
+          <p:cNvPr id="2" name="Group 1">
+            <a:extLst>
+              <a:ext uri="{FF2B5EF4-FFF2-40B4-BE49-F238E27FC236}">
+                <a16:creationId xmlns:a16="http://schemas.microsoft.com/office/drawing/2014/main" id="{BD7805AB-764D-46A9-AEA3-86DCE00A0931}"/>
+              </a:ext>
+            </a:extLst>
+          </p:cNvPr>
+          <p:cNvGrpSpPr/>
+          <p:nvPr/>
+        </p:nvGrpSpPr>
+        <p:grpSpPr>
+          <a:xfrm>
+            <a:off x="5890320" y="160047"/>
+            <a:ext cx="4884223" cy="2107942"/>
+            <a:chOff x="1435554" y="713558"/>
+            <a:chExt cx="4884223" cy="2107942"/>
+          </a:xfrm>
+        </p:grpSpPr>
+        <p:pic>
+          <p:nvPicPr>
+            <p:cNvPr id="9" name="Picture 8">
+              <a:extLst>
+                <a:ext uri="{FF2B5EF4-FFF2-40B4-BE49-F238E27FC236}">
+                  <a16:creationId xmlns:a16="http://schemas.microsoft.com/office/drawing/2014/main" id="{1C90F548-2687-4CAC-878E-2D7874365842}"/>
+                </a:ext>
+              </a:extLst>
+            </p:cNvPr>
+            <p:cNvPicPr>
+              <a:picLocks noChangeAspect="1"/>
+            </p:cNvPicPr>
+            <p:nvPr/>
+          </p:nvPicPr>
+          <p:blipFill rotWithShape="1">
+            <a:blip r:embed="rId2"/>
+            <a:srcRect r="2513" b="26871"/>
+            <a:stretch/>
+          </p:blipFill>
+          <p:spPr>
+            <a:xfrm>
+              <a:off x="1435554" y="713558"/>
+              <a:ext cx="4884223" cy="1755322"/>
+            </a:xfrm>
+            <a:prstGeom prst="rect">
+              <a:avLst/>
+            </a:prstGeom>
+          </p:spPr>
+        </p:pic>
+        <p:sp>
+          <p:nvSpPr>
+            <p:cNvPr id="12" name="TextBox 11">
+              <a:extLst>
+                <a:ext uri="{FF2B5EF4-FFF2-40B4-BE49-F238E27FC236}">
+                  <a16:creationId xmlns:a16="http://schemas.microsoft.com/office/drawing/2014/main" id="{E716583E-118F-4B29-8642-4DB8568A47B5}"/>
+                </a:ext>
+              </a:extLst>
+            </p:cNvPr>
+            <p:cNvSpPr txBox="1"/>
+            <p:nvPr/>
+          </p:nvSpPr>
+          <p:spPr>
+            <a:xfrm>
+              <a:off x="3722451" y="2452168"/>
+              <a:ext cx="465905" cy="369332"/>
+            </a:xfrm>
+            <a:prstGeom prst="rect">
+              <a:avLst/>
+            </a:prstGeom>
+            <a:noFill/>
+          </p:spPr>
+          <p:txBody>
+            <a:bodyPr wrap="square" rtlCol="0">
+              <a:spAutoFit/>
+            </a:bodyPr>
+            <a:lstStyle/>
+            <a:p>
+              <a:r>
+                <a:rPr lang="el-GR" dirty="0"/>
+                <a:t>μ</a:t>
+              </a:r>
+              <a:endParaRPr lang="en-US" dirty="0"/>
+            </a:p>
+          </p:txBody>
+        </p:sp>
+      </p:grpSp>
+      <p:grpSp>
+        <p:nvGrpSpPr>
+          <p:cNvPr id="3" name="Group 2">
+            <a:extLst>
+              <a:ext uri="{FF2B5EF4-FFF2-40B4-BE49-F238E27FC236}">
+                <a16:creationId xmlns:a16="http://schemas.microsoft.com/office/drawing/2014/main" id="{CB4F8717-C102-492C-88BB-2BF5F9DE9932}"/>
+              </a:ext>
+            </a:extLst>
+          </p:cNvPr>
+          <p:cNvGrpSpPr/>
+          <p:nvPr/>
+        </p:nvGrpSpPr>
+        <p:grpSpPr>
+          <a:xfrm>
+            <a:off x="5316455" y="2323590"/>
+            <a:ext cx="4884223" cy="2124654"/>
+            <a:chOff x="1959617" y="2413753"/>
+            <a:chExt cx="4884223" cy="2124654"/>
+          </a:xfrm>
+        </p:grpSpPr>
+        <p:pic>
+          <p:nvPicPr>
+            <p:cNvPr id="8" name="Picture 7">
+              <a:extLst>
+                <a:ext uri="{FF2B5EF4-FFF2-40B4-BE49-F238E27FC236}">
+                  <a16:creationId xmlns:a16="http://schemas.microsoft.com/office/drawing/2014/main" id="{4C5DD82D-BB0E-42FA-8C92-7620A631636C}"/>
+                </a:ext>
+              </a:extLst>
+            </p:cNvPr>
+            <p:cNvPicPr>
+              <a:picLocks noChangeAspect="1"/>
+            </p:cNvPicPr>
+            <p:nvPr/>
+          </p:nvPicPr>
+          <p:blipFill rotWithShape="1">
+            <a:blip r:embed="rId3"/>
+            <a:srcRect r="2513" b="26349"/>
+            <a:stretch/>
+          </p:blipFill>
+          <p:spPr>
+            <a:xfrm>
+              <a:off x="1959617" y="2413753"/>
+              <a:ext cx="4884223" cy="1767841"/>
+            </a:xfrm>
+            <a:prstGeom prst="rect">
+              <a:avLst/>
+            </a:prstGeom>
+          </p:spPr>
+        </p:pic>
+        <p:sp>
+          <p:nvSpPr>
+            <p:cNvPr id="13" name="TextBox 12">
+              <a:extLst>
+                <a:ext uri="{FF2B5EF4-FFF2-40B4-BE49-F238E27FC236}">
+                  <a16:creationId xmlns:a16="http://schemas.microsoft.com/office/drawing/2014/main" id="{46280739-A9BB-437F-BF70-E4E32943F292}"/>
+                </a:ext>
+              </a:extLst>
+            </p:cNvPr>
+            <p:cNvSpPr txBox="1"/>
+            <p:nvPr/>
+          </p:nvSpPr>
+          <p:spPr>
+            <a:xfrm>
+              <a:off x="4346669" y="4169075"/>
+              <a:ext cx="1041760" cy="369332"/>
+            </a:xfrm>
+            <a:prstGeom prst="rect">
+              <a:avLst/>
+            </a:prstGeom>
+            <a:noFill/>
+          </p:spPr>
+          <p:txBody>
+            <a:bodyPr wrap="square" rtlCol="0">
+              <a:spAutoFit/>
+            </a:bodyPr>
+            <a:lstStyle/>
+            <a:p>
+              <a:r>
+                <a:rPr lang="el-GR" dirty="0"/>
+                <a:t>μ</a:t>
+              </a:r>
+              <a:r>
+                <a:rPr lang="en-US" baseline="-25000" dirty="0"/>
+                <a:t>n</a:t>
+              </a:r>
+              <a:r>
+                <a:rPr lang="en-US" dirty="0"/>
+                <a:t> &lt;</a:t>
+              </a:r>
+              <a:r>
+                <a:rPr lang="el-GR" dirty="0"/>
+                <a:t> μ</a:t>
+              </a:r>
+              <a:endParaRPr lang="en-US" dirty="0"/>
+            </a:p>
+          </p:txBody>
+        </p:sp>
+        <p:sp>
+          <p:nvSpPr>
+            <p:cNvPr id="14" name="TextBox 13">
+              <a:extLst>
+                <a:ext uri="{FF2B5EF4-FFF2-40B4-BE49-F238E27FC236}">
+                  <a16:creationId xmlns:a16="http://schemas.microsoft.com/office/drawing/2014/main" id="{9CB5F393-81DB-4417-AB40-82FDA6A1F6B5}"/>
+                </a:ext>
+              </a:extLst>
+            </p:cNvPr>
+            <p:cNvSpPr txBox="1"/>
+            <p:nvPr/>
+          </p:nvSpPr>
+          <p:spPr>
+            <a:xfrm>
+              <a:off x="4157360" y="3429000"/>
+              <a:ext cx="307332" cy="369332"/>
+            </a:xfrm>
+            <a:prstGeom prst="rect">
+              <a:avLst/>
+            </a:prstGeom>
+            <a:noFill/>
+          </p:spPr>
+          <p:txBody>
+            <a:bodyPr wrap="square" rtlCol="0">
+              <a:spAutoFit/>
+            </a:bodyPr>
+            <a:lstStyle/>
+            <a:p>
+              <a:r>
+                <a:rPr lang="el-GR" b="1" dirty="0">
+                  <a:solidFill>
+                    <a:srgbClr val="FF0000"/>
+                  </a:solidFill>
+                  <a:latin typeface="Calibri" panose="020F0502020204030204" pitchFamily="34" charset="0"/>
+                  <a:cs typeface="Calibri" panose="020F0502020204030204" pitchFamily="34" charset="0"/>
+                </a:rPr>
+                <a:t>β</a:t>
+              </a:r>
+              <a:r>
+                <a:rPr lang="en-US" dirty="0"/>
+                <a:t> </a:t>
+              </a:r>
+            </a:p>
+          </p:txBody>
+        </p:sp>
+      </p:grpSp>
+      <p:grpSp>
+        <p:nvGrpSpPr>
+          <p:cNvPr id="15" name="Group 14">
+            <a:extLst>
+              <a:ext uri="{FF2B5EF4-FFF2-40B4-BE49-F238E27FC236}">
+                <a16:creationId xmlns:a16="http://schemas.microsoft.com/office/drawing/2014/main" id="{82E00356-935F-4D55-A7E2-79F48E6CCC69}"/>
+              </a:ext>
+            </a:extLst>
+          </p:cNvPr>
+          <p:cNvGrpSpPr/>
+          <p:nvPr/>
+        </p:nvGrpSpPr>
+        <p:grpSpPr>
+          <a:xfrm>
+            <a:off x="2629975" y="4401889"/>
+            <a:ext cx="4884223" cy="2124654"/>
+            <a:chOff x="4464692" y="4113948"/>
+            <a:chExt cx="4884223" cy="2124654"/>
+          </a:xfrm>
+        </p:grpSpPr>
+        <p:pic>
+          <p:nvPicPr>
+            <p:cNvPr id="5" name="Picture 4">
+              <a:extLst>
+                <a:ext uri="{FF2B5EF4-FFF2-40B4-BE49-F238E27FC236}">
+                  <a16:creationId xmlns:a16="http://schemas.microsoft.com/office/drawing/2014/main" id="{7262193E-A702-4F07-981C-D1863ECC68D0}"/>
+                </a:ext>
+              </a:extLst>
+            </p:cNvPr>
+            <p:cNvPicPr>
+              <a:picLocks noChangeAspect="1"/>
+            </p:cNvPicPr>
+            <p:nvPr/>
+          </p:nvPicPr>
+          <p:blipFill rotWithShape="1">
+            <a:blip r:embed="rId3"/>
+            <a:srcRect r="2513" b="26349"/>
+            <a:stretch/>
+          </p:blipFill>
+          <p:spPr>
+            <a:xfrm>
+              <a:off x="4464692" y="4113948"/>
+              <a:ext cx="4884223" cy="1767841"/>
+            </a:xfrm>
+            <a:prstGeom prst="rect">
+              <a:avLst/>
+            </a:prstGeom>
+          </p:spPr>
+        </p:pic>
+        <p:sp>
+          <p:nvSpPr>
+            <p:cNvPr id="6" name="TextBox 5">
+              <a:extLst>
+                <a:ext uri="{FF2B5EF4-FFF2-40B4-BE49-F238E27FC236}">
+                  <a16:creationId xmlns:a16="http://schemas.microsoft.com/office/drawing/2014/main" id="{B175E984-3D6A-4C77-A0BA-3CAD04C00F23}"/>
+                </a:ext>
+              </a:extLst>
+            </p:cNvPr>
+            <p:cNvSpPr txBox="1"/>
+            <p:nvPr/>
+          </p:nvSpPr>
+          <p:spPr>
+            <a:xfrm>
+              <a:off x="6851744" y="5869270"/>
+              <a:ext cx="1041760" cy="369332"/>
+            </a:xfrm>
+            <a:prstGeom prst="rect">
+              <a:avLst/>
+            </a:prstGeom>
+            <a:noFill/>
+          </p:spPr>
+          <p:txBody>
+            <a:bodyPr wrap="square" rtlCol="0">
+              <a:spAutoFit/>
+            </a:bodyPr>
+            <a:lstStyle/>
+            <a:p>
+              <a:r>
+                <a:rPr lang="el-GR" dirty="0"/>
+                <a:t>μ</a:t>
+              </a:r>
+              <a:r>
+                <a:rPr lang="en-US" baseline="-25000"/>
+                <a:t>n</a:t>
+              </a:r>
+              <a:r>
+                <a:rPr lang="en-US"/>
+                <a:t> &lt;</a:t>
+              </a:r>
+              <a:r>
+                <a:rPr lang="el-GR"/>
+                <a:t> </a:t>
+              </a:r>
+              <a:r>
+                <a:rPr lang="el-GR" dirty="0"/>
+                <a:t>μ</a:t>
+              </a:r>
+              <a:endParaRPr lang="en-US" dirty="0"/>
+            </a:p>
+          </p:txBody>
+        </p:sp>
+        <p:sp>
+          <p:nvSpPr>
+            <p:cNvPr id="7" name="TextBox 6">
+              <a:extLst>
+                <a:ext uri="{FF2B5EF4-FFF2-40B4-BE49-F238E27FC236}">
+                  <a16:creationId xmlns:a16="http://schemas.microsoft.com/office/drawing/2014/main" id="{EC5F0170-B6AE-45CD-9C2B-93D72BD3432B}"/>
+                </a:ext>
+              </a:extLst>
+            </p:cNvPr>
+            <p:cNvSpPr txBox="1"/>
+            <p:nvPr/>
+          </p:nvSpPr>
+          <p:spPr>
+            <a:xfrm>
+              <a:off x="8695023" y="5566576"/>
+              <a:ext cx="307332" cy="369332"/>
+            </a:xfrm>
+            <a:prstGeom prst="rect">
+              <a:avLst/>
+            </a:prstGeom>
+            <a:noFill/>
+          </p:spPr>
+          <p:txBody>
+            <a:bodyPr wrap="square" rtlCol="0">
+              <a:spAutoFit/>
+            </a:bodyPr>
+            <a:lstStyle/>
+            <a:p>
+              <a:r>
+                <a:rPr lang="el-GR" b="1" dirty="0">
+                  <a:solidFill>
+                    <a:srgbClr val="FF0000"/>
+                  </a:solidFill>
+                  <a:latin typeface="Calibri" panose="020F0502020204030204" pitchFamily="34" charset="0"/>
+                  <a:cs typeface="Calibri" panose="020F0502020204030204" pitchFamily="34" charset="0"/>
+                </a:rPr>
+                <a:t>β</a:t>
+              </a:r>
+              <a:r>
+                <a:rPr lang="en-US" dirty="0"/>
+                <a:t> </a:t>
+              </a:r>
+            </a:p>
+          </p:txBody>
+        </p:sp>
+      </p:grpSp>
+      <p:grpSp>
+        <p:nvGrpSpPr>
+          <p:cNvPr id="16" name="Group 15">
+            <a:extLst>
+              <a:ext uri="{FF2B5EF4-FFF2-40B4-BE49-F238E27FC236}">
+                <a16:creationId xmlns:a16="http://schemas.microsoft.com/office/drawing/2014/main" id="{77233D0F-789C-4E75-9146-F7F78CD5CBAE}"/>
+              </a:ext>
+            </a:extLst>
+          </p:cNvPr>
+          <p:cNvGrpSpPr/>
+          <p:nvPr/>
+        </p:nvGrpSpPr>
+        <p:grpSpPr>
+          <a:xfrm>
+            <a:off x="6598794" y="1448780"/>
+            <a:ext cx="969083" cy="5249173"/>
+            <a:chOff x="5126917" y="1946366"/>
+            <a:chExt cx="969083" cy="4285977"/>
+          </a:xfrm>
+        </p:grpSpPr>
+        <p:cxnSp>
+          <p:nvCxnSpPr>
+            <p:cNvPr id="10" name="Straight Connector 9">
+              <a:extLst>
+                <a:ext uri="{FF2B5EF4-FFF2-40B4-BE49-F238E27FC236}">
+                  <a16:creationId xmlns:a16="http://schemas.microsoft.com/office/drawing/2014/main" id="{97671617-5CBF-4621-BEC9-A40F9EA1C63E}"/>
+                </a:ext>
+              </a:extLst>
+            </p:cNvPr>
+            <p:cNvCxnSpPr>
+              <a:cxnSpLocks/>
+            </p:cNvCxnSpPr>
+            <p:nvPr/>
+          </p:nvCxnSpPr>
+          <p:spPr>
+            <a:xfrm>
+              <a:off x="5388429" y="1946366"/>
+              <a:ext cx="0" cy="3922904"/>
+            </a:xfrm>
+            <a:prstGeom prst="line">
+              <a:avLst/>
+            </a:prstGeom>
+          </p:spPr>
+          <p:style>
+            <a:lnRef idx="3">
+              <a:schemeClr val="accent2"/>
+            </a:lnRef>
+            <a:fillRef idx="0">
+              <a:schemeClr val="accent2"/>
+            </a:fillRef>
+            <a:effectRef idx="2">
+              <a:schemeClr val="accent2"/>
+            </a:effectRef>
+            <a:fontRef idx="minor">
+              <a:schemeClr val="tx1"/>
+            </a:fontRef>
+          </p:style>
+        </p:cxnSp>
+        <mc:AlternateContent xmlns:mc="http://schemas.openxmlformats.org/markup-compatibility/2006" xmlns:a14="http://schemas.microsoft.com/office/drawing/2010/main">
+          <mc:Choice Requires="a14">
+            <p:sp>
+              <p:nvSpPr>
+                <p:cNvPr id="11" name="TextBox 10">
+                  <a:extLst>
+                    <a:ext uri="{FF2B5EF4-FFF2-40B4-BE49-F238E27FC236}">
+                      <a16:creationId xmlns:a16="http://schemas.microsoft.com/office/drawing/2014/main" id="{A6921D6B-EDDC-4608-AC14-D10B75E1CE60}"/>
+                    </a:ext>
+                  </a:extLst>
+                </p:cNvPr>
+                <p:cNvSpPr txBox="1"/>
+                <p:nvPr/>
+              </p:nvSpPr>
+              <p:spPr>
+                <a:xfrm>
+                  <a:off x="5126917" y="5863011"/>
+                  <a:ext cx="969083" cy="369332"/>
+                </a:xfrm>
+                <a:prstGeom prst="rect">
+                  <a:avLst/>
+                </a:prstGeom>
+                <a:noFill/>
+              </p:spPr>
+              <p:txBody>
+                <a:bodyPr wrap="square" rtlCol="0">
+                  <a:spAutoFit/>
+                </a:bodyPr>
+                <a:lstStyle/>
+                <a:p>
+                  <a:pPr/>
+                  <a14:m>
+                    <m:oMathPara xmlns:m="http://schemas.openxmlformats.org/officeDocument/2006/math">
+                      <m:oMathParaPr>
+                        <m:jc m:val="centerGroup"/>
+                      </m:oMathParaPr>
+                      <m:oMath xmlns:m="http://schemas.openxmlformats.org/officeDocument/2006/math">
+                        <m:sSub>
+                          <m:sSubPr>
+                            <m:ctrlPr>
+                              <a:rPr lang="en-US" i="1">
+                                <a:latin typeface="Cambria Math" panose="02040503050406030204" pitchFamily="18" charset="0"/>
+                              </a:rPr>
+                            </m:ctrlPr>
+                          </m:sSubPr>
+                          <m:e>
+                            <m:acc>
+                              <m:accPr>
+                                <m:chr m:val="̅"/>
+                                <m:ctrlPr>
+                                  <a:rPr lang="en-US" i="1">
+                                    <a:latin typeface="Cambria Math" panose="02040503050406030204" pitchFamily="18" charset="0"/>
+                                  </a:rPr>
+                                </m:ctrlPr>
+                              </m:accPr>
+                              <m:e>
+                                <m:r>
+                                  <a:rPr lang="en-US" i="1">
+                                    <a:latin typeface="Cambria Math" panose="02040503050406030204" pitchFamily="18" charset="0"/>
+                                  </a:rPr>
+                                  <m:t>𝑋</m:t>
+                                </m:r>
+                              </m:e>
+                            </m:acc>
+                          </m:e>
+                          <m:sub>
+                            <m:r>
+                              <a:rPr lang="en-US" i="1">
+                                <a:latin typeface="Cambria Math" panose="02040503050406030204" pitchFamily="18" charset="0"/>
+                              </a:rPr>
+                              <m:t>𝑐𝑟𝑖𝑡𝑖𝑐𝑎𝑙</m:t>
+                            </m:r>
+                          </m:sub>
+                        </m:sSub>
+                      </m:oMath>
+                    </m:oMathPara>
+                  </a14:m>
+                  <a:endParaRPr lang="en-US" dirty="0"/>
+                </a:p>
+              </p:txBody>
+            </p:sp>
+          </mc:Choice>
+          <mc:Fallback xmlns="">
+            <p:sp>
+              <p:nvSpPr>
+                <p:cNvPr id="11" name="TextBox 10">
+                  <a:extLst>
+                    <a:ext uri="{FF2B5EF4-FFF2-40B4-BE49-F238E27FC236}">
+                      <a16:creationId xmlns:a16="http://schemas.microsoft.com/office/drawing/2014/main" id="{A6921D6B-EDDC-4608-AC14-D10B75E1CE60}"/>
+                    </a:ext>
+                  </a:extLst>
+                </p:cNvPr>
+                <p:cNvSpPr txBox="1">
+                  <a:spLocks noRot="1" noChangeAspect="1" noMove="1" noResize="1" noEditPoints="1" noAdjustHandles="1" noChangeArrowheads="1" noChangeShapeType="1" noTextEdit="1"/>
+                </p:cNvSpPr>
+                <p:nvPr/>
+              </p:nvSpPr>
+              <p:spPr>
+                <a:xfrm>
+                  <a:off x="5126917" y="5863011"/>
+                  <a:ext cx="969083" cy="369332"/>
+                </a:xfrm>
+                <a:prstGeom prst="rect">
+                  <a:avLst/>
+                </a:prstGeom>
+                <a:blipFill>
+                  <a:blip r:embed="rId4"/>
+                  <a:stretch>
+                    <a:fillRect/>
+                  </a:stretch>
+                </a:blipFill>
+              </p:spPr>
+              <p:txBody>
+                <a:bodyPr/>
+                <a:lstStyle/>
+                <a:p>
+                  <a:r>
+                    <a:rPr lang="en-US">
+                      <a:noFill/>
+                    </a:rPr>
+                    <a:t> </a:t>
+                  </a:r>
+                </a:p>
+              </p:txBody>
+            </p:sp>
+          </mc:Fallback>
+        </mc:AlternateContent>
+      </p:grpSp>
+    </p:spTree>
+    <p:extLst>
+      <p:ext uri="{BB962C8B-B14F-4D97-AF65-F5344CB8AC3E}">
+        <p14:creationId xmlns:p14="http://schemas.microsoft.com/office/powerpoint/2010/main" val="2508307018"/>
+      </p:ext>
+    </p:extLst>
+  </p:cSld>
+  <p:clrMapOvr>
+    <a:masterClrMapping/>
+  </p:clrMapOvr>
+</p:sld>
+</file>
+
+<file path=ppt/slides/slide6.xml><?xml version="1.0" encoding="utf-8"?>
+<p:sld xmlns:a="http://schemas.openxmlformats.org/drawingml/2006/main" xmlns:r="http://schemas.openxmlformats.org/officeDocument/2006/relationships" xmlns:p="http://schemas.openxmlformats.org/presentationml/2006/main">
+  <p:cSld>
+    <p:spTree>
+      <p:nvGrpSpPr>
+        <p:cNvPr id="1" name=""/>
+        <p:cNvGrpSpPr/>
+        <p:nvPr/>
+      </p:nvGrpSpPr>
+      <p:grpSpPr>
+        <a:xfrm>
+          <a:off x="0" y="0"/>
+          <a:ext cx="0" cy="0"/>
+          <a:chOff x="0" y="0"/>
+          <a:chExt cx="0" cy="0"/>
+        </a:xfrm>
+      </p:grpSpPr>
+      <p:grpSp>
+        <p:nvGrpSpPr>
+          <p:cNvPr id="4" name="Group 3">
+            <a:extLst>
+              <a:ext uri="{FF2B5EF4-FFF2-40B4-BE49-F238E27FC236}">
+                <a16:creationId xmlns:a16="http://schemas.microsoft.com/office/drawing/2014/main" id="{A04AC2E7-77A2-46E1-9AE3-4391887B6B9D}"/>
+              </a:ext>
+            </a:extLst>
+          </p:cNvPr>
+          <p:cNvGrpSpPr/>
+          <p:nvPr/>
+        </p:nvGrpSpPr>
+        <p:grpSpPr>
+          <a:xfrm>
+            <a:off x="2923600" y="160047"/>
+            <a:ext cx="4884223" cy="2107942"/>
+            <a:chOff x="2923600" y="160047"/>
+            <a:chExt cx="4884223" cy="2107942"/>
+          </a:xfrm>
+        </p:grpSpPr>
+        <p:grpSp>
+          <p:nvGrpSpPr>
+            <p:cNvPr id="2" name="Group 1">
+              <a:extLst>
+                <a:ext uri="{FF2B5EF4-FFF2-40B4-BE49-F238E27FC236}">
+                  <a16:creationId xmlns:a16="http://schemas.microsoft.com/office/drawing/2014/main" id="{BD7805AB-764D-46A9-AEA3-86DCE00A0931}"/>
+                </a:ext>
+              </a:extLst>
+            </p:cNvPr>
+            <p:cNvGrpSpPr/>
+            <p:nvPr/>
+          </p:nvGrpSpPr>
+          <p:grpSpPr>
+            <a:xfrm>
+              <a:off x="2923600" y="160047"/>
+              <a:ext cx="4884223" cy="2107942"/>
+              <a:chOff x="1435554" y="713558"/>
+              <a:chExt cx="4884223" cy="2107942"/>
+            </a:xfrm>
+          </p:grpSpPr>
+          <p:pic>
+            <p:nvPicPr>
+              <p:cNvPr id="9" name="Picture 8">
+                <a:extLst>
+                  <a:ext uri="{FF2B5EF4-FFF2-40B4-BE49-F238E27FC236}">
+                    <a16:creationId xmlns:a16="http://schemas.microsoft.com/office/drawing/2014/main" id="{1C90F548-2687-4CAC-878E-2D7874365842}"/>
+                  </a:ext>
+                </a:extLst>
+              </p:cNvPr>
+              <p:cNvPicPr>
+                <a:picLocks noChangeAspect="1"/>
+              </p:cNvPicPr>
+              <p:nvPr/>
+            </p:nvPicPr>
+            <p:blipFill rotWithShape="1">
+              <a:blip r:embed="rId2"/>
+              <a:srcRect r="2513" b="26871"/>
+              <a:stretch/>
+            </p:blipFill>
+            <p:spPr>
+              <a:xfrm>
+                <a:off x="1435554" y="713558"/>
+                <a:ext cx="4884223" cy="1755322"/>
+              </a:xfrm>
+              <a:prstGeom prst="rect">
+                <a:avLst/>
+              </a:prstGeom>
+            </p:spPr>
+          </p:pic>
+          <p:sp>
+            <p:nvSpPr>
+              <p:cNvPr id="12" name="TextBox 11">
+                <a:extLst>
+                  <a:ext uri="{FF2B5EF4-FFF2-40B4-BE49-F238E27FC236}">
+                    <a16:creationId xmlns:a16="http://schemas.microsoft.com/office/drawing/2014/main" id="{E716583E-118F-4B29-8642-4DB8568A47B5}"/>
+                  </a:ext>
+                </a:extLst>
+              </p:cNvPr>
+              <p:cNvSpPr txBox="1"/>
+              <p:nvPr/>
+            </p:nvSpPr>
+            <p:spPr>
+              <a:xfrm>
+                <a:off x="3722451" y="2452168"/>
+                <a:ext cx="465905" cy="369332"/>
+              </a:xfrm>
+              <a:prstGeom prst="rect">
+                <a:avLst/>
+              </a:prstGeom>
+              <a:noFill/>
+            </p:spPr>
+            <p:txBody>
+              <a:bodyPr wrap="square" rtlCol="0">
+                <a:spAutoFit/>
+              </a:bodyPr>
+              <a:lstStyle/>
+              <a:p>
+                <a:r>
+                  <a:rPr lang="el-GR" dirty="0"/>
+                  <a:t>μ</a:t>
+                </a:r>
+                <a:endParaRPr lang="en-US" dirty="0"/>
+              </a:p>
+            </p:txBody>
+          </p:sp>
+        </p:grpSp>
+        <p:sp>
+          <p:nvSpPr>
+            <p:cNvPr id="24" name="TextBox 23">
+              <a:extLst>
+                <a:ext uri="{FF2B5EF4-FFF2-40B4-BE49-F238E27FC236}">
+                  <a16:creationId xmlns:a16="http://schemas.microsoft.com/office/drawing/2014/main" id="{351F127E-8B2D-4E9C-A903-7D4DB16B332A}"/>
+                </a:ext>
+              </a:extLst>
+            </p:cNvPr>
+            <p:cNvSpPr txBox="1"/>
+            <p:nvPr/>
+          </p:nvSpPr>
+          <p:spPr>
+            <a:xfrm>
+              <a:off x="3366393" y="1597445"/>
+              <a:ext cx="795246" cy="369332"/>
+            </a:xfrm>
+            <a:prstGeom prst="rect">
+              <a:avLst/>
+            </a:prstGeom>
+            <a:noFill/>
+          </p:spPr>
+          <p:txBody>
+            <a:bodyPr wrap="square" rtlCol="0">
+              <a:spAutoFit/>
+            </a:bodyPr>
+            <a:lstStyle/>
+            <a:p>
+              <a:r>
+                <a:rPr lang="el-GR" b="1" dirty="0">
+                  <a:solidFill>
+                    <a:srgbClr val="FF0000"/>
+                  </a:solidFill>
+                  <a:latin typeface="Calibri" panose="020F0502020204030204" pitchFamily="34" charset="0"/>
+                  <a:cs typeface="Calibri" panose="020F0502020204030204" pitchFamily="34" charset="0"/>
+                </a:rPr>
+                <a:t>α</a:t>
+              </a:r>
+              <a:r>
+                <a:rPr lang="en-US" b="1" dirty="0">
+                  <a:solidFill>
+                    <a:srgbClr val="FF0000"/>
+                  </a:solidFill>
+                  <a:latin typeface="Calibri" panose="020F0502020204030204" pitchFamily="34" charset="0"/>
+                  <a:cs typeface="Calibri" panose="020F0502020204030204" pitchFamily="34" charset="0"/>
+                </a:rPr>
+                <a:t>/2</a:t>
+              </a:r>
+              <a:r>
+                <a:rPr lang="en-US" dirty="0"/>
+                <a:t> </a:t>
+              </a:r>
+            </a:p>
+          </p:txBody>
+        </p:sp>
+        <p:sp>
+          <p:nvSpPr>
+            <p:cNvPr id="25" name="TextBox 24">
+              <a:extLst>
+                <a:ext uri="{FF2B5EF4-FFF2-40B4-BE49-F238E27FC236}">
+                  <a16:creationId xmlns:a16="http://schemas.microsoft.com/office/drawing/2014/main" id="{FC5CAD5C-0AD1-44D3-A97E-4D775268E148}"/>
+                </a:ext>
+              </a:extLst>
+            </p:cNvPr>
+            <p:cNvSpPr txBox="1"/>
+            <p:nvPr/>
+          </p:nvSpPr>
+          <p:spPr>
+            <a:xfrm>
+              <a:off x="6907292" y="1583983"/>
+              <a:ext cx="814511" cy="369332"/>
+            </a:xfrm>
+            <a:prstGeom prst="rect">
+              <a:avLst/>
+            </a:prstGeom>
+            <a:noFill/>
+          </p:spPr>
+          <p:txBody>
+            <a:bodyPr wrap="square" rtlCol="0">
+              <a:spAutoFit/>
+            </a:bodyPr>
+            <a:lstStyle/>
+            <a:p>
+              <a:r>
+                <a:rPr lang="el-GR" b="1" dirty="0">
+                  <a:solidFill>
+                    <a:srgbClr val="FF0000"/>
+                  </a:solidFill>
+                  <a:latin typeface="Calibri" panose="020F0502020204030204" pitchFamily="34" charset="0"/>
+                  <a:cs typeface="Calibri" panose="020F0502020204030204" pitchFamily="34" charset="0"/>
+                </a:rPr>
+                <a:t>α</a:t>
+              </a:r>
+              <a:r>
+                <a:rPr lang="en-US" b="1" dirty="0">
+                  <a:solidFill>
+                    <a:srgbClr val="FF0000"/>
+                  </a:solidFill>
+                  <a:latin typeface="Calibri" panose="020F0502020204030204" pitchFamily="34" charset="0"/>
+                  <a:cs typeface="Calibri" panose="020F0502020204030204" pitchFamily="34" charset="0"/>
+                </a:rPr>
+                <a:t>/2</a:t>
+              </a:r>
+              <a:r>
+                <a:rPr lang="en-US" dirty="0"/>
+                <a:t> </a:t>
+              </a:r>
+            </a:p>
+          </p:txBody>
+        </p:sp>
+      </p:grpSp>
+      <p:grpSp>
+        <p:nvGrpSpPr>
+          <p:cNvPr id="3" name="Group 2">
+            <a:extLst>
+              <a:ext uri="{FF2B5EF4-FFF2-40B4-BE49-F238E27FC236}">
+                <a16:creationId xmlns:a16="http://schemas.microsoft.com/office/drawing/2014/main" id="{CB4F8717-C102-492C-88BB-2BF5F9DE9932}"/>
+              </a:ext>
+            </a:extLst>
+          </p:cNvPr>
+          <p:cNvGrpSpPr/>
+          <p:nvPr/>
+        </p:nvGrpSpPr>
+        <p:grpSpPr>
+          <a:xfrm>
+            <a:off x="2364975" y="2414274"/>
+            <a:ext cx="5442839" cy="2156063"/>
+            <a:chOff x="1959617" y="2413753"/>
+            <a:chExt cx="5442839" cy="2156063"/>
+          </a:xfrm>
+        </p:grpSpPr>
+        <p:pic>
+          <p:nvPicPr>
+            <p:cNvPr id="8" name="Picture 7">
+              <a:extLst>
+                <a:ext uri="{FF2B5EF4-FFF2-40B4-BE49-F238E27FC236}">
+                  <a16:creationId xmlns:a16="http://schemas.microsoft.com/office/drawing/2014/main" id="{4C5DD82D-BB0E-42FA-8C92-7620A631636C}"/>
+                </a:ext>
+              </a:extLst>
+            </p:cNvPr>
+            <p:cNvPicPr>
+              <a:picLocks noChangeAspect="1"/>
+            </p:cNvPicPr>
+            <p:nvPr/>
+          </p:nvPicPr>
+          <p:blipFill rotWithShape="1">
+            <a:blip r:embed="rId3"/>
+            <a:srcRect r="2513" b="26349"/>
+            <a:stretch/>
+          </p:blipFill>
+          <p:spPr>
+            <a:xfrm>
+              <a:off x="1959617" y="2413753"/>
+              <a:ext cx="4884223" cy="1767841"/>
+            </a:xfrm>
+            <a:prstGeom prst="rect">
+              <a:avLst/>
+            </a:prstGeom>
+          </p:spPr>
+        </p:pic>
+        <p:sp>
+          <p:nvSpPr>
+            <p:cNvPr id="14" name="TextBox 13">
+              <a:extLst>
+                <a:ext uri="{FF2B5EF4-FFF2-40B4-BE49-F238E27FC236}">
+                  <a16:creationId xmlns:a16="http://schemas.microsoft.com/office/drawing/2014/main" id="{9CB5F393-81DB-4417-AB40-82FDA6A1F6B5}"/>
+                </a:ext>
+              </a:extLst>
+            </p:cNvPr>
+            <p:cNvSpPr txBox="1"/>
+            <p:nvPr/>
+          </p:nvSpPr>
+          <p:spPr>
+            <a:xfrm>
+              <a:off x="2912900" y="3756530"/>
+              <a:ext cx="572890" cy="369332"/>
+            </a:xfrm>
+            <a:prstGeom prst="rect">
+              <a:avLst/>
+            </a:prstGeom>
+            <a:noFill/>
+          </p:spPr>
+          <p:txBody>
+            <a:bodyPr wrap="square" rtlCol="0">
+              <a:spAutoFit/>
+            </a:bodyPr>
+            <a:lstStyle/>
+            <a:p>
+              <a:r>
+                <a:rPr lang="el-GR" b="1" dirty="0">
+                  <a:solidFill>
+                    <a:srgbClr val="FF0000"/>
+                  </a:solidFill>
+                  <a:latin typeface="Calibri" panose="020F0502020204030204" pitchFamily="34" charset="0"/>
+                  <a:cs typeface="Calibri" panose="020F0502020204030204" pitchFamily="34" charset="0"/>
+                </a:rPr>
+                <a:t>β</a:t>
+              </a:r>
+              <a:r>
+                <a:rPr lang="en-US" b="1" baseline="-25000" dirty="0">
+                  <a:solidFill>
+                    <a:srgbClr val="FF0000"/>
+                  </a:solidFill>
+                  <a:latin typeface="Calibri" panose="020F0502020204030204" pitchFamily="34" charset="0"/>
+                  <a:cs typeface="Calibri" panose="020F0502020204030204" pitchFamily="34" charset="0"/>
+                </a:rPr>
+                <a:t>left</a:t>
+              </a:r>
+              <a:r>
+                <a:rPr lang="en-US" dirty="0"/>
+                <a:t> </a:t>
+              </a:r>
+            </a:p>
+          </p:txBody>
+        </p:sp>
+        <p:sp>
+          <p:nvSpPr>
+            <p:cNvPr id="20" name="TextBox 19">
+              <a:extLst>
+                <a:ext uri="{FF2B5EF4-FFF2-40B4-BE49-F238E27FC236}">
+                  <a16:creationId xmlns:a16="http://schemas.microsoft.com/office/drawing/2014/main" id="{6C9383FD-9AD1-4FFB-BE36-6E69670F4DEF}"/>
+                </a:ext>
+              </a:extLst>
+            </p:cNvPr>
+            <p:cNvSpPr txBox="1"/>
+            <p:nvPr/>
+          </p:nvSpPr>
+          <p:spPr>
+            <a:xfrm>
+              <a:off x="6482739" y="3923485"/>
+              <a:ext cx="919717" cy="646331"/>
+            </a:xfrm>
+            <a:prstGeom prst="rect">
+              <a:avLst/>
+            </a:prstGeom>
+            <a:noFill/>
+          </p:spPr>
+          <p:txBody>
+            <a:bodyPr wrap="square" rtlCol="0">
+              <a:spAutoFit/>
+            </a:bodyPr>
+            <a:lstStyle/>
+            <a:p>
+              <a:r>
+                <a:rPr lang="el-GR" b="1" dirty="0">
+                  <a:solidFill>
+                    <a:srgbClr val="FF0000"/>
+                  </a:solidFill>
+                  <a:latin typeface="Calibri" panose="020F0502020204030204" pitchFamily="34" charset="0"/>
+                  <a:cs typeface="Calibri" panose="020F0502020204030204" pitchFamily="34" charset="0"/>
+                </a:rPr>
+                <a:t>Β</a:t>
+              </a:r>
+              <a:r>
+                <a:rPr lang="en-US" b="1" dirty="0">
+                  <a:solidFill>
+                    <a:srgbClr val="FF0000"/>
+                  </a:solidFill>
+                  <a:latin typeface="Calibri" panose="020F0502020204030204" pitchFamily="34" charset="0"/>
+                  <a:cs typeface="Calibri" panose="020F0502020204030204" pitchFamily="34" charset="0"/>
+                </a:rPr>
+                <a:t> - </a:t>
+              </a:r>
+              <a:r>
+                <a:rPr lang="el-GR" b="1" dirty="0">
+                  <a:solidFill>
+                    <a:srgbClr val="FF0000"/>
+                  </a:solidFill>
+                  <a:latin typeface="Calibri" panose="020F0502020204030204" pitchFamily="34" charset="0"/>
+                  <a:cs typeface="Calibri" panose="020F0502020204030204" pitchFamily="34" charset="0"/>
+                </a:rPr>
+                <a:t>β</a:t>
+              </a:r>
+              <a:r>
+                <a:rPr lang="en-US" b="1" baseline="-25000" dirty="0">
+                  <a:solidFill>
+                    <a:srgbClr val="FF0000"/>
+                  </a:solidFill>
+                  <a:latin typeface="Calibri" panose="020F0502020204030204" pitchFamily="34" charset="0"/>
+                  <a:cs typeface="Calibri" panose="020F0502020204030204" pitchFamily="34" charset="0"/>
+                </a:rPr>
+                <a:t>left</a:t>
+              </a:r>
+              <a:r>
+                <a:rPr lang="en-US" dirty="0"/>
+                <a:t> </a:t>
+              </a:r>
+            </a:p>
+            <a:p>
+              <a:r>
+                <a:rPr lang="en-US" dirty="0"/>
+                <a:t> </a:t>
+              </a:r>
+            </a:p>
+          </p:txBody>
+        </p:sp>
+        <p:sp>
+          <p:nvSpPr>
+            <p:cNvPr id="13" name="TextBox 12">
+              <a:extLst>
+                <a:ext uri="{FF2B5EF4-FFF2-40B4-BE49-F238E27FC236}">
+                  <a16:creationId xmlns:a16="http://schemas.microsoft.com/office/drawing/2014/main" id="{46280739-A9BB-437F-BF70-E4E32943F292}"/>
+                </a:ext>
+              </a:extLst>
+            </p:cNvPr>
+            <p:cNvSpPr txBox="1"/>
+            <p:nvPr/>
+          </p:nvSpPr>
+          <p:spPr>
+            <a:xfrm>
+              <a:off x="4346668" y="4169075"/>
+              <a:ext cx="1362687" cy="276999"/>
+            </a:xfrm>
+            <a:prstGeom prst="rect">
+              <a:avLst/>
+            </a:prstGeom>
+            <a:noFill/>
+          </p:spPr>
+          <p:txBody>
+            <a:bodyPr wrap="square" rtlCol="0">
+              <a:spAutoFit/>
+            </a:bodyPr>
+            <a:lstStyle/>
+            <a:p>
+              <a:r>
+                <a:rPr lang="el-GR" sz="1200" dirty="0"/>
+                <a:t>μ</a:t>
+              </a:r>
+              <a:r>
+                <a:rPr lang="en-US" sz="1200" baseline="-25000" dirty="0"/>
+                <a:t>n</a:t>
+              </a:r>
+              <a:r>
+                <a:rPr lang="en-US" sz="1200" dirty="0"/>
+                <a:t> &lt;</a:t>
+              </a:r>
+              <a:r>
+                <a:rPr lang="el-GR" sz="1200" dirty="0"/>
+                <a:t> μ</a:t>
+              </a:r>
+              <a:endParaRPr lang="en-US" sz="1200" dirty="0"/>
+            </a:p>
+          </p:txBody>
+        </p:sp>
+      </p:grpSp>
+      <p:grpSp>
+        <p:nvGrpSpPr>
+          <p:cNvPr id="15" name="Group 14">
+            <a:extLst>
+              <a:ext uri="{FF2B5EF4-FFF2-40B4-BE49-F238E27FC236}">
+                <a16:creationId xmlns:a16="http://schemas.microsoft.com/office/drawing/2014/main" id="{82E00356-935F-4D55-A7E2-79F48E6CCC69}"/>
+              </a:ext>
+            </a:extLst>
+          </p:cNvPr>
+          <p:cNvGrpSpPr/>
+          <p:nvPr/>
+        </p:nvGrpSpPr>
+        <p:grpSpPr>
+          <a:xfrm>
+            <a:off x="3492304" y="4401889"/>
+            <a:ext cx="4884223" cy="2124654"/>
+            <a:chOff x="4464692" y="4113948"/>
+            <a:chExt cx="4884223" cy="2124654"/>
+          </a:xfrm>
+        </p:grpSpPr>
+        <p:pic>
+          <p:nvPicPr>
+            <p:cNvPr id="5" name="Picture 4">
+              <a:extLst>
+                <a:ext uri="{FF2B5EF4-FFF2-40B4-BE49-F238E27FC236}">
+                  <a16:creationId xmlns:a16="http://schemas.microsoft.com/office/drawing/2014/main" id="{7262193E-A702-4F07-981C-D1863ECC68D0}"/>
+                </a:ext>
+              </a:extLst>
+            </p:cNvPr>
+            <p:cNvPicPr>
+              <a:picLocks noChangeAspect="1"/>
+            </p:cNvPicPr>
+            <p:nvPr/>
+          </p:nvPicPr>
+          <p:blipFill rotWithShape="1">
+            <a:blip r:embed="rId3"/>
+            <a:srcRect r="2513" b="26349"/>
+            <a:stretch/>
+          </p:blipFill>
+          <p:spPr>
+            <a:xfrm>
+              <a:off x="4464692" y="4113948"/>
+              <a:ext cx="4884223" cy="1767841"/>
+            </a:xfrm>
+            <a:prstGeom prst="rect">
+              <a:avLst/>
+            </a:prstGeom>
+          </p:spPr>
+        </p:pic>
+        <p:sp>
+          <p:nvSpPr>
+            <p:cNvPr id="6" name="TextBox 5">
+              <a:extLst>
+                <a:ext uri="{FF2B5EF4-FFF2-40B4-BE49-F238E27FC236}">
+                  <a16:creationId xmlns:a16="http://schemas.microsoft.com/office/drawing/2014/main" id="{B175E984-3D6A-4C77-A0BA-3CAD04C00F23}"/>
+                </a:ext>
+              </a:extLst>
+            </p:cNvPr>
+            <p:cNvSpPr txBox="1"/>
+            <p:nvPr/>
+          </p:nvSpPr>
+          <p:spPr>
+            <a:xfrm>
+              <a:off x="6851744" y="5869270"/>
+              <a:ext cx="1041760" cy="369332"/>
+            </a:xfrm>
+            <a:prstGeom prst="rect">
+              <a:avLst/>
+            </a:prstGeom>
+            <a:noFill/>
+          </p:spPr>
+          <p:txBody>
+            <a:bodyPr wrap="square" rtlCol="0">
+              <a:spAutoFit/>
+            </a:bodyPr>
+            <a:lstStyle/>
+            <a:p>
+              <a:r>
+                <a:rPr lang="el-GR" dirty="0"/>
+                <a:t>μ</a:t>
+              </a:r>
+              <a:r>
+                <a:rPr lang="en-US" baseline="-25000" dirty="0"/>
+                <a:t>n</a:t>
+              </a:r>
+              <a:r>
+                <a:rPr lang="en-US" dirty="0"/>
+                <a:t> &gt;</a:t>
+              </a:r>
+              <a:r>
+                <a:rPr lang="el-GR" dirty="0"/>
+                <a:t> μ</a:t>
+              </a:r>
+              <a:endParaRPr lang="en-US" dirty="0"/>
+            </a:p>
+          </p:txBody>
+        </p:sp>
+        <p:sp>
+          <p:nvSpPr>
+            <p:cNvPr id="7" name="TextBox 6">
+              <a:extLst>
+                <a:ext uri="{FF2B5EF4-FFF2-40B4-BE49-F238E27FC236}">
+                  <a16:creationId xmlns:a16="http://schemas.microsoft.com/office/drawing/2014/main" id="{EC5F0170-B6AE-45CD-9C2B-93D72BD3432B}"/>
+                </a:ext>
+              </a:extLst>
+            </p:cNvPr>
+            <p:cNvSpPr txBox="1"/>
+            <p:nvPr/>
+          </p:nvSpPr>
+          <p:spPr>
+            <a:xfrm>
+              <a:off x="8028302" y="5422796"/>
+              <a:ext cx="902086" cy="369332"/>
+            </a:xfrm>
+            <a:prstGeom prst="rect">
+              <a:avLst/>
+            </a:prstGeom>
+            <a:noFill/>
+          </p:spPr>
+          <p:txBody>
+            <a:bodyPr wrap="square" rtlCol="0">
+              <a:spAutoFit/>
+            </a:bodyPr>
+            <a:lstStyle/>
+            <a:p>
+              <a:r>
+                <a:rPr lang="el-GR" b="1" dirty="0">
+                  <a:solidFill>
+                    <a:srgbClr val="FF0000"/>
+                  </a:solidFill>
+                  <a:latin typeface="Calibri" panose="020F0502020204030204" pitchFamily="34" charset="0"/>
+                  <a:cs typeface="Calibri" panose="020F0502020204030204" pitchFamily="34" charset="0"/>
+                </a:rPr>
+                <a:t>β</a:t>
+              </a:r>
+              <a:r>
+                <a:rPr lang="en-US" b="1" dirty="0">
+                  <a:solidFill>
+                    <a:srgbClr val="FF0000"/>
+                  </a:solidFill>
+                  <a:latin typeface="Calibri" panose="020F0502020204030204" pitchFamily="34" charset="0"/>
+                  <a:cs typeface="Calibri" panose="020F0502020204030204" pitchFamily="34" charset="0"/>
+                </a:rPr>
+                <a:t> - </a:t>
+              </a:r>
+              <a:r>
+                <a:rPr lang="el-GR" b="1" dirty="0">
+                  <a:solidFill>
+                    <a:srgbClr val="FF0000"/>
+                  </a:solidFill>
+                  <a:latin typeface="Calibri" panose="020F0502020204030204" pitchFamily="34" charset="0"/>
+                  <a:cs typeface="Calibri" panose="020F0502020204030204" pitchFamily="34" charset="0"/>
+                </a:rPr>
+                <a:t>β</a:t>
+              </a:r>
+              <a:r>
+                <a:rPr lang="en-US" b="1" baseline="-25000" dirty="0">
+                  <a:solidFill>
+                    <a:srgbClr val="FF0000"/>
+                  </a:solidFill>
+                  <a:latin typeface="Calibri" panose="020F0502020204030204" pitchFamily="34" charset="0"/>
+                  <a:cs typeface="Calibri" panose="020F0502020204030204" pitchFamily="34" charset="0"/>
+                </a:rPr>
+                <a:t>left</a:t>
+              </a:r>
+              <a:endParaRPr lang="en-US" dirty="0"/>
+            </a:p>
+          </p:txBody>
+        </p:sp>
+        <p:sp>
+          <p:nvSpPr>
+            <p:cNvPr id="23" name="TextBox 22">
+              <a:extLst>
+                <a:ext uri="{FF2B5EF4-FFF2-40B4-BE49-F238E27FC236}">
+                  <a16:creationId xmlns:a16="http://schemas.microsoft.com/office/drawing/2014/main" id="{CB9889A4-A0FF-4092-8E55-4D2609E6E119}"/>
+                </a:ext>
+              </a:extLst>
+            </p:cNvPr>
+            <p:cNvSpPr txBox="1"/>
+            <p:nvPr/>
+          </p:nvSpPr>
+          <p:spPr>
+            <a:xfrm>
+              <a:off x="4582737" y="5559024"/>
+              <a:ext cx="672081" cy="369332"/>
+            </a:xfrm>
+            <a:prstGeom prst="rect">
+              <a:avLst/>
+            </a:prstGeom>
+            <a:noFill/>
+          </p:spPr>
+          <p:txBody>
+            <a:bodyPr wrap="square" rtlCol="0">
+              <a:spAutoFit/>
+            </a:bodyPr>
+            <a:lstStyle/>
+            <a:p>
+              <a:r>
+                <a:rPr lang="el-GR" b="1" dirty="0">
+                  <a:solidFill>
+                    <a:srgbClr val="FF0000"/>
+                  </a:solidFill>
+                  <a:latin typeface="Calibri" panose="020F0502020204030204" pitchFamily="34" charset="0"/>
+                  <a:cs typeface="Calibri" panose="020F0502020204030204" pitchFamily="34" charset="0"/>
+                </a:rPr>
+                <a:t>β</a:t>
+              </a:r>
+              <a:r>
+                <a:rPr lang="en-US" b="1" baseline="-25000" dirty="0">
+                  <a:solidFill>
+                    <a:srgbClr val="FF0000"/>
+                  </a:solidFill>
+                  <a:latin typeface="Calibri" panose="020F0502020204030204" pitchFamily="34" charset="0"/>
+                  <a:cs typeface="Calibri" panose="020F0502020204030204" pitchFamily="34" charset="0"/>
+                </a:rPr>
+                <a:t>left</a:t>
+              </a:r>
+              <a:r>
+                <a:rPr lang="en-US" dirty="0"/>
+                <a:t> </a:t>
+              </a:r>
+            </a:p>
+          </p:txBody>
+        </p:sp>
+      </p:grpSp>
+      <p:grpSp>
+        <p:nvGrpSpPr>
+          <p:cNvPr id="16" name="Group 15">
+            <a:extLst>
+              <a:ext uri="{FF2B5EF4-FFF2-40B4-BE49-F238E27FC236}">
+                <a16:creationId xmlns:a16="http://schemas.microsoft.com/office/drawing/2014/main" id="{77233D0F-789C-4E75-9146-F7F78CD5CBAE}"/>
+              </a:ext>
+            </a:extLst>
+          </p:cNvPr>
+          <p:cNvGrpSpPr/>
+          <p:nvPr/>
+        </p:nvGrpSpPr>
+        <p:grpSpPr>
+          <a:xfrm>
+            <a:off x="3632074" y="1448780"/>
+            <a:ext cx="969083" cy="5180536"/>
+            <a:chOff x="5126917" y="1946366"/>
+            <a:chExt cx="969083" cy="4229934"/>
+          </a:xfrm>
+        </p:grpSpPr>
+        <p:cxnSp>
+          <p:nvCxnSpPr>
+            <p:cNvPr id="10" name="Straight Connector 9">
+              <a:extLst>
+                <a:ext uri="{FF2B5EF4-FFF2-40B4-BE49-F238E27FC236}">
+                  <a16:creationId xmlns:a16="http://schemas.microsoft.com/office/drawing/2014/main" id="{97671617-5CBF-4621-BEC9-A40F9EA1C63E}"/>
+                </a:ext>
+              </a:extLst>
+            </p:cNvPr>
+            <p:cNvCxnSpPr>
+              <a:cxnSpLocks/>
+            </p:cNvCxnSpPr>
+            <p:nvPr/>
+          </p:nvCxnSpPr>
+          <p:spPr>
+            <a:xfrm>
+              <a:off x="5388429" y="1946366"/>
+              <a:ext cx="0" cy="3922904"/>
+            </a:xfrm>
+            <a:prstGeom prst="line">
+              <a:avLst/>
+            </a:prstGeom>
+          </p:spPr>
+          <p:style>
+            <a:lnRef idx="3">
+              <a:schemeClr val="accent2"/>
+            </a:lnRef>
+            <a:fillRef idx="0">
+              <a:schemeClr val="accent2"/>
+            </a:fillRef>
+            <a:effectRef idx="2">
+              <a:schemeClr val="accent2"/>
+            </a:effectRef>
+            <a:fontRef idx="minor">
+              <a:schemeClr val="tx1"/>
+            </a:fontRef>
+          </p:style>
+        </p:cxnSp>
+        <mc:AlternateContent xmlns:mc="http://schemas.openxmlformats.org/markup-compatibility/2006">
+          <mc:Choice xmlns:a14="http://schemas.microsoft.com/office/drawing/2010/main" Requires="a14">
+            <p:sp>
+              <p:nvSpPr>
+                <p:cNvPr id="11" name="TextBox 10">
+                  <a:extLst>
+                    <a:ext uri="{FF2B5EF4-FFF2-40B4-BE49-F238E27FC236}">
+                      <a16:creationId xmlns:a16="http://schemas.microsoft.com/office/drawing/2014/main" id="{A6921D6B-EDDC-4608-AC14-D10B75E1CE60}"/>
+                    </a:ext>
+                  </a:extLst>
+                </p:cNvPr>
+                <p:cNvSpPr txBox="1"/>
+                <p:nvPr/>
+              </p:nvSpPr>
+              <p:spPr>
+                <a:xfrm>
+                  <a:off x="5126917" y="5863011"/>
+                  <a:ext cx="969083" cy="313289"/>
+                </a:xfrm>
+                <a:prstGeom prst="rect">
+                  <a:avLst/>
+                </a:prstGeom>
+                <a:noFill/>
+              </p:spPr>
+              <p:txBody>
+                <a:bodyPr wrap="square" rtlCol="0">
+                  <a:spAutoFit/>
+                </a:bodyPr>
+                <a:lstStyle/>
+                <a:p>
+                  <a:pPr/>
+                  <a14:m>
+                    <m:oMathPara xmlns:m="http://schemas.openxmlformats.org/officeDocument/2006/math">
+                      <m:oMathParaPr>
+                        <m:jc m:val="centerGroup"/>
+                      </m:oMathParaPr>
+                      <m:oMath xmlns:m="http://schemas.openxmlformats.org/officeDocument/2006/math">
+                        <m:sSub>
+                          <m:sSubPr>
+                            <m:ctrlPr>
+                              <a:rPr lang="en-US" i="1" smtClean="0">
+                                <a:latin typeface="Cambria Math" panose="02040503050406030204" pitchFamily="18" charset="0"/>
+                              </a:rPr>
+                            </m:ctrlPr>
+                          </m:sSubPr>
+                          <m:e>
+                            <m:acc>
+                              <m:accPr>
+                                <m:chr m:val="̅"/>
+                                <m:ctrlPr>
+                                  <a:rPr lang="en-US" i="1">
+                                    <a:latin typeface="Cambria Math" panose="02040503050406030204" pitchFamily="18" charset="0"/>
+                                  </a:rPr>
+                                </m:ctrlPr>
+                              </m:accPr>
+                              <m:e>
+                                <m:r>
+                                  <a:rPr lang="en-US" i="1">
+                                    <a:latin typeface="Cambria Math" panose="02040503050406030204" pitchFamily="18" charset="0"/>
+                                  </a:rPr>
+                                  <m:t>𝑋</m:t>
+                                </m:r>
+                              </m:e>
+                            </m:acc>
+                          </m:e>
+                          <m:sub>
+                            <m:r>
+                              <a:rPr lang="en-US" b="0" i="1" smtClean="0">
+                                <a:latin typeface="Cambria Math" panose="02040503050406030204" pitchFamily="18" charset="0"/>
+                              </a:rPr>
+                              <m:t>𝑙𝑜𝑤</m:t>
+                            </m:r>
+                            <m:r>
+                              <a:rPr lang="en-US" b="0" i="1" smtClean="0">
+                                <a:latin typeface="Cambria Math" panose="02040503050406030204" pitchFamily="18" charset="0"/>
+                              </a:rPr>
+                              <m:t>_</m:t>
+                            </m:r>
+                            <m:r>
+                              <a:rPr lang="en-US" i="1">
+                                <a:latin typeface="Cambria Math" panose="02040503050406030204" pitchFamily="18" charset="0"/>
+                              </a:rPr>
+                              <m:t>𝑐𝑟𝑖𝑡𝑖𝑐𝑎𝑙</m:t>
+                            </m:r>
+                          </m:sub>
+                        </m:sSub>
+                      </m:oMath>
+                    </m:oMathPara>
+                  </a14:m>
+                  <a:endParaRPr lang="en-US" dirty="0"/>
+                </a:p>
+              </p:txBody>
+            </p:sp>
+          </mc:Choice>
+          <mc:Fallback>
+            <p:sp>
+              <p:nvSpPr>
+                <p:cNvPr id="11" name="TextBox 10">
+                  <a:extLst>
+                    <a:ext uri="{FF2B5EF4-FFF2-40B4-BE49-F238E27FC236}">
+                      <a16:creationId xmlns:a16="http://schemas.microsoft.com/office/drawing/2014/main" id="{A6921D6B-EDDC-4608-AC14-D10B75E1CE60}"/>
+                    </a:ext>
+                  </a:extLst>
+                </p:cNvPr>
+                <p:cNvSpPr txBox="1">
+                  <a:spLocks noRot="1" noChangeAspect="1" noMove="1" noResize="1" noEditPoints="1" noAdjustHandles="1" noChangeArrowheads="1" noChangeShapeType="1" noTextEdit="1"/>
+                </p:cNvSpPr>
+                <p:nvPr/>
+              </p:nvSpPr>
+              <p:spPr>
+                <a:xfrm>
+                  <a:off x="5126917" y="5863011"/>
+                  <a:ext cx="969083" cy="313289"/>
+                </a:xfrm>
+                <a:prstGeom prst="rect">
+                  <a:avLst/>
+                </a:prstGeom>
+                <a:blipFill>
+                  <a:blip r:embed="rId4"/>
+                  <a:stretch>
+                    <a:fillRect r="-30818"/>
+                  </a:stretch>
+                </a:blipFill>
+              </p:spPr>
+              <p:txBody>
+                <a:bodyPr/>
+                <a:lstStyle/>
+                <a:p>
+                  <a:r>
+                    <a:rPr lang="en-US">
+                      <a:noFill/>
+                    </a:rPr>
+                    <a:t> </a:t>
+                  </a:r>
+                </a:p>
+              </p:txBody>
+            </p:sp>
+          </mc:Fallback>
+        </mc:AlternateContent>
+      </p:grpSp>
+      <p:grpSp>
+        <p:nvGrpSpPr>
+          <p:cNvPr id="17" name="Group 16">
+            <a:extLst>
+              <a:ext uri="{FF2B5EF4-FFF2-40B4-BE49-F238E27FC236}">
+                <a16:creationId xmlns:a16="http://schemas.microsoft.com/office/drawing/2014/main" id="{EC981D58-72B2-4310-A539-A76D2CD6E8CC}"/>
+              </a:ext>
+            </a:extLst>
+          </p:cNvPr>
+          <p:cNvGrpSpPr/>
+          <p:nvPr/>
+        </p:nvGrpSpPr>
+        <p:grpSpPr>
+          <a:xfrm>
+            <a:off x="6657165" y="1448780"/>
+            <a:ext cx="969083" cy="5193808"/>
+            <a:chOff x="5126917" y="1946366"/>
+            <a:chExt cx="969083" cy="4240771"/>
+          </a:xfrm>
+        </p:grpSpPr>
+        <p:cxnSp>
+          <p:nvCxnSpPr>
+            <p:cNvPr id="18" name="Straight Connector 17">
+              <a:extLst>
+                <a:ext uri="{FF2B5EF4-FFF2-40B4-BE49-F238E27FC236}">
+                  <a16:creationId xmlns:a16="http://schemas.microsoft.com/office/drawing/2014/main" id="{9768B227-4BD3-45FD-BC59-E4B3EF0899FA}"/>
+                </a:ext>
+              </a:extLst>
+            </p:cNvPr>
+            <p:cNvCxnSpPr>
+              <a:cxnSpLocks/>
+            </p:cNvCxnSpPr>
+            <p:nvPr/>
+          </p:nvCxnSpPr>
+          <p:spPr>
+            <a:xfrm>
+              <a:off x="5388429" y="1946366"/>
+              <a:ext cx="0" cy="3922904"/>
+            </a:xfrm>
+            <a:prstGeom prst="line">
+              <a:avLst/>
+            </a:prstGeom>
+          </p:spPr>
+          <p:style>
+            <a:lnRef idx="3">
+              <a:schemeClr val="accent2"/>
+            </a:lnRef>
+            <a:fillRef idx="0">
+              <a:schemeClr val="accent2"/>
+            </a:fillRef>
+            <a:effectRef idx="2">
+              <a:schemeClr val="accent2"/>
+            </a:effectRef>
+            <a:fontRef idx="minor">
+              <a:schemeClr val="tx1"/>
+            </a:fontRef>
+          </p:style>
+        </p:cxnSp>
+        <mc:AlternateContent xmlns:mc="http://schemas.openxmlformats.org/markup-compatibility/2006">
+          <mc:Choice xmlns:a14="http://schemas.microsoft.com/office/drawing/2010/main" Requires="a14">
+            <p:sp>
+              <p:nvSpPr>
+                <p:cNvPr id="19" name="TextBox 18">
+                  <a:extLst>
+                    <a:ext uri="{FF2B5EF4-FFF2-40B4-BE49-F238E27FC236}">
+                      <a16:creationId xmlns:a16="http://schemas.microsoft.com/office/drawing/2014/main" id="{60E17A5A-F74D-4B1E-8277-A2596740F2C4}"/>
+                    </a:ext>
+                  </a:extLst>
+                </p:cNvPr>
+                <p:cNvSpPr txBox="1"/>
+                <p:nvPr/>
+              </p:nvSpPr>
+              <p:spPr>
+                <a:xfrm>
+                  <a:off x="5126917" y="5863011"/>
+                  <a:ext cx="969083" cy="324126"/>
+                </a:xfrm>
+                <a:prstGeom prst="rect">
+                  <a:avLst/>
+                </a:prstGeom>
+                <a:noFill/>
+              </p:spPr>
+              <p:txBody>
+                <a:bodyPr wrap="square" rtlCol="0">
+                  <a:spAutoFit/>
+                </a:bodyPr>
+                <a:lstStyle/>
+                <a:p>
+                  <a:pPr/>
+                  <a14:m>
+                    <m:oMathPara xmlns:m="http://schemas.openxmlformats.org/officeDocument/2006/math">
+                      <m:oMathParaPr>
+                        <m:jc m:val="centerGroup"/>
+                      </m:oMathParaPr>
+                      <m:oMath xmlns:m="http://schemas.openxmlformats.org/officeDocument/2006/math">
+                        <m:sSub>
+                          <m:sSubPr>
+                            <m:ctrlPr>
+                              <a:rPr lang="en-US" i="1" smtClean="0">
+                                <a:latin typeface="Cambria Math" panose="02040503050406030204" pitchFamily="18" charset="0"/>
+                              </a:rPr>
+                            </m:ctrlPr>
+                          </m:sSubPr>
+                          <m:e>
+                            <m:acc>
+                              <m:accPr>
+                                <m:chr m:val="̅"/>
+                                <m:ctrlPr>
+                                  <a:rPr lang="en-US" i="1">
+                                    <a:latin typeface="Cambria Math" panose="02040503050406030204" pitchFamily="18" charset="0"/>
+                                  </a:rPr>
+                                </m:ctrlPr>
+                              </m:accPr>
+                              <m:e>
+                                <m:r>
+                                  <a:rPr lang="en-US" i="1">
+                                    <a:latin typeface="Cambria Math" panose="02040503050406030204" pitchFamily="18" charset="0"/>
+                                  </a:rPr>
+                                  <m:t>𝑋</m:t>
+                                </m:r>
+                              </m:e>
+                            </m:acc>
+                          </m:e>
+                          <m:sub>
+                            <m:r>
+                              <a:rPr lang="en-US" b="0" i="1" smtClean="0">
+                                <a:latin typeface="Cambria Math" panose="02040503050406030204" pitchFamily="18" charset="0"/>
+                              </a:rPr>
+                              <m:t>h𝑖𝑔h</m:t>
+                            </m:r>
+                            <m:r>
+                              <a:rPr lang="en-US" b="0" i="1" smtClean="0">
+                                <a:latin typeface="Cambria Math" panose="02040503050406030204" pitchFamily="18" charset="0"/>
+                              </a:rPr>
+                              <m:t>_</m:t>
+                            </m:r>
+                            <m:r>
+                              <a:rPr lang="en-US" i="1">
+                                <a:latin typeface="Cambria Math" panose="02040503050406030204" pitchFamily="18" charset="0"/>
+                              </a:rPr>
+                              <m:t>𝑐𝑟𝑖𝑡𝑖𝑐𝑎𝑙</m:t>
+                            </m:r>
+                          </m:sub>
+                        </m:sSub>
+                      </m:oMath>
+                    </m:oMathPara>
+                  </a14:m>
+                  <a:endParaRPr lang="en-US" dirty="0"/>
+                </a:p>
+              </p:txBody>
+            </p:sp>
+          </mc:Choice>
+          <mc:Fallback>
+            <p:sp>
+              <p:nvSpPr>
+                <p:cNvPr id="19" name="TextBox 18">
+                  <a:extLst>
+                    <a:ext uri="{FF2B5EF4-FFF2-40B4-BE49-F238E27FC236}">
+                      <a16:creationId xmlns:a16="http://schemas.microsoft.com/office/drawing/2014/main" id="{60E17A5A-F74D-4B1E-8277-A2596740F2C4}"/>
+                    </a:ext>
+                  </a:extLst>
+                </p:cNvPr>
+                <p:cNvSpPr txBox="1">
+                  <a:spLocks noRot="1" noChangeAspect="1" noMove="1" noResize="1" noEditPoints="1" noAdjustHandles="1" noChangeArrowheads="1" noChangeShapeType="1" noTextEdit="1"/>
+                </p:cNvSpPr>
+                <p:nvPr/>
+              </p:nvSpPr>
+              <p:spPr>
+                <a:xfrm>
+                  <a:off x="5126917" y="5863011"/>
+                  <a:ext cx="969083" cy="324126"/>
+                </a:xfrm>
+                <a:prstGeom prst="rect">
+                  <a:avLst/>
+                </a:prstGeom>
+                <a:blipFill>
+                  <a:blip r:embed="rId5"/>
+                  <a:stretch>
+                    <a:fillRect r="-39623" b="-9231"/>
+                  </a:stretch>
+                </a:blipFill>
+              </p:spPr>
+              <p:txBody>
+                <a:bodyPr/>
+                <a:lstStyle/>
+                <a:p>
+                  <a:r>
+                    <a:rPr lang="en-US">
+                      <a:noFill/>
+                    </a:rPr>
+                    <a:t> </a:t>
+                  </a:r>
+                </a:p>
+              </p:txBody>
+            </p:sp>
+          </mc:Fallback>
+        </mc:AlternateContent>
+      </p:grpSp>
+    </p:spTree>
+    <p:extLst>
+      <p:ext uri="{BB962C8B-B14F-4D97-AF65-F5344CB8AC3E}">
+        <p14:creationId xmlns:p14="http://schemas.microsoft.com/office/powerpoint/2010/main" val="1767247742"/>
       </p:ext>
     </p:extLst>
   </p:cSld>
